--- a/Block Diagram.pptx
+++ b/Block Diagram.pptx
@@ -10,6 +10,13 @@
     <p:sldId id="258" r:id="rId4"/>
     <p:sldId id="259" r:id="rId5"/>
     <p:sldId id="260" r:id="rId6"/>
+    <p:sldId id="261" r:id="rId7"/>
+    <p:sldId id="262" r:id="rId8"/>
+    <p:sldId id="263" r:id="rId9"/>
+    <p:sldId id="264" r:id="rId10"/>
+    <p:sldId id="265" r:id="rId11"/>
+    <p:sldId id="266" r:id="rId12"/>
+    <p:sldId id="267" r:id="rId13"/>
   </p:sldIdLst>
   <p:sldSz cx="12192000" cy="6858000"/>
   <p:notesSz cx="6858000" cy="9144000"/>
@@ -108,6 +115,11 @@
       </a:defRPr>
     </a:lvl9pPr>
   </p:defaultTextStyle>
+  <p:extLst>
+    <p:ext uri="{EFAFB233-063F-42B5-8137-9DF3F51BA10A}">
+      <p15:sldGuideLst xmlns:p15="http://schemas.microsoft.com/office/powerpoint/2012/main"/>
+    </p:ext>
+  </p:extLst>
 </p:presentation>
 </file>
 
@@ -270,7 +282,7 @@
           <a:p>
             <a:fld id="{DBFCE39B-DC1D-4808-A0FD-53E2BE26DCF8}" type="datetimeFigureOut">
               <a:rPr lang="en-US" smtClean="0"/>
-              <a:t>11/24/2021</a:t>
+              <a:t>11/29/2021</a:t>
             </a:fld>
             <a:endParaRPr lang="en-US" dirty="0"/>
           </a:p>
@@ -468,7 +480,7 @@
           <a:p>
             <a:fld id="{DBFCE39B-DC1D-4808-A0FD-53E2BE26DCF8}" type="datetimeFigureOut">
               <a:rPr lang="en-US" smtClean="0"/>
-              <a:t>11/24/2021</a:t>
+              <a:t>11/29/2021</a:t>
             </a:fld>
             <a:endParaRPr lang="en-US" dirty="0"/>
           </a:p>
@@ -676,7 +688,7 @@
           <a:p>
             <a:fld id="{DBFCE39B-DC1D-4808-A0FD-53E2BE26DCF8}" type="datetimeFigureOut">
               <a:rPr lang="en-US" smtClean="0"/>
-              <a:t>11/24/2021</a:t>
+              <a:t>11/29/2021</a:t>
             </a:fld>
             <a:endParaRPr lang="en-US" dirty="0"/>
           </a:p>
@@ -874,7 +886,7 @@
           <a:p>
             <a:fld id="{DBFCE39B-DC1D-4808-A0FD-53E2BE26DCF8}" type="datetimeFigureOut">
               <a:rPr lang="en-US" smtClean="0"/>
-              <a:t>11/24/2021</a:t>
+              <a:t>11/29/2021</a:t>
             </a:fld>
             <a:endParaRPr lang="en-US" dirty="0"/>
           </a:p>
@@ -1149,7 +1161,7 @@
           <a:p>
             <a:fld id="{DBFCE39B-DC1D-4808-A0FD-53E2BE26DCF8}" type="datetimeFigureOut">
               <a:rPr lang="en-US" smtClean="0"/>
-              <a:t>11/24/2021</a:t>
+              <a:t>11/29/2021</a:t>
             </a:fld>
             <a:endParaRPr lang="en-US" dirty="0"/>
           </a:p>
@@ -1414,7 +1426,7 @@
           <a:p>
             <a:fld id="{DBFCE39B-DC1D-4808-A0FD-53E2BE26DCF8}" type="datetimeFigureOut">
               <a:rPr lang="en-US" smtClean="0"/>
-              <a:t>11/24/2021</a:t>
+              <a:t>11/29/2021</a:t>
             </a:fld>
             <a:endParaRPr lang="en-US" dirty="0"/>
           </a:p>
@@ -1826,7 +1838,7 @@
           <a:p>
             <a:fld id="{DBFCE39B-DC1D-4808-A0FD-53E2BE26DCF8}" type="datetimeFigureOut">
               <a:rPr lang="en-US" smtClean="0"/>
-              <a:t>11/24/2021</a:t>
+              <a:t>11/29/2021</a:t>
             </a:fld>
             <a:endParaRPr lang="en-US" dirty="0"/>
           </a:p>
@@ -1967,7 +1979,7 @@
           <a:p>
             <a:fld id="{DBFCE39B-DC1D-4808-A0FD-53E2BE26DCF8}" type="datetimeFigureOut">
               <a:rPr lang="en-US" smtClean="0"/>
-              <a:t>11/24/2021</a:t>
+              <a:t>11/29/2021</a:t>
             </a:fld>
             <a:endParaRPr lang="en-US" dirty="0"/>
           </a:p>
@@ -2080,7 +2092,7 @@
           <a:p>
             <a:fld id="{DBFCE39B-DC1D-4808-A0FD-53E2BE26DCF8}" type="datetimeFigureOut">
               <a:rPr lang="en-US" smtClean="0"/>
-              <a:t>11/24/2021</a:t>
+              <a:t>11/29/2021</a:t>
             </a:fld>
             <a:endParaRPr lang="en-US" dirty="0"/>
           </a:p>
@@ -2391,7 +2403,7 @@
           <a:p>
             <a:fld id="{DBFCE39B-DC1D-4808-A0FD-53E2BE26DCF8}" type="datetimeFigureOut">
               <a:rPr lang="en-US" smtClean="0"/>
-              <a:t>11/24/2021</a:t>
+              <a:t>11/29/2021</a:t>
             </a:fld>
             <a:endParaRPr lang="en-US" dirty="0"/>
           </a:p>
@@ -2679,7 +2691,7 @@
           <a:p>
             <a:fld id="{DBFCE39B-DC1D-4808-A0FD-53E2BE26DCF8}" type="datetimeFigureOut">
               <a:rPr lang="en-US" smtClean="0"/>
-              <a:t>11/24/2021</a:t>
+              <a:t>11/29/2021</a:t>
             </a:fld>
             <a:endParaRPr lang="en-US" dirty="0"/>
           </a:p>
@@ -2920,7 +2932,7 @@
           <a:p>
             <a:fld id="{DBFCE39B-DC1D-4808-A0FD-53E2BE26DCF8}" type="datetimeFigureOut">
               <a:rPr lang="en-US" smtClean="0"/>
-              <a:t>11/24/2021</a:t>
+              <a:t>11/29/2021</a:t>
             </a:fld>
             <a:endParaRPr lang="en-US" dirty="0"/>
           </a:p>
@@ -3938,6 +3950,3058 @@
 </p:sld>
 </file>
 
+<file path=ppt/slides/slide10.xml><?xml version="1.0" encoding="utf-8"?>
+<p:sld xmlns:a="http://schemas.openxmlformats.org/drawingml/2006/main" xmlns:r="http://schemas.openxmlformats.org/officeDocument/2006/relationships" xmlns:p="http://schemas.openxmlformats.org/presentationml/2006/main">
+  <p:cSld>
+    <p:spTree>
+      <p:nvGrpSpPr>
+        <p:cNvPr id="1" name=""/>
+        <p:cNvGrpSpPr/>
+        <p:nvPr/>
+      </p:nvGrpSpPr>
+      <p:grpSpPr>
+        <a:xfrm>
+          <a:off x="0" y="0"/>
+          <a:ext cx="0" cy="0"/>
+          <a:chOff x="0" y="0"/>
+          <a:chExt cx="0" cy="0"/>
+        </a:xfrm>
+      </p:grpSpPr>
+      <p:sp>
+        <p:nvSpPr>
+          <p:cNvPr id="4" name="Rectangle 3">
+            <a:extLst>
+              <a:ext uri="{FF2B5EF4-FFF2-40B4-BE49-F238E27FC236}">
+                <a16:creationId xmlns:a16="http://schemas.microsoft.com/office/drawing/2014/main" id="{01126451-1CD8-43DD-9BF1-128A503C5700}"/>
+              </a:ext>
+            </a:extLst>
+          </p:cNvPr>
+          <p:cNvSpPr/>
+          <p:nvPr/>
+        </p:nvSpPr>
+        <p:spPr>
+          <a:xfrm>
+            <a:off x="7268541" y="1049671"/>
+            <a:ext cx="1516306" cy="356614"/>
+          </a:xfrm>
+          <a:prstGeom prst="rect">
+            <a:avLst/>
+          </a:prstGeom>
+        </p:spPr>
+        <p:style>
+          <a:lnRef idx="2">
+            <a:schemeClr val="accent1">
+              <a:shade val="50000"/>
+            </a:schemeClr>
+          </a:lnRef>
+          <a:fillRef idx="1">
+            <a:schemeClr val="accent1"/>
+          </a:fillRef>
+          <a:effectRef idx="0">
+            <a:schemeClr val="accent1"/>
+          </a:effectRef>
+          <a:fontRef idx="minor">
+            <a:schemeClr val="lt1"/>
+          </a:fontRef>
+        </p:style>
+        <p:txBody>
+          <a:bodyPr rtlCol="0" anchor="ctr"/>
+          <a:lstStyle/>
+          <a:p>
+            <a:pPr algn="ctr"/>
+            <a:r>
+              <a:rPr lang="en-US" sz="1400" dirty="0"/>
+              <a:t>Print Screen Title</a:t>
+            </a:r>
+          </a:p>
+        </p:txBody>
+      </p:sp>
+      <p:sp>
+        <p:nvSpPr>
+          <p:cNvPr id="9" name="Oval 8">
+            <a:extLst>
+              <a:ext uri="{FF2B5EF4-FFF2-40B4-BE49-F238E27FC236}">
+                <a16:creationId xmlns:a16="http://schemas.microsoft.com/office/drawing/2014/main" id="{423DAC25-A7FA-4762-AD9B-D349209C5332}"/>
+              </a:ext>
+            </a:extLst>
+          </p:cNvPr>
+          <p:cNvSpPr/>
+          <p:nvPr/>
+        </p:nvSpPr>
+        <p:spPr>
+          <a:xfrm>
+            <a:off x="7368326" y="240417"/>
+            <a:ext cx="1316736" cy="594360"/>
+          </a:xfrm>
+          <a:prstGeom prst="ellipse">
+            <a:avLst/>
+          </a:prstGeom>
+        </p:spPr>
+        <p:style>
+          <a:lnRef idx="2">
+            <a:schemeClr val="accent1">
+              <a:shade val="50000"/>
+            </a:schemeClr>
+          </a:lnRef>
+          <a:fillRef idx="1">
+            <a:schemeClr val="accent1"/>
+          </a:fillRef>
+          <a:effectRef idx="0">
+            <a:schemeClr val="accent1"/>
+          </a:effectRef>
+          <a:fontRef idx="minor">
+            <a:schemeClr val="lt1"/>
+          </a:fontRef>
+        </p:style>
+        <p:txBody>
+          <a:bodyPr rtlCol="0" anchor="ctr"/>
+          <a:lstStyle/>
+          <a:p>
+            <a:pPr algn="ctr"/>
+            <a:r>
+              <a:rPr lang="en-US" sz="1400" dirty="0"/>
+              <a:t>Open Screen</a:t>
+            </a:r>
+          </a:p>
+        </p:txBody>
+      </p:sp>
+      <p:sp>
+        <p:nvSpPr>
+          <p:cNvPr id="10" name="Oval 9">
+            <a:extLst>
+              <a:ext uri="{FF2B5EF4-FFF2-40B4-BE49-F238E27FC236}">
+                <a16:creationId xmlns:a16="http://schemas.microsoft.com/office/drawing/2014/main" id="{C5801644-109B-4AAC-A281-9A821CE966A3}"/>
+              </a:ext>
+            </a:extLst>
+          </p:cNvPr>
+          <p:cNvSpPr/>
+          <p:nvPr/>
+        </p:nvSpPr>
+        <p:spPr>
+          <a:xfrm>
+            <a:off x="1129551" y="5685286"/>
+            <a:ext cx="1970662" cy="713229"/>
+          </a:xfrm>
+          <a:prstGeom prst="ellipse">
+            <a:avLst/>
+          </a:prstGeom>
+        </p:spPr>
+        <p:style>
+          <a:lnRef idx="2">
+            <a:schemeClr val="accent1">
+              <a:shade val="50000"/>
+            </a:schemeClr>
+          </a:lnRef>
+          <a:fillRef idx="1">
+            <a:schemeClr val="accent1"/>
+          </a:fillRef>
+          <a:effectRef idx="0">
+            <a:schemeClr val="accent1"/>
+          </a:effectRef>
+          <a:fontRef idx="minor">
+            <a:schemeClr val="lt1"/>
+          </a:fontRef>
+        </p:style>
+        <p:txBody>
+          <a:bodyPr rtlCol="0" anchor="ctr"/>
+          <a:lstStyle/>
+          <a:p>
+            <a:pPr algn="ctr"/>
+            <a:r>
+              <a:rPr lang="en-US" sz="1400" dirty="0"/>
+              <a:t>Close screen and navigate to selected screen</a:t>
+            </a:r>
+          </a:p>
+        </p:txBody>
+      </p:sp>
+      <p:cxnSp>
+        <p:nvCxnSpPr>
+          <p:cNvPr id="11" name="Straight Arrow Connector 10">
+            <a:extLst>
+              <a:ext uri="{FF2B5EF4-FFF2-40B4-BE49-F238E27FC236}">
+                <a16:creationId xmlns:a16="http://schemas.microsoft.com/office/drawing/2014/main" id="{14A3FEB2-7006-4B10-8080-B97E85238E82}"/>
+              </a:ext>
+            </a:extLst>
+          </p:cNvPr>
+          <p:cNvCxnSpPr>
+            <a:cxnSpLocks/>
+            <a:stCxn id="9" idx="4"/>
+            <a:endCxn id="4" idx="0"/>
+          </p:cNvCxnSpPr>
+          <p:nvPr/>
+        </p:nvCxnSpPr>
+        <p:spPr>
+          <a:xfrm>
+            <a:off x="8026694" y="834777"/>
+            <a:ext cx="0" cy="214894"/>
+          </a:xfrm>
+          <a:prstGeom prst="straightConnector1">
+            <a:avLst/>
+          </a:prstGeom>
+          <a:ln w="28575">
+            <a:tailEnd type="triangle"/>
+          </a:ln>
+        </p:spPr>
+        <p:style>
+          <a:lnRef idx="1">
+            <a:schemeClr val="accent1"/>
+          </a:lnRef>
+          <a:fillRef idx="0">
+            <a:schemeClr val="accent1"/>
+          </a:fillRef>
+          <a:effectRef idx="0">
+            <a:schemeClr val="accent1"/>
+          </a:effectRef>
+          <a:fontRef idx="minor">
+            <a:schemeClr val="tx1"/>
+          </a:fontRef>
+        </p:style>
+      </p:cxnSp>
+      <p:cxnSp>
+        <p:nvCxnSpPr>
+          <p:cNvPr id="12" name="Straight Arrow Connector 11">
+            <a:extLst>
+              <a:ext uri="{FF2B5EF4-FFF2-40B4-BE49-F238E27FC236}">
+                <a16:creationId xmlns:a16="http://schemas.microsoft.com/office/drawing/2014/main" id="{233673F3-F49C-4580-9010-2DCEABD3B3C5}"/>
+              </a:ext>
+            </a:extLst>
+          </p:cNvPr>
+          <p:cNvCxnSpPr>
+            <a:cxnSpLocks/>
+            <a:stCxn id="4" idx="2"/>
+            <a:endCxn id="19" idx="0"/>
+          </p:cNvCxnSpPr>
+          <p:nvPr/>
+        </p:nvCxnSpPr>
+        <p:spPr>
+          <a:xfrm>
+            <a:off x="8026694" y="1406285"/>
+            <a:ext cx="0" cy="225546"/>
+          </a:xfrm>
+          <a:prstGeom prst="straightConnector1">
+            <a:avLst/>
+          </a:prstGeom>
+          <a:ln w="28575">
+            <a:tailEnd type="triangle"/>
+          </a:ln>
+        </p:spPr>
+        <p:style>
+          <a:lnRef idx="1">
+            <a:schemeClr val="accent1"/>
+          </a:lnRef>
+          <a:fillRef idx="0">
+            <a:schemeClr val="accent1"/>
+          </a:fillRef>
+          <a:effectRef idx="0">
+            <a:schemeClr val="accent1"/>
+          </a:effectRef>
+          <a:fontRef idx="minor">
+            <a:schemeClr val="tx1"/>
+          </a:fontRef>
+        </p:style>
+      </p:cxnSp>
+      <p:cxnSp>
+        <p:nvCxnSpPr>
+          <p:cNvPr id="13" name="Straight Arrow Connector 12">
+            <a:extLst>
+              <a:ext uri="{FF2B5EF4-FFF2-40B4-BE49-F238E27FC236}">
+                <a16:creationId xmlns:a16="http://schemas.microsoft.com/office/drawing/2014/main" id="{CEC90A3C-B953-4D39-8555-14AB5350A520}"/>
+              </a:ext>
+            </a:extLst>
+          </p:cNvPr>
+          <p:cNvCxnSpPr>
+            <a:cxnSpLocks/>
+            <a:stCxn id="19" idx="2"/>
+            <a:endCxn id="44" idx="0"/>
+          </p:cNvCxnSpPr>
+          <p:nvPr/>
+        </p:nvCxnSpPr>
+        <p:spPr>
+          <a:xfrm flipH="1">
+            <a:off x="8026693" y="2683391"/>
+            <a:ext cx="1" cy="359475"/>
+          </a:xfrm>
+          <a:prstGeom prst="straightConnector1">
+            <a:avLst/>
+          </a:prstGeom>
+          <a:ln w="28575">
+            <a:tailEnd type="triangle"/>
+          </a:ln>
+        </p:spPr>
+        <p:style>
+          <a:lnRef idx="1">
+            <a:schemeClr val="accent1"/>
+          </a:lnRef>
+          <a:fillRef idx="0">
+            <a:schemeClr val="accent1"/>
+          </a:fillRef>
+          <a:effectRef idx="0">
+            <a:schemeClr val="accent1"/>
+          </a:effectRef>
+          <a:fontRef idx="minor">
+            <a:schemeClr val="tx1"/>
+          </a:fontRef>
+        </p:style>
+      </p:cxnSp>
+      <p:cxnSp>
+        <p:nvCxnSpPr>
+          <p:cNvPr id="14" name="Straight Arrow Connector 13">
+            <a:extLst>
+              <a:ext uri="{FF2B5EF4-FFF2-40B4-BE49-F238E27FC236}">
+                <a16:creationId xmlns:a16="http://schemas.microsoft.com/office/drawing/2014/main" id="{1CF6278E-8FDE-4CB2-B984-78B08C7E8E76}"/>
+              </a:ext>
+            </a:extLst>
+          </p:cNvPr>
+          <p:cNvCxnSpPr>
+            <a:cxnSpLocks/>
+          </p:cNvCxnSpPr>
+          <p:nvPr/>
+        </p:nvCxnSpPr>
+        <p:spPr>
+          <a:xfrm flipH="1">
+            <a:off x="2131984" y="5234181"/>
+            <a:ext cx="9144" cy="451105"/>
+          </a:xfrm>
+          <a:prstGeom prst="straightConnector1">
+            <a:avLst/>
+          </a:prstGeom>
+          <a:ln w="28575">
+            <a:tailEnd type="triangle"/>
+          </a:ln>
+        </p:spPr>
+        <p:style>
+          <a:lnRef idx="1">
+            <a:schemeClr val="accent1"/>
+          </a:lnRef>
+          <a:fillRef idx="0">
+            <a:schemeClr val="accent1"/>
+          </a:fillRef>
+          <a:effectRef idx="0">
+            <a:schemeClr val="accent1"/>
+          </a:effectRef>
+          <a:fontRef idx="minor">
+            <a:schemeClr val="tx1"/>
+          </a:fontRef>
+        </p:style>
+      </p:cxnSp>
+      <p:sp>
+        <p:nvSpPr>
+          <p:cNvPr id="19" name="Diamond 18">
+            <a:extLst>
+              <a:ext uri="{FF2B5EF4-FFF2-40B4-BE49-F238E27FC236}">
+                <a16:creationId xmlns:a16="http://schemas.microsoft.com/office/drawing/2014/main" id="{0C9B9E0A-6752-4B76-AD77-6EB3AEE8019F}"/>
+              </a:ext>
+            </a:extLst>
+          </p:cNvPr>
+          <p:cNvSpPr/>
+          <p:nvPr/>
+        </p:nvSpPr>
+        <p:spPr>
+          <a:xfrm>
+            <a:off x="6677406" y="1631831"/>
+            <a:ext cx="2698575" cy="1051560"/>
+          </a:xfrm>
+          <a:prstGeom prst="diamond">
+            <a:avLst/>
+          </a:prstGeom>
+        </p:spPr>
+        <p:style>
+          <a:lnRef idx="2">
+            <a:schemeClr val="accent1">
+              <a:shade val="50000"/>
+            </a:schemeClr>
+          </a:lnRef>
+          <a:fillRef idx="1">
+            <a:schemeClr val="accent1"/>
+          </a:fillRef>
+          <a:effectRef idx="0">
+            <a:schemeClr val="accent1"/>
+          </a:effectRef>
+          <a:fontRef idx="minor">
+            <a:schemeClr val="lt1"/>
+          </a:fontRef>
+        </p:style>
+        <p:txBody>
+          <a:bodyPr rtlCol="0" anchor="ctr"/>
+          <a:lstStyle/>
+          <a:p>
+            <a:pPr algn="ctr"/>
+            <a:r>
+              <a:rPr lang="en-US" sz="1400" dirty="0"/>
+              <a:t>bookCount == 0</a:t>
+            </a:r>
+          </a:p>
+        </p:txBody>
+      </p:sp>
+      <p:sp>
+        <p:nvSpPr>
+          <p:cNvPr id="24" name="TextBox 23">
+            <a:extLst>
+              <a:ext uri="{FF2B5EF4-FFF2-40B4-BE49-F238E27FC236}">
+                <a16:creationId xmlns:a16="http://schemas.microsoft.com/office/drawing/2014/main" id="{510C764C-5CEB-4B7F-B8E3-C31F6123B178}"/>
+              </a:ext>
+            </a:extLst>
+          </p:cNvPr>
+          <p:cNvSpPr txBox="1"/>
+          <p:nvPr/>
+        </p:nvSpPr>
+        <p:spPr>
+          <a:xfrm>
+            <a:off x="8260665" y="2687858"/>
+            <a:ext cx="524182" cy="307777"/>
+          </a:xfrm>
+          <a:prstGeom prst="rect">
+            <a:avLst/>
+          </a:prstGeom>
+          <a:noFill/>
+        </p:spPr>
+        <p:txBody>
+          <a:bodyPr wrap="none" rtlCol="0">
+            <a:spAutoFit/>
+          </a:bodyPr>
+          <a:lstStyle/>
+          <a:p>
+            <a:r>
+              <a:rPr lang="en-US" sz="1400" dirty="0">
+                <a:solidFill>
+                  <a:schemeClr val="accent1"/>
+                </a:solidFill>
+              </a:rPr>
+              <a:t>false</a:t>
+            </a:r>
+          </a:p>
+        </p:txBody>
+      </p:sp>
+      <p:sp>
+        <p:nvSpPr>
+          <p:cNvPr id="25" name="Rectangle 24">
+            <a:extLst>
+              <a:ext uri="{FF2B5EF4-FFF2-40B4-BE49-F238E27FC236}">
+                <a16:creationId xmlns:a16="http://schemas.microsoft.com/office/drawing/2014/main" id="{F97D8E11-0C27-4C24-93A2-FE6E071E4814}"/>
+              </a:ext>
+            </a:extLst>
+          </p:cNvPr>
+          <p:cNvSpPr/>
+          <p:nvPr/>
+        </p:nvSpPr>
+        <p:spPr>
+          <a:xfrm>
+            <a:off x="1257301" y="1823855"/>
+            <a:ext cx="1673830" cy="667512"/>
+          </a:xfrm>
+          <a:prstGeom prst="rect">
+            <a:avLst/>
+          </a:prstGeom>
+        </p:spPr>
+        <p:style>
+          <a:lnRef idx="2">
+            <a:schemeClr val="accent1">
+              <a:shade val="50000"/>
+            </a:schemeClr>
+          </a:lnRef>
+          <a:fillRef idx="1">
+            <a:schemeClr val="accent1"/>
+          </a:fillRef>
+          <a:effectRef idx="0">
+            <a:schemeClr val="accent1"/>
+          </a:effectRef>
+          <a:fontRef idx="minor">
+            <a:schemeClr val="lt1"/>
+          </a:fontRef>
+        </p:style>
+        <p:txBody>
+          <a:bodyPr rtlCol="0" anchor="ctr"/>
+          <a:lstStyle/>
+          <a:p>
+            <a:pPr algn="ctr"/>
+            <a:r>
+              <a:rPr lang="en-US" sz="1400" dirty="0"/>
+              <a:t>No book added.</a:t>
+            </a:r>
+          </a:p>
+          <a:p>
+            <a:pPr algn="ctr"/>
+            <a:r>
+              <a:rPr lang="en-US" sz="1400" dirty="0"/>
+              <a:t>Prompt message to user</a:t>
+            </a:r>
+          </a:p>
+        </p:txBody>
+      </p:sp>
+      <p:cxnSp>
+        <p:nvCxnSpPr>
+          <p:cNvPr id="27" name="Straight Arrow Connector 26">
+            <a:extLst>
+              <a:ext uri="{FF2B5EF4-FFF2-40B4-BE49-F238E27FC236}">
+                <a16:creationId xmlns:a16="http://schemas.microsoft.com/office/drawing/2014/main" id="{51F6C035-DE13-4CB3-9264-B166F1292D55}"/>
+              </a:ext>
+            </a:extLst>
+          </p:cNvPr>
+          <p:cNvCxnSpPr>
+            <a:cxnSpLocks/>
+            <a:stCxn id="19" idx="1"/>
+            <a:endCxn id="25" idx="3"/>
+          </p:cNvCxnSpPr>
+          <p:nvPr/>
+        </p:nvCxnSpPr>
+        <p:spPr>
+          <a:xfrm flipH="1">
+            <a:off x="2931131" y="2157611"/>
+            <a:ext cx="3746275" cy="0"/>
+          </a:xfrm>
+          <a:prstGeom prst="straightConnector1">
+            <a:avLst/>
+          </a:prstGeom>
+          <a:ln w="28575">
+            <a:solidFill>
+              <a:schemeClr val="accent1"/>
+            </a:solidFill>
+            <a:tailEnd type="triangle"/>
+          </a:ln>
+        </p:spPr>
+        <p:style>
+          <a:lnRef idx="1">
+            <a:schemeClr val="accent1"/>
+          </a:lnRef>
+          <a:fillRef idx="0">
+            <a:schemeClr val="accent1"/>
+          </a:fillRef>
+          <a:effectRef idx="0">
+            <a:schemeClr val="accent1"/>
+          </a:effectRef>
+          <a:fontRef idx="minor">
+            <a:schemeClr val="tx1"/>
+          </a:fontRef>
+        </p:style>
+      </p:cxnSp>
+      <p:sp>
+        <p:nvSpPr>
+          <p:cNvPr id="30" name="Rectangle: Rounded Corners 29">
+            <a:extLst>
+              <a:ext uri="{FF2B5EF4-FFF2-40B4-BE49-F238E27FC236}">
+                <a16:creationId xmlns:a16="http://schemas.microsoft.com/office/drawing/2014/main" id="{892A58FA-051B-4061-BA1E-950AAF8BBD56}"/>
+              </a:ext>
+            </a:extLst>
+          </p:cNvPr>
+          <p:cNvSpPr/>
+          <p:nvPr/>
+        </p:nvSpPr>
+        <p:spPr>
+          <a:xfrm>
+            <a:off x="1219138" y="4566669"/>
+            <a:ext cx="1748856" cy="667512"/>
+          </a:xfrm>
+          <a:prstGeom prst="roundRect">
+            <a:avLst/>
+          </a:prstGeom>
+        </p:spPr>
+        <p:style>
+          <a:lnRef idx="2">
+            <a:schemeClr val="accent1">
+              <a:shade val="50000"/>
+            </a:schemeClr>
+          </a:lnRef>
+          <a:fillRef idx="1">
+            <a:schemeClr val="accent1"/>
+          </a:fillRef>
+          <a:effectRef idx="0">
+            <a:schemeClr val="accent1"/>
+          </a:effectRef>
+          <a:fontRef idx="minor">
+            <a:schemeClr val="lt1"/>
+          </a:fontRef>
+        </p:style>
+        <p:txBody>
+          <a:bodyPr rtlCol="0" anchor="ctr"/>
+          <a:lstStyle/>
+          <a:p>
+            <a:pPr algn="ctr"/>
+            <a:r>
+              <a:rPr lang="en-US" sz="1400" dirty="0"/>
+              <a:t>Display option menu and process user selection</a:t>
+            </a:r>
+          </a:p>
+        </p:txBody>
+      </p:sp>
+      <p:sp>
+        <p:nvSpPr>
+          <p:cNvPr id="44" name="Parallelogram 43">
+            <a:extLst>
+              <a:ext uri="{FF2B5EF4-FFF2-40B4-BE49-F238E27FC236}">
+                <a16:creationId xmlns:a16="http://schemas.microsoft.com/office/drawing/2014/main" id="{97D27C24-C511-4E89-8764-E65299764F63}"/>
+              </a:ext>
+            </a:extLst>
+          </p:cNvPr>
+          <p:cNvSpPr/>
+          <p:nvPr/>
+        </p:nvSpPr>
+        <p:spPr>
+          <a:xfrm>
+            <a:off x="5962621" y="3042866"/>
+            <a:ext cx="4128144" cy="850771"/>
+          </a:xfrm>
+          <a:prstGeom prst="parallelogram">
+            <a:avLst/>
+          </a:prstGeom>
+        </p:spPr>
+        <p:style>
+          <a:lnRef idx="2">
+            <a:schemeClr val="accent1">
+              <a:shade val="50000"/>
+            </a:schemeClr>
+          </a:lnRef>
+          <a:fillRef idx="1">
+            <a:schemeClr val="accent1"/>
+          </a:fillRef>
+          <a:effectRef idx="0">
+            <a:schemeClr val="accent1"/>
+          </a:effectRef>
+          <a:fontRef idx="minor">
+            <a:schemeClr val="lt1"/>
+          </a:fontRef>
+        </p:style>
+        <p:txBody>
+          <a:bodyPr rtlCol="0" anchor="ctr"/>
+          <a:lstStyle/>
+          <a:p>
+            <a:pPr algn="ctr"/>
+            <a:r>
+              <a:rPr lang="en-US" sz="1400" dirty="0"/>
+              <a:t>searchedBookIndex = searchBookByIdNo()</a:t>
+            </a:r>
+          </a:p>
+        </p:txBody>
+      </p:sp>
+      <p:sp>
+        <p:nvSpPr>
+          <p:cNvPr id="45" name="Diamond 44">
+            <a:extLst>
+              <a:ext uri="{FF2B5EF4-FFF2-40B4-BE49-F238E27FC236}">
+                <a16:creationId xmlns:a16="http://schemas.microsoft.com/office/drawing/2014/main" id="{4FF65FEF-264E-443D-950B-A8626B596472}"/>
+              </a:ext>
+            </a:extLst>
+          </p:cNvPr>
+          <p:cNvSpPr/>
+          <p:nvPr/>
+        </p:nvSpPr>
+        <p:spPr>
+          <a:xfrm>
+            <a:off x="6017422" y="4393263"/>
+            <a:ext cx="4019257" cy="1051560"/>
+          </a:xfrm>
+          <a:prstGeom prst="diamond">
+            <a:avLst/>
+          </a:prstGeom>
+        </p:spPr>
+        <p:style>
+          <a:lnRef idx="2">
+            <a:schemeClr val="accent1">
+              <a:shade val="50000"/>
+            </a:schemeClr>
+          </a:lnRef>
+          <a:fillRef idx="1">
+            <a:schemeClr val="accent1"/>
+          </a:fillRef>
+          <a:effectRef idx="0">
+            <a:schemeClr val="accent1"/>
+          </a:effectRef>
+          <a:fontRef idx="minor">
+            <a:schemeClr val="lt1"/>
+          </a:fontRef>
+        </p:style>
+        <p:txBody>
+          <a:bodyPr rtlCol="0" anchor="ctr"/>
+          <a:lstStyle/>
+          <a:p>
+            <a:pPr algn="ctr"/>
+            <a:r>
+              <a:rPr lang="en-US" sz="1400" dirty="0"/>
+              <a:t>searchedBookIndex == -1</a:t>
+            </a:r>
+          </a:p>
+        </p:txBody>
+      </p:sp>
+      <p:cxnSp>
+        <p:nvCxnSpPr>
+          <p:cNvPr id="67" name="Straight Arrow Connector 66">
+            <a:extLst>
+              <a:ext uri="{FF2B5EF4-FFF2-40B4-BE49-F238E27FC236}">
+                <a16:creationId xmlns:a16="http://schemas.microsoft.com/office/drawing/2014/main" id="{29CD59CB-6067-414E-B9B8-936F978F273B}"/>
+              </a:ext>
+            </a:extLst>
+          </p:cNvPr>
+          <p:cNvCxnSpPr>
+            <a:cxnSpLocks/>
+            <a:stCxn id="44" idx="4"/>
+            <a:endCxn id="45" idx="0"/>
+          </p:cNvCxnSpPr>
+          <p:nvPr/>
+        </p:nvCxnSpPr>
+        <p:spPr>
+          <a:xfrm>
+            <a:off x="8026693" y="3893637"/>
+            <a:ext cx="358" cy="499626"/>
+          </a:xfrm>
+          <a:prstGeom prst="straightConnector1">
+            <a:avLst/>
+          </a:prstGeom>
+          <a:ln w="28575">
+            <a:tailEnd type="triangle"/>
+          </a:ln>
+        </p:spPr>
+        <p:style>
+          <a:lnRef idx="1">
+            <a:schemeClr val="accent1"/>
+          </a:lnRef>
+          <a:fillRef idx="0">
+            <a:schemeClr val="accent1"/>
+          </a:fillRef>
+          <a:effectRef idx="0">
+            <a:schemeClr val="accent1"/>
+          </a:effectRef>
+          <a:fontRef idx="minor">
+            <a:schemeClr val="tx1"/>
+          </a:fontRef>
+        </p:style>
+      </p:cxnSp>
+      <p:cxnSp>
+        <p:nvCxnSpPr>
+          <p:cNvPr id="72" name="Straight Arrow Connector 71">
+            <a:extLst>
+              <a:ext uri="{FF2B5EF4-FFF2-40B4-BE49-F238E27FC236}">
+                <a16:creationId xmlns:a16="http://schemas.microsoft.com/office/drawing/2014/main" id="{2DC0230C-1E22-4EA2-AB0A-C1438D886DE1}"/>
+              </a:ext>
+            </a:extLst>
+          </p:cNvPr>
+          <p:cNvCxnSpPr>
+            <a:cxnSpLocks/>
+            <a:stCxn id="25" idx="2"/>
+            <a:endCxn id="30" idx="0"/>
+          </p:cNvCxnSpPr>
+          <p:nvPr/>
+        </p:nvCxnSpPr>
+        <p:spPr>
+          <a:xfrm flipH="1">
+            <a:off x="2093566" y="2491367"/>
+            <a:ext cx="650" cy="2075302"/>
+          </a:xfrm>
+          <a:prstGeom prst="straightConnector1">
+            <a:avLst/>
+          </a:prstGeom>
+          <a:ln w="28575">
+            <a:tailEnd type="triangle"/>
+          </a:ln>
+        </p:spPr>
+        <p:style>
+          <a:lnRef idx="1">
+            <a:schemeClr val="accent1"/>
+          </a:lnRef>
+          <a:fillRef idx="0">
+            <a:schemeClr val="accent1"/>
+          </a:fillRef>
+          <a:effectRef idx="0">
+            <a:schemeClr val="accent1"/>
+          </a:effectRef>
+          <a:fontRef idx="minor">
+            <a:schemeClr val="tx1"/>
+          </a:fontRef>
+        </p:style>
+      </p:cxnSp>
+      <p:sp>
+        <p:nvSpPr>
+          <p:cNvPr id="78" name="TextBox 77">
+            <a:extLst>
+              <a:ext uri="{FF2B5EF4-FFF2-40B4-BE49-F238E27FC236}">
+                <a16:creationId xmlns:a16="http://schemas.microsoft.com/office/drawing/2014/main" id="{BEAC9D78-1755-4A11-B26C-4FC1D78C2C04}"/>
+              </a:ext>
+            </a:extLst>
+          </p:cNvPr>
+          <p:cNvSpPr txBox="1"/>
+          <p:nvPr/>
+        </p:nvSpPr>
+        <p:spPr>
+          <a:xfrm>
+            <a:off x="5344137" y="4619481"/>
+            <a:ext cx="524182" cy="307777"/>
+          </a:xfrm>
+          <a:prstGeom prst="rect">
+            <a:avLst/>
+          </a:prstGeom>
+          <a:noFill/>
+        </p:spPr>
+        <p:txBody>
+          <a:bodyPr wrap="square" rtlCol="0">
+            <a:spAutoFit/>
+          </a:bodyPr>
+          <a:lstStyle/>
+          <a:p>
+            <a:r>
+              <a:rPr lang="en-US" sz="1400" dirty="0">
+                <a:solidFill>
+                  <a:schemeClr val="accent1"/>
+                </a:solidFill>
+              </a:rPr>
+              <a:t>false</a:t>
+            </a:r>
+          </a:p>
+        </p:txBody>
+      </p:sp>
+      <p:sp>
+        <p:nvSpPr>
+          <p:cNvPr id="84" name="Rectangle 83">
+            <a:extLst>
+              <a:ext uri="{FF2B5EF4-FFF2-40B4-BE49-F238E27FC236}">
+                <a16:creationId xmlns:a16="http://schemas.microsoft.com/office/drawing/2014/main" id="{DD7AD0DD-C652-49DF-8D54-D391BFEAE2A7}"/>
+              </a:ext>
+            </a:extLst>
+          </p:cNvPr>
+          <p:cNvSpPr/>
+          <p:nvPr/>
+        </p:nvSpPr>
+        <p:spPr>
+          <a:xfrm>
+            <a:off x="7213448" y="5785678"/>
+            <a:ext cx="1644777" cy="667512"/>
+          </a:xfrm>
+          <a:prstGeom prst="rect">
+            <a:avLst/>
+          </a:prstGeom>
+        </p:spPr>
+        <p:style>
+          <a:lnRef idx="2">
+            <a:schemeClr val="accent1">
+              <a:shade val="50000"/>
+            </a:schemeClr>
+          </a:lnRef>
+          <a:fillRef idx="1">
+            <a:schemeClr val="accent1"/>
+          </a:fillRef>
+          <a:effectRef idx="0">
+            <a:schemeClr val="accent1"/>
+          </a:effectRef>
+          <a:fontRef idx="minor">
+            <a:schemeClr val="lt1"/>
+          </a:fontRef>
+        </p:style>
+        <p:txBody>
+          <a:bodyPr rtlCol="0" anchor="ctr"/>
+          <a:lstStyle/>
+          <a:p>
+            <a:pPr algn="ctr"/>
+            <a:r>
+              <a:rPr lang="en-US" sz="1400" dirty="0"/>
+              <a:t>No book found.</a:t>
+            </a:r>
+          </a:p>
+          <a:p>
+            <a:pPr algn="ctr"/>
+            <a:r>
+              <a:rPr lang="en-US" sz="1400" dirty="0"/>
+              <a:t>Prompt message to user</a:t>
+            </a:r>
+          </a:p>
+        </p:txBody>
+      </p:sp>
+      <p:cxnSp>
+        <p:nvCxnSpPr>
+          <p:cNvPr id="87" name="Straight Arrow Connector 86">
+            <a:extLst>
+              <a:ext uri="{FF2B5EF4-FFF2-40B4-BE49-F238E27FC236}">
+                <a16:creationId xmlns:a16="http://schemas.microsoft.com/office/drawing/2014/main" id="{95ACE7CA-85A7-4EF0-95F4-129050C670D1}"/>
+              </a:ext>
+            </a:extLst>
+          </p:cNvPr>
+          <p:cNvCxnSpPr>
+            <a:cxnSpLocks/>
+            <a:stCxn id="45" idx="2"/>
+            <a:endCxn id="84" idx="0"/>
+          </p:cNvCxnSpPr>
+          <p:nvPr/>
+        </p:nvCxnSpPr>
+        <p:spPr>
+          <a:xfrm>
+            <a:off x="8027051" y="5444823"/>
+            <a:ext cx="8786" cy="340855"/>
+          </a:xfrm>
+          <a:prstGeom prst="straightConnector1">
+            <a:avLst/>
+          </a:prstGeom>
+          <a:ln w="28575">
+            <a:tailEnd type="triangle"/>
+          </a:ln>
+        </p:spPr>
+        <p:style>
+          <a:lnRef idx="1">
+            <a:schemeClr val="accent1"/>
+          </a:lnRef>
+          <a:fillRef idx="0">
+            <a:schemeClr val="accent1"/>
+          </a:fillRef>
+          <a:effectRef idx="0">
+            <a:schemeClr val="accent1"/>
+          </a:effectRef>
+          <a:fontRef idx="minor">
+            <a:schemeClr val="tx1"/>
+          </a:fontRef>
+        </p:style>
+      </p:cxnSp>
+      <p:sp>
+        <p:nvSpPr>
+          <p:cNvPr id="96" name="TextBox 95">
+            <a:extLst>
+              <a:ext uri="{FF2B5EF4-FFF2-40B4-BE49-F238E27FC236}">
+                <a16:creationId xmlns:a16="http://schemas.microsoft.com/office/drawing/2014/main" id="{4830B491-60F1-41AE-AB51-ECF94C3A639D}"/>
+              </a:ext>
+            </a:extLst>
+          </p:cNvPr>
+          <p:cNvSpPr txBox="1"/>
+          <p:nvPr/>
+        </p:nvSpPr>
+        <p:spPr>
+          <a:xfrm>
+            <a:off x="5979142" y="1856303"/>
+            <a:ext cx="492443" cy="307777"/>
+          </a:xfrm>
+          <a:prstGeom prst="rect">
+            <a:avLst/>
+          </a:prstGeom>
+          <a:noFill/>
+        </p:spPr>
+        <p:txBody>
+          <a:bodyPr wrap="none" rtlCol="0">
+            <a:spAutoFit/>
+          </a:bodyPr>
+          <a:lstStyle/>
+          <a:p>
+            <a:r>
+              <a:rPr lang="en-US" sz="1400" dirty="0">
+                <a:solidFill>
+                  <a:schemeClr val="accent1"/>
+                </a:solidFill>
+              </a:rPr>
+              <a:t>true</a:t>
+            </a:r>
+          </a:p>
+        </p:txBody>
+      </p:sp>
+      <p:sp>
+        <p:nvSpPr>
+          <p:cNvPr id="43" name="Rectangle 42">
+            <a:extLst>
+              <a:ext uri="{FF2B5EF4-FFF2-40B4-BE49-F238E27FC236}">
+                <a16:creationId xmlns:a16="http://schemas.microsoft.com/office/drawing/2014/main" id="{4D59203E-CA90-48F4-B60E-5E1BA00D0C72}"/>
+              </a:ext>
+            </a:extLst>
+          </p:cNvPr>
+          <p:cNvSpPr/>
+          <p:nvPr/>
+        </p:nvSpPr>
+        <p:spPr>
+          <a:xfrm>
+            <a:off x="3692320" y="3725751"/>
+            <a:ext cx="1644777" cy="667512"/>
+          </a:xfrm>
+          <a:prstGeom prst="rect">
+            <a:avLst/>
+          </a:prstGeom>
+        </p:spPr>
+        <p:style>
+          <a:lnRef idx="2">
+            <a:schemeClr val="accent1">
+              <a:shade val="50000"/>
+            </a:schemeClr>
+          </a:lnRef>
+          <a:fillRef idx="1">
+            <a:schemeClr val="accent1"/>
+          </a:fillRef>
+          <a:effectRef idx="0">
+            <a:schemeClr val="accent1"/>
+          </a:effectRef>
+          <a:fontRef idx="minor">
+            <a:schemeClr val="lt1"/>
+          </a:fontRef>
+        </p:style>
+        <p:txBody>
+          <a:bodyPr rtlCol="0" anchor="ctr"/>
+          <a:lstStyle/>
+          <a:p>
+            <a:pPr algn="ctr"/>
+            <a:r>
+              <a:rPr lang="en-US" sz="1400" dirty="0"/>
+              <a:t>Book found.</a:t>
+            </a:r>
+          </a:p>
+          <a:p>
+            <a:pPr algn="ctr"/>
+            <a:r>
+              <a:rPr lang="en-US" sz="1400" dirty="0"/>
+              <a:t>Print book’s details</a:t>
+            </a:r>
+          </a:p>
+        </p:txBody>
+      </p:sp>
+      <p:cxnSp>
+        <p:nvCxnSpPr>
+          <p:cNvPr id="48" name="Connector: Elbow 47">
+            <a:extLst>
+              <a:ext uri="{FF2B5EF4-FFF2-40B4-BE49-F238E27FC236}">
+                <a16:creationId xmlns:a16="http://schemas.microsoft.com/office/drawing/2014/main" id="{5A0DF83C-DBED-4268-83BE-C01850C24B68}"/>
+              </a:ext>
+            </a:extLst>
+          </p:cNvPr>
+          <p:cNvCxnSpPr>
+            <a:stCxn id="43" idx="1"/>
+          </p:cNvCxnSpPr>
+          <p:nvPr/>
+        </p:nvCxnSpPr>
+        <p:spPr>
+          <a:xfrm rot="10800000" flipV="1">
+            <a:off x="2303684" y="4059507"/>
+            <a:ext cx="1388636" cy="507162"/>
+          </a:xfrm>
+          <a:prstGeom prst="bentConnector3">
+            <a:avLst>
+              <a:gd name="adj1" fmla="val 99387"/>
+            </a:avLst>
+          </a:prstGeom>
+          <a:ln w="28575">
+            <a:tailEnd type="triangle"/>
+          </a:ln>
+        </p:spPr>
+        <p:style>
+          <a:lnRef idx="1">
+            <a:schemeClr val="accent1"/>
+          </a:lnRef>
+          <a:fillRef idx="0">
+            <a:schemeClr val="accent1"/>
+          </a:fillRef>
+          <a:effectRef idx="0">
+            <a:schemeClr val="accent1"/>
+          </a:effectRef>
+          <a:fontRef idx="minor">
+            <a:schemeClr val="tx1"/>
+          </a:fontRef>
+        </p:style>
+      </p:cxnSp>
+      <p:cxnSp>
+        <p:nvCxnSpPr>
+          <p:cNvPr id="51" name="Connector: Elbow 50">
+            <a:extLst>
+              <a:ext uri="{FF2B5EF4-FFF2-40B4-BE49-F238E27FC236}">
+                <a16:creationId xmlns:a16="http://schemas.microsoft.com/office/drawing/2014/main" id="{1221956B-94A2-4097-8D39-96C556BBAB9A}"/>
+              </a:ext>
+            </a:extLst>
+          </p:cNvPr>
+          <p:cNvCxnSpPr>
+            <a:stCxn id="45" idx="1"/>
+            <a:endCxn id="43" idx="2"/>
+          </p:cNvCxnSpPr>
+          <p:nvPr/>
+        </p:nvCxnSpPr>
+        <p:spPr>
+          <a:xfrm rot="10800000">
+            <a:off x="4514710" y="4393263"/>
+            <a:ext cx="1502713" cy="525780"/>
+          </a:xfrm>
+          <a:prstGeom prst="bentConnector2">
+            <a:avLst/>
+          </a:prstGeom>
+          <a:ln w="28575">
+            <a:tailEnd type="triangle"/>
+          </a:ln>
+        </p:spPr>
+        <p:style>
+          <a:lnRef idx="1">
+            <a:schemeClr val="accent1"/>
+          </a:lnRef>
+          <a:fillRef idx="0">
+            <a:schemeClr val="accent1"/>
+          </a:fillRef>
+          <a:effectRef idx="0">
+            <a:schemeClr val="accent1"/>
+          </a:effectRef>
+          <a:fontRef idx="minor">
+            <a:schemeClr val="tx1"/>
+          </a:fontRef>
+        </p:style>
+      </p:cxnSp>
+      <p:cxnSp>
+        <p:nvCxnSpPr>
+          <p:cNvPr id="55" name="Connector: Elbow 54">
+            <a:extLst>
+              <a:ext uri="{FF2B5EF4-FFF2-40B4-BE49-F238E27FC236}">
+                <a16:creationId xmlns:a16="http://schemas.microsoft.com/office/drawing/2014/main" id="{A5A1D9A3-7876-424E-873B-CAA990F24F27}"/>
+              </a:ext>
+            </a:extLst>
+          </p:cNvPr>
+          <p:cNvCxnSpPr>
+            <a:stCxn id="84" idx="1"/>
+            <a:endCxn id="30" idx="3"/>
+          </p:cNvCxnSpPr>
+          <p:nvPr/>
+        </p:nvCxnSpPr>
+        <p:spPr>
+          <a:xfrm rot="10800000">
+            <a:off x="2967994" y="4900426"/>
+            <a:ext cx="4245454" cy="1219009"/>
+          </a:xfrm>
+          <a:prstGeom prst="bentConnector3">
+            <a:avLst>
+              <a:gd name="adj1" fmla="val 73333"/>
+            </a:avLst>
+          </a:prstGeom>
+          <a:ln w="28575">
+            <a:tailEnd type="triangle"/>
+          </a:ln>
+        </p:spPr>
+        <p:style>
+          <a:lnRef idx="1">
+            <a:schemeClr val="accent1"/>
+          </a:lnRef>
+          <a:fillRef idx="0">
+            <a:schemeClr val="accent1"/>
+          </a:fillRef>
+          <a:effectRef idx="0">
+            <a:schemeClr val="accent1"/>
+          </a:effectRef>
+          <a:fontRef idx="minor">
+            <a:schemeClr val="tx1"/>
+          </a:fontRef>
+        </p:style>
+      </p:cxnSp>
+      <p:sp>
+        <p:nvSpPr>
+          <p:cNvPr id="68" name="TextBox 67">
+            <a:extLst>
+              <a:ext uri="{FF2B5EF4-FFF2-40B4-BE49-F238E27FC236}">
+                <a16:creationId xmlns:a16="http://schemas.microsoft.com/office/drawing/2014/main" id="{1740FC2A-76E3-454E-A957-C245FD3A6785}"/>
+              </a:ext>
+            </a:extLst>
+          </p:cNvPr>
+          <p:cNvSpPr txBox="1"/>
+          <p:nvPr/>
+        </p:nvSpPr>
+        <p:spPr>
+          <a:xfrm>
+            <a:off x="8166843" y="5557416"/>
+            <a:ext cx="492443" cy="307777"/>
+          </a:xfrm>
+          <a:prstGeom prst="rect">
+            <a:avLst/>
+          </a:prstGeom>
+          <a:noFill/>
+        </p:spPr>
+        <p:txBody>
+          <a:bodyPr wrap="none" rtlCol="0">
+            <a:spAutoFit/>
+          </a:bodyPr>
+          <a:lstStyle/>
+          <a:p>
+            <a:r>
+              <a:rPr lang="en-US" sz="1400" dirty="0">
+                <a:solidFill>
+                  <a:schemeClr val="accent1"/>
+                </a:solidFill>
+              </a:rPr>
+              <a:t>true</a:t>
+            </a:r>
+          </a:p>
+        </p:txBody>
+      </p:sp>
+    </p:spTree>
+    <p:extLst>
+      <p:ext uri="{BB962C8B-B14F-4D97-AF65-F5344CB8AC3E}">
+        <p14:creationId xmlns:p14="http://schemas.microsoft.com/office/powerpoint/2010/main" val="1864490278"/>
+      </p:ext>
+    </p:extLst>
+  </p:cSld>
+  <p:clrMapOvr>
+    <a:masterClrMapping/>
+  </p:clrMapOvr>
+</p:sld>
+</file>
+
+<file path=ppt/slides/slide11.xml><?xml version="1.0" encoding="utf-8"?>
+<p:sld xmlns:a="http://schemas.openxmlformats.org/drawingml/2006/main" xmlns:r="http://schemas.openxmlformats.org/officeDocument/2006/relationships" xmlns:p="http://schemas.openxmlformats.org/presentationml/2006/main">
+  <p:cSld>
+    <p:spTree>
+      <p:nvGrpSpPr>
+        <p:cNvPr id="1" name=""/>
+        <p:cNvGrpSpPr/>
+        <p:nvPr/>
+      </p:nvGrpSpPr>
+      <p:grpSpPr>
+        <a:xfrm>
+          <a:off x="0" y="0"/>
+          <a:ext cx="0" cy="0"/>
+          <a:chOff x="0" y="0"/>
+          <a:chExt cx="0" cy="0"/>
+        </a:xfrm>
+      </p:grpSpPr>
+      <p:sp>
+        <p:nvSpPr>
+          <p:cNvPr id="9" name="Oval 8">
+            <a:extLst>
+              <a:ext uri="{FF2B5EF4-FFF2-40B4-BE49-F238E27FC236}">
+                <a16:creationId xmlns:a16="http://schemas.microsoft.com/office/drawing/2014/main" id="{423DAC25-A7FA-4762-AD9B-D349209C5332}"/>
+              </a:ext>
+            </a:extLst>
+          </p:cNvPr>
+          <p:cNvSpPr/>
+          <p:nvPr/>
+        </p:nvSpPr>
+        <p:spPr>
+          <a:xfrm>
+            <a:off x="1396074" y="232235"/>
+            <a:ext cx="1316736" cy="594360"/>
+          </a:xfrm>
+          <a:prstGeom prst="ellipse">
+            <a:avLst/>
+          </a:prstGeom>
+        </p:spPr>
+        <p:style>
+          <a:lnRef idx="2">
+            <a:schemeClr val="accent1">
+              <a:shade val="50000"/>
+            </a:schemeClr>
+          </a:lnRef>
+          <a:fillRef idx="1">
+            <a:schemeClr val="accent1"/>
+          </a:fillRef>
+          <a:effectRef idx="0">
+            <a:schemeClr val="accent1"/>
+          </a:effectRef>
+          <a:fontRef idx="minor">
+            <a:schemeClr val="lt1"/>
+          </a:fontRef>
+        </p:style>
+        <p:txBody>
+          <a:bodyPr rtlCol="0" anchor="ctr"/>
+          <a:lstStyle/>
+          <a:p>
+            <a:pPr algn="ctr"/>
+            <a:r>
+              <a:rPr lang="en-US" sz="1400" dirty="0"/>
+              <a:t>Start</a:t>
+            </a:r>
+          </a:p>
+        </p:txBody>
+      </p:sp>
+      <p:cxnSp>
+        <p:nvCxnSpPr>
+          <p:cNvPr id="11" name="Straight Arrow Connector 10">
+            <a:extLst>
+              <a:ext uri="{FF2B5EF4-FFF2-40B4-BE49-F238E27FC236}">
+                <a16:creationId xmlns:a16="http://schemas.microsoft.com/office/drawing/2014/main" id="{14A3FEB2-7006-4B10-8080-B97E85238E82}"/>
+              </a:ext>
+            </a:extLst>
+          </p:cNvPr>
+          <p:cNvCxnSpPr>
+            <a:cxnSpLocks/>
+            <a:stCxn id="9" idx="4"/>
+          </p:cNvCxnSpPr>
+          <p:nvPr/>
+        </p:nvCxnSpPr>
+        <p:spPr>
+          <a:xfrm>
+            <a:off x="2054442" y="826595"/>
+            <a:ext cx="0" cy="352819"/>
+          </a:xfrm>
+          <a:prstGeom prst="straightConnector1">
+            <a:avLst/>
+          </a:prstGeom>
+          <a:ln w="28575">
+            <a:tailEnd type="triangle"/>
+          </a:ln>
+        </p:spPr>
+        <p:style>
+          <a:lnRef idx="1">
+            <a:schemeClr val="accent1"/>
+          </a:lnRef>
+          <a:fillRef idx="0">
+            <a:schemeClr val="accent1"/>
+          </a:fillRef>
+          <a:effectRef idx="0">
+            <a:schemeClr val="accent1"/>
+          </a:effectRef>
+          <a:fontRef idx="minor">
+            <a:schemeClr val="tx1"/>
+          </a:fontRef>
+        </p:style>
+      </p:cxnSp>
+      <p:sp>
+        <p:nvSpPr>
+          <p:cNvPr id="19" name="Diamond 18">
+            <a:extLst>
+              <a:ext uri="{FF2B5EF4-FFF2-40B4-BE49-F238E27FC236}">
+                <a16:creationId xmlns:a16="http://schemas.microsoft.com/office/drawing/2014/main" id="{0C9B9E0A-6752-4B76-AD77-6EB3AEE8019F}"/>
+              </a:ext>
+            </a:extLst>
+          </p:cNvPr>
+          <p:cNvSpPr/>
+          <p:nvPr/>
+        </p:nvSpPr>
+        <p:spPr>
+          <a:xfrm>
+            <a:off x="1258013" y="1184132"/>
+            <a:ext cx="1592858" cy="813920"/>
+          </a:xfrm>
+          <a:prstGeom prst="diamond">
+            <a:avLst/>
+          </a:prstGeom>
+        </p:spPr>
+        <p:style>
+          <a:lnRef idx="2">
+            <a:schemeClr val="accent1">
+              <a:shade val="50000"/>
+            </a:schemeClr>
+          </a:lnRef>
+          <a:fillRef idx="1">
+            <a:schemeClr val="accent1"/>
+          </a:fillRef>
+          <a:effectRef idx="0">
+            <a:schemeClr val="accent1"/>
+          </a:effectRef>
+          <a:fontRef idx="minor">
+            <a:schemeClr val="lt1"/>
+          </a:fontRef>
+        </p:style>
+        <p:txBody>
+          <a:bodyPr rtlCol="0" anchor="ctr"/>
+          <a:lstStyle/>
+          <a:p>
+            <a:pPr algn="ctr"/>
+            <a:r>
+              <a:rPr lang="en-US" sz="1400" dirty="0"/>
+              <a:t>while(1)</a:t>
+            </a:r>
+          </a:p>
+        </p:txBody>
+      </p:sp>
+      <p:sp>
+        <p:nvSpPr>
+          <p:cNvPr id="15" name="TextBox 14">
+            <a:extLst>
+              <a:ext uri="{FF2B5EF4-FFF2-40B4-BE49-F238E27FC236}">
+                <a16:creationId xmlns:a16="http://schemas.microsoft.com/office/drawing/2014/main" id="{7EA820D4-1B42-4AB4-9520-C824D667EB37}"/>
+              </a:ext>
+            </a:extLst>
+          </p:cNvPr>
+          <p:cNvSpPr txBox="1"/>
+          <p:nvPr/>
+        </p:nvSpPr>
+        <p:spPr>
+          <a:xfrm>
+            <a:off x="9027558" y="2582822"/>
+            <a:ext cx="492443" cy="307777"/>
+          </a:xfrm>
+          <a:prstGeom prst="rect">
+            <a:avLst/>
+          </a:prstGeom>
+          <a:noFill/>
+        </p:spPr>
+        <p:txBody>
+          <a:bodyPr wrap="none" rtlCol="0">
+            <a:spAutoFit/>
+          </a:bodyPr>
+          <a:lstStyle/>
+          <a:p>
+            <a:r>
+              <a:rPr lang="en-US" sz="1400" dirty="0">
+                <a:solidFill>
+                  <a:schemeClr val="accent1"/>
+                </a:solidFill>
+              </a:rPr>
+              <a:t>true</a:t>
+            </a:r>
+          </a:p>
+        </p:txBody>
+      </p:sp>
+      <p:sp>
+        <p:nvSpPr>
+          <p:cNvPr id="34" name="TextBox 33">
+            <a:extLst>
+              <a:ext uri="{FF2B5EF4-FFF2-40B4-BE49-F238E27FC236}">
+                <a16:creationId xmlns:a16="http://schemas.microsoft.com/office/drawing/2014/main" id="{F27AC0E2-ED9E-4FC5-B37E-C9F0C38989F9}"/>
+              </a:ext>
+            </a:extLst>
+          </p:cNvPr>
+          <p:cNvSpPr txBox="1"/>
+          <p:nvPr/>
+        </p:nvSpPr>
+        <p:spPr>
+          <a:xfrm>
+            <a:off x="9027558" y="4566975"/>
+            <a:ext cx="524182" cy="307777"/>
+          </a:xfrm>
+          <a:prstGeom prst="rect">
+            <a:avLst/>
+          </a:prstGeom>
+          <a:noFill/>
+        </p:spPr>
+        <p:txBody>
+          <a:bodyPr wrap="none" rtlCol="0">
+            <a:spAutoFit/>
+          </a:bodyPr>
+          <a:lstStyle/>
+          <a:p>
+            <a:r>
+              <a:rPr lang="en-US" sz="1400" dirty="0">
+                <a:solidFill>
+                  <a:schemeClr val="accent1"/>
+                </a:solidFill>
+              </a:rPr>
+              <a:t>false</a:t>
+            </a:r>
+          </a:p>
+        </p:txBody>
+      </p:sp>
+      <p:sp>
+        <p:nvSpPr>
+          <p:cNvPr id="51" name="Oval 50">
+            <a:extLst>
+              <a:ext uri="{FF2B5EF4-FFF2-40B4-BE49-F238E27FC236}">
+                <a16:creationId xmlns:a16="http://schemas.microsoft.com/office/drawing/2014/main" id="{3DAA5643-F5D8-44BA-A698-98970D2459BB}"/>
+              </a:ext>
+            </a:extLst>
+          </p:cNvPr>
+          <p:cNvSpPr/>
+          <p:nvPr/>
+        </p:nvSpPr>
+        <p:spPr>
+          <a:xfrm>
+            <a:off x="5132114" y="5079615"/>
+            <a:ext cx="1316736" cy="594360"/>
+          </a:xfrm>
+          <a:prstGeom prst="ellipse">
+            <a:avLst/>
+          </a:prstGeom>
+        </p:spPr>
+        <p:style>
+          <a:lnRef idx="2">
+            <a:schemeClr val="accent1">
+              <a:shade val="50000"/>
+            </a:schemeClr>
+          </a:lnRef>
+          <a:fillRef idx="1">
+            <a:schemeClr val="accent1"/>
+          </a:fillRef>
+          <a:effectRef idx="0">
+            <a:schemeClr val="accent1"/>
+          </a:effectRef>
+          <a:fontRef idx="minor">
+            <a:schemeClr val="lt1"/>
+          </a:fontRef>
+        </p:style>
+        <p:txBody>
+          <a:bodyPr rtlCol="0" anchor="ctr"/>
+          <a:lstStyle/>
+          <a:p>
+            <a:pPr algn="ctr"/>
+            <a:r>
+              <a:rPr lang="en-US" sz="1400" dirty="0"/>
+              <a:t>End</a:t>
+            </a:r>
+          </a:p>
+        </p:txBody>
+      </p:sp>
+      <p:sp>
+        <p:nvSpPr>
+          <p:cNvPr id="106" name="TextBox 105">
+            <a:extLst>
+              <a:ext uri="{FF2B5EF4-FFF2-40B4-BE49-F238E27FC236}">
+                <a16:creationId xmlns:a16="http://schemas.microsoft.com/office/drawing/2014/main" id="{576CB457-9EC7-47CE-91F2-B97A40FDF302}"/>
+              </a:ext>
+            </a:extLst>
+          </p:cNvPr>
+          <p:cNvSpPr txBox="1"/>
+          <p:nvPr/>
+        </p:nvSpPr>
+        <p:spPr>
+          <a:xfrm>
+            <a:off x="511427" y="1145688"/>
+            <a:ext cx="1097352" cy="523220"/>
+          </a:xfrm>
+          <a:prstGeom prst="rect">
+            <a:avLst/>
+          </a:prstGeom>
+          <a:noFill/>
+        </p:spPr>
+        <p:txBody>
+          <a:bodyPr wrap="none" rtlCol="0">
+            <a:spAutoFit/>
+          </a:bodyPr>
+          <a:lstStyle/>
+          <a:p>
+            <a:r>
+              <a:rPr lang="en-US" sz="1400" dirty="0">
+                <a:solidFill>
+                  <a:schemeClr val="accent1"/>
+                </a:solidFill>
+              </a:rPr>
+              <a:t>Infinity Loop</a:t>
+            </a:r>
+          </a:p>
+          <a:p>
+            <a:endParaRPr lang="en-US" sz="1400" dirty="0">
+              <a:solidFill>
+                <a:schemeClr val="accent1"/>
+              </a:solidFill>
+            </a:endParaRPr>
+          </a:p>
+        </p:txBody>
+      </p:sp>
+      <p:sp>
+        <p:nvSpPr>
+          <p:cNvPr id="33" name="Rectangle 32">
+            <a:extLst>
+              <a:ext uri="{FF2B5EF4-FFF2-40B4-BE49-F238E27FC236}">
+                <a16:creationId xmlns:a16="http://schemas.microsoft.com/office/drawing/2014/main" id="{49D6A03B-2193-429F-8ACF-F6646F4A45E4}"/>
+              </a:ext>
+            </a:extLst>
+          </p:cNvPr>
+          <p:cNvSpPr/>
+          <p:nvPr/>
+        </p:nvSpPr>
+        <p:spPr>
+          <a:xfrm>
+            <a:off x="1053173" y="2402955"/>
+            <a:ext cx="2002536" cy="667512"/>
+          </a:xfrm>
+          <a:prstGeom prst="rect">
+            <a:avLst/>
+          </a:prstGeom>
+        </p:spPr>
+        <p:style>
+          <a:lnRef idx="2">
+            <a:schemeClr val="accent1">
+              <a:shade val="50000"/>
+            </a:schemeClr>
+          </a:lnRef>
+          <a:fillRef idx="1">
+            <a:schemeClr val="accent1"/>
+          </a:fillRef>
+          <a:effectRef idx="0">
+            <a:schemeClr val="accent1"/>
+          </a:effectRef>
+          <a:fontRef idx="minor">
+            <a:schemeClr val="lt1"/>
+          </a:fontRef>
+        </p:style>
+        <p:txBody>
+          <a:bodyPr rtlCol="0" anchor="ctr"/>
+          <a:lstStyle/>
+          <a:p>
+            <a:pPr algn="ctr"/>
+            <a:r>
+              <a:rPr lang="en-US" sz="1400" dirty="0"/>
+              <a:t>Print input label &amp;</a:t>
+            </a:r>
+            <a:br>
+              <a:rPr lang="en-US" sz="1400" dirty="0"/>
+            </a:br>
+            <a:r>
+              <a:rPr lang="en-US" sz="1400" dirty="0"/>
+              <a:t>scan input value</a:t>
+            </a:r>
+          </a:p>
+        </p:txBody>
+      </p:sp>
+      <p:sp>
+        <p:nvSpPr>
+          <p:cNvPr id="39" name="Parallelogram 38">
+            <a:extLst>
+              <a:ext uri="{FF2B5EF4-FFF2-40B4-BE49-F238E27FC236}">
+                <a16:creationId xmlns:a16="http://schemas.microsoft.com/office/drawing/2014/main" id="{E111C9BC-8570-48DD-ADA8-1A21635A60EC}"/>
+              </a:ext>
+            </a:extLst>
+          </p:cNvPr>
+          <p:cNvSpPr/>
+          <p:nvPr/>
+        </p:nvSpPr>
+        <p:spPr>
+          <a:xfrm>
+            <a:off x="755826" y="3539153"/>
+            <a:ext cx="2597231" cy="701750"/>
+          </a:xfrm>
+          <a:prstGeom prst="parallelogram">
+            <a:avLst/>
+          </a:prstGeom>
+        </p:spPr>
+        <p:style>
+          <a:lnRef idx="2">
+            <a:schemeClr val="accent1">
+              <a:shade val="50000"/>
+            </a:schemeClr>
+          </a:lnRef>
+          <a:fillRef idx="1">
+            <a:schemeClr val="accent1"/>
+          </a:fillRef>
+          <a:effectRef idx="0">
+            <a:schemeClr val="accent1"/>
+          </a:effectRef>
+          <a:fontRef idx="minor">
+            <a:schemeClr val="lt1"/>
+          </a:fontRef>
+        </p:style>
+        <p:txBody>
+          <a:bodyPr rtlCol="0" anchor="ctr"/>
+          <a:lstStyle/>
+          <a:p>
+            <a:pPr algn="ctr"/>
+            <a:r>
+              <a:rPr lang="en-US" sz="1400" dirty="0"/>
+              <a:t>Shorten inputted value by strncpy function</a:t>
+            </a:r>
+          </a:p>
+        </p:txBody>
+      </p:sp>
+      <p:sp>
+        <p:nvSpPr>
+          <p:cNvPr id="42" name="Parallelogram 41">
+            <a:extLst>
+              <a:ext uri="{FF2B5EF4-FFF2-40B4-BE49-F238E27FC236}">
+                <a16:creationId xmlns:a16="http://schemas.microsoft.com/office/drawing/2014/main" id="{EBF8575E-64A7-4AE0-96D2-546505EEFAFD}"/>
+              </a:ext>
+            </a:extLst>
+          </p:cNvPr>
+          <p:cNvSpPr/>
+          <p:nvPr/>
+        </p:nvSpPr>
+        <p:spPr>
+          <a:xfrm>
+            <a:off x="3984800" y="3539153"/>
+            <a:ext cx="2597231" cy="701750"/>
+          </a:xfrm>
+          <a:prstGeom prst="parallelogram">
+            <a:avLst/>
+          </a:prstGeom>
+        </p:spPr>
+        <p:style>
+          <a:lnRef idx="2">
+            <a:schemeClr val="accent1">
+              <a:shade val="50000"/>
+            </a:schemeClr>
+          </a:lnRef>
+          <a:fillRef idx="1">
+            <a:schemeClr val="accent1"/>
+          </a:fillRef>
+          <a:effectRef idx="0">
+            <a:schemeClr val="accent1"/>
+          </a:effectRef>
+          <a:fontRef idx="minor">
+            <a:schemeClr val="lt1"/>
+          </a:fontRef>
+        </p:style>
+        <p:txBody>
+          <a:bodyPr rtlCol="0" anchor="ctr"/>
+          <a:lstStyle/>
+          <a:p>
+            <a:pPr algn="ctr"/>
+            <a:r>
+              <a:rPr lang="en-US" sz="1400" dirty="0"/>
+              <a:t>int numberValue = atoi(shortenedValue);</a:t>
+            </a:r>
+          </a:p>
+        </p:txBody>
+      </p:sp>
+      <p:sp>
+        <p:nvSpPr>
+          <p:cNvPr id="43" name="Diamond 42">
+            <a:extLst>
+              <a:ext uri="{FF2B5EF4-FFF2-40B4-BE49-F238E27FC236}">
+                <a16:creationId xmlns:a16="http://schemas.microsoft.com/office/drawing/2014/main" id="{1E2EC9F3-3E4D-44E7-9E31-74B58ADC64E4}"/>
+              </a:ext>
+            </a:extLst>
+          </p:cNvPr>
+          <p:cNvSpPr/>
+          <p:nvPr/>
+        </p:nvSpPr>
+        <p:spPr>
+          <a:xfrm>
+            <a:off x="7659747" y="3364248"/>
+            <a:ext cx="2698575" cy="1051560"/>
+          </a:xfrm>
+          <a:prstGeom prst="diamond">
+            <a:avLst/>
+          </a:prstGeom>
+        </p:spPr>
+        <p:style>
+          <a:lnRef idx="2">
+            <a:schemeClr val="accent1">
+              <a:shade val="50000"/>
+            </a:schemeClr>
+          </a:lnRef>
+          <a:fillRef idx="1">
+            <a:schemeClr val="accent1"/>
+          </a:fillRef>
+          <a:effectRef idx="0">
+            <a:schemeClr val="accent1"/>
+          </a:effectRef>
+          <a:fontRef idx="minor">
+            <a:schemeClr val="lt1"/>
+          </a:fontRef>
+        </p:style>
+        <p:txBody>
+          <a:bodyPr rtlCol="0" anchor="ctr"/>
+          <a:lstStyle/>
+          <a:p>
+            <a:pPr algn="ctr"/>
+            <a:r>
+              <a:rPr lang="en-US" sz="1400" dirty="0"/>
+              <a:t>numberValue == 0</a:t>
+            </a:r>
+          </a:p>
+        </p:txBody>
+      </p:sp>
+      <p:sp>
+        <p:nvSpPr>
+          <p:cNvPr id="44" name="Rectangle 43">
+            <a:extLst>
+              <a:ext uri="{FF2B5EF4-FFF2-40B4-BE49-F238E27FC236}">
+                <a16:creationId xmlns:a16="http://schemas.microsoft.com/office/drawing/2014/main" id="{F78AE892-27A8-4A36-82DC-0B51179BB042}"/>
+              </a:ext>
+            </a:extLst>
+          </p:cNvPr>
+          <p:cNvSpPr/>
+          <p:nvPr/>
+        </p:nvSpPr>
+        <p:spPr>
+          <a:xfrm>
+            <a:off x="8007766" y="1257336"/>
+            <a:ext cx="2002536" cy="667512"/>
+          </a:xfrm>
+          <a:prstGeom prst="rect">
+            <a:avLst/>
+          </a:prstGeom>
+        </p:spPr>
+        <p:style>
+          <a:lnRef idx="2">
+            <a:schemeClr val="accent1">
+              <a:shade val="50000"/>
+            </a:schemeClr>
+          </a:lnRef>
+          <a:fillRef idx="1">
+            <a:schemeClr val="accent1"/>
+          </a:fillRef>
+          <a:effectRef idx="0">
+            <a:schemeClr val="accent1"/>
+          </a:effectRef>
+          <a:fontRef idx="minor">
+            <a:schemeClr val="lt1"/>
+          </a:fontRef>
+        </p:style>
+        <p:txBody>
+          <a:bodyPr rtlCol="0" anchor="ctr"/>
+          <a:lstStyle/>
+          <a:p>
+            <a:pPr algn="ctr"/>
+            <a:r>
+              <a:rPr lang="en-US" sz="1400" dirty="0"/>
+              <a:t>Invalid number value</a:t>
+            </a:r>
+          </a:p>
+          <a:p>
+            <a:pPr algn="ctr"/>
+            <a:r>
+              <a:rPr lang="en-US" sz="1400" dirty="0"/>
+              <a:t>inputted</a:t>
+            </a:r>
+          </a:p>
+        </p:txBody>
+      </p:sp>
+      <p:sp>
+        <p:nvSpPr>
+          <p:cNvPr id="48" name="Parallelogram 47">
+            <a:extLst>
+              <a:ext uri="{FF2B5EF4-FFF2-40B4-BE49-F238E27FC236}">
+                <a16:creationId xmlns:a16="http://schemas.microsoft.com/office/drawing/2014/main" id="{DA8C3DB1-64CF-4DAE-BC63-B497C57FAC5E}"/>
+              </a:ext>
+            </a:extLst>
+          </p:cNvPr>
+          <p:cNvSpPr/>
+          <p:nvPr/>
+        </p:nvSpPr>
+        <p:spPr>
+          <a:xfrm>
+            <a:off x="7593072" y="5024328"/>
+            <a:ext cx="2597231" cy="701750"/>
+          </a:xfrm>
+          <a:prstGeom prst="parallelogram">
+            <a:avLst/>
+          </a:prstGeom>
+        </p:spPr>
+        <p:style>
+          <a:lnRef idx="2">
+            <a:schemeClr val="accent1">
+              <a:shade val="50000"/>
+            </a:schemeClr>
+          </a:lnRef>
+          <a:fillRef idx="1">
+            <a:schemeClr val="accent1"/>
+          </a:fillRef>
+          <a:effectRef idx="0">
+            <a:schemeClr val="accent1"/>
+          </a:effectRef>
+          <a:fontRef idx="minor">
+            <a:schemeClr val="lt1"/>
+          </a:fontRef>
+        </p:style>
+        <p:txBody>
+          <a:bodyPr rtlCol="0" anchor="ctr"/>
+          <a:lstStyle/>
+          <a:p>
+            <a:pPr algn="ctr"/>
+            <a:r>
+              <a:rPr lang="en-US" sz="1400" dirty="0"/>
+              <a:t>Return numberValue</a:t>
+            </a:r>
+          </a:p>
+        </p:txBody>
+      </p:sp>
+      <p:cxnSp>
+        <p:nvCxnSpPr>
+          <p:cNvPr id="8" name="Straight Arrow Connector 7">
+            <a:extLst>
+              <a:ext uri="{FF2B5EF4-FFF2-40B4-BE49-F238E27FC236}">
+                <a16:creationId xmlns:a16="http://schemas.microsoft.com/office/drawing/2014/main" id="{5276D897-3715-4A85-A8BD-62606D6FEA0B}"/>
+              </a:ext>
+            </a:extLst>
+          </p:cNvPr>
+          <p:cNvCxnSpPr>
+            <a:stCxn id="19" idx="2"/>
+            <a:endCxn id="33" idx="0"/>
+          </p:cNvCxnSpPr>
+          <p:nvPr/>
+        </p:nvCxnSpPr>
+        <p:spPr>
+          <a:xfrm flipH="1">
+            <a:off x="2054441" y="1998052"/>
+            <a:ext cx="1" cy="404903"/>
+          </a:xfrm>
+          <a:prstGeom prst="straightConnector1">
+            <a:avLst/>
+          </a:prstGeom>
+          <a:ln w="28575">
+            <a:tailEnd type="triangle"/>
+          </a:ln>
+        </p:spPr>
+        <p:style>
+          <a:lnRef idx="1">
+            <a:schemeClr val="accent1"/>
+          </a:lnRef>
+          <a:fillRef idx="0">
+            <a:schemeClr val="accent1"/>
+          </a:fillRef>
+          <a:effectRef idx="0">
+            <a:schemeClr val="accent1"/>
+          </a:effectRef>
+          <a:fontRef idx="minor">
+            <a:schemeClr val="tx1"/>
+          </a:fontRef>
+        </p:style>
+      </p:cxnSp>
+      <p:cxnSp>
+        <p:nvCxnSpPr>
+          <p:cNvPr id="13" name="Straight Arrow Connector 12">
+            <a:extLst>
+              <a:ext uri="{FF2B5EF4-FFF2-40B4-BE49-F238E27FC236}">
+                <a16:creationId xmlns:a16="http://schemas.microsoft.com/office/drawing/2014/main" id="{4DF84B18-BF1F-4AA9-8A2F-5374DE38F2B2}"/>
+              </a:ext>
+            </a:extLst>
+          </p:cNvPr>
+          <p:cNvCxnSpPr>
+            <a:stCxn id="33" idx="2"/>
+            <a:endCxn id="39" idx="0"/>
+          </p:cNvCxnSpPr>
+          <p:nvPr/>
+        </p:nvCxnSpPr>
+        <p:spPr>
+          <a:xfrm>
+            <a:off x="2054441" y="3070467"/>
+            <a:ext cx="1" cy="468686"/>
+          </a:xfrm>
+          <a:prstGeom prst="straightConnector1">
+            <a:avLst/>
+          </a:prstGeom>
+          <a:ln w="28575">
+            <a:tailEnd type="triangle"/>
+          </a:ln>
+        </p:spPr>
+        <p:style>
+          <a:lnRef idx="1">
+            <a:schemeClr val="accent1"/>
+          </a:lnRef>
+          <a:fillRef idx="0">
+            <a:schemeClr val="accent1"/>
+          </a:fillRef>
+          <a:effectRef idx="0">
+            <a:schemeClr val="accent1"/>
+          </a:effectRef>
+          <a:fontRef idx="minor">
+            <a:schemeClr val="tx1"/>
+          </a:fontRef>
+        </p:style>
+      </p:cxnSp>
+      <p:cxnSp>
+        <p:nvCxnSpPr>
+          <p:cNvPr id="18" name="Straight Arrow Connector 17">
+            <a:extLst>
+              <a:ext uri="{FF2B5EF4-FFF2-40B4-BE49-F238E27FC236}">
+                <a16:creationId xmlns:a16="http://schemas.microsoft.com/office/drawing/2014/main" id="{82E2CA1B-69F3-4255-BF23-B7ED432CC562}"/>
+              </a:ext>
+            </a:extLst>
+          </p:cNvPr>
+          <p:cNvCxnSpPr>
+            <a:stCxn id="39" idx="2"/>
+            <a:endCxn id="42" idx="5"/>
+          </p:cNvCxnSpPr>
+          <p:nvPr/>
+        </p:nvCxnSpPr>
+        <p:spPr>
+          <a:xfrm>
+            <a:off x="3265338" y="3890028"/>
+            <a:ext cx="807181" cy="0"/>
+          </a:xfrm>
+          <a:prstGeom prst="straightConnector1">
+            <a:avLst/>
+          </a:prstGeom>
+          <a:ln w="28575">
+            <a:tailEnd type="triangle"/>
+          </a:ln>
+        </p:spPr>
+        <p:style>
+          <a:lnRef idx="1">
+            <a:schemeClr val="accent1"/>
+          </a:lnRef>
+          <a:fillRef idx="0">
+            <a:schemeClr val="accent1"/>
+          </a:fillRef>
+          <a:effectRef idx="0">
+            <a:schemeClr val="accent1"/>
+          </a:effectRef>
+          <a:fontRef idx="minor">
+            <a:schemeClr val="tx1"/>
+          </a:fontRef>
+        </p:style>
+      </p:cxnSp>
+      <p:cxnSp>
+        <p:nvCxnSpPr>
+          <p:cNvPr id="28" name="Straight Arrow Connector 27">
+            <a:extLst>
+              <a:ext uri="{FF2B5EF4-FFF2-40B4-BE49-F238E27FC236}">
+                <a16:creationId xmlns:a16="http://schemas.microsoft.com/office/drawing/2014/main" id="{EFFAFD77-3432-4162-A0F4-3737EE8D7F28}"/>
+              </a:ext>
+            </a:extLst>
+          </p:cNvPr>
+          <p:cNvCxnSpPr>
+            <a:stCxn id="42" idx="2"/>
+            <a:endCxn id="43" idx="1"/>
+          </p:cNvCxnSpPr>
+          <p:nvPr/>
+        </p:nvCxnSpPr>
+        <p:spPr>
+          <a:xfrm>
+            <a:off x="6494312" y="3890028"/>
+            <a:ext cx="1165435" cy="0"/>
+          </a:xfrm>
+          <a:prstGeom prst="straightConnector1">
+            <a:avLst/>
+          </a:prstGeom>
+          <a:ln w="28575">
+            <a:tailEnd type="triangle"/>
+          </a:ln>
+        </p:spPr>
+        <p:style>
+          <a:lnRef idx="1">
+            <a:schemeClr val="accent1"/>
+          </a:lnRef>
+          <a:fillRef idx="0">
+            <a:schemeClr val="accent1"/>
+          </a:fillRef>
+          <a:effectRef idx="0">
+            <a:schemeClr val="accent1"/>
+          </a:effectRef>
+          <a:fontRef idx="minor">
+            <a:schemeClr val="tx1"/>
+          </a:fontRef>
+        </p:style>
+      </p:cxnSp>
+      <p:cxnSp>
+        <p:nvCxnSpPr>
+          <p:cNvPr id="30" name="Straight Arrow Connector 29">
+            <a:extLst>
+              <a:ext uri="{FF2B5EF4-FFF2-40B4-BE49-F238E27FC236}">
+                <a16:creationId xmlns:a16="http://schemas.microsoft.com/office/drawing/2014/main" id="{860F9BEF-2A3C-452E-943E-E5F922BD8E2A}"/>
+              </a:ext>
+            </a:extLst>
+          </p:cNvPr>
+          <p:cNvCxnSpPr>
+            <a:stCxn id="43" idx="0"/>
+            <a:endCxn id="44" idx="2"/>
+          </p:cNvCxnSpPr>
+          <p:nvPr/>
+        </p:nvCxnSpPr>
+        <p:spPr>
+          <a:xfrm flipH="1" flipV="1">
+            <a:off x="9009034" y="1924848"/>
+            <a:ext cx="1" cy="1439400"/>
+          </a:xfrm>
+          <a:prstGeom prst="straightConnector1">
+            <a:avLst/>
+          </a:prstGeom>
+          <a:ln w="28575">
+            <a:tailEnd type="triangle"/>
+          </a:ln>
+        </p:spPr>
+        <p:style>
+          <a:lnRef idx="1">
+            <a:schemeClr val="accent1"/>
+          </a:lnRef>
+          <a:fillRef idx="0">
+            <a:schemeClr val="accent1"/>
+          </a:fillRef>
+          <a:effectRef idx="0">
+            <a:schemeClr val="accent1"/>
+          </a:effectRef>
+          <a:fontRef idx="minor">
+            <a:schemeClr val="tx1"/>
+          </a:fontRef>
+        </p:style>
+      </p:cxnSp>
+      <p:cxnSp>
+        <p:nvCxnSpPr>
+          <p:cNvPr id="36" name="Straight Arrow Connector 35">
+            <a:extLst>
+              <a:ext uri="{FF2B5EF4-FFF2-40B4-BE49-F238E27FC236}">
+                <a16:creationId xmlns:a16="http://schemas.microsoft.com/office/drawing/2014/main" id="{BCF5753B-1057-4D23-8E21-DE8FC93F9339}"/>
+              </a:ext>
+            </a:extLst>
+          </p:cNvPr>
+          <p:cNvCxnSpPr>
+            <a:stCxn id="43" idx="2"/>
+            <a:endCxn id="48" idx="1"/>
+          </p:cNvCxnSpPr>
+          <p:nvPr/>
+        </p:nvCxnSpPr>
+        <p:spPr>
+          <a:xfrm flipH="1">
+            <a:off x="8979406" y="4415808"/>
+            <a:ext cx="29629" cy="608520"/>
+          </a:xfrm>
+          <a:prstGeom prst="straightConnector1">
+            <a:avLst/>
+          </a:prstGeom>
+          <a:ln w="28575">
+            <a:tailEnd type="triangle"/>
+          </a:ln>
+        </p:spPr>
+        <p:style>
+          <a:lnRef idx="1">
+            <a:schemeClr val="accent1"/>
+          </a:lnRef>
+          <a:fillRef idx="0">
+            <a:schemeClr val="accent1"/>
+          </a:fillRef>
+          <a:effectRef idx="0">
+            <a:schemeClr val="accent1"/>
+          </a:effectRef>
+          <a:fontRef idx="minor">
+            <a:schemeClr val="tx1"/>
+          </a:fontRef>
+        </p:style>
+      </p:cxnSp>
+      <p:cxnSp>
+        <p:nvCxnSpPr>
+          <p:cNvPr id="55" name="Straight Arrow Connector 54">
+            <a:extLst>
+              <a:ext uri="{FF2B5EF4-FFF2-40B4-BE49-F238E27FC236}">
+                <a16:creationId xmlns:a16="http://schemas.microsoft.com/office/drawing/2014/main" id="{2ABE51F2-2F08-4868-82AD-965B4D4DF119}"/>
+              </a:ext>
+            </a:extLst>
+          </p:cNvPr>
+          <p:cNvCxnSpPr>
+            <a:stCxn id="48" idx="5"/>
+            <a:endCxn id="51" idx="6"/>
+          </p:cNvCxnSpPr>
+          <p:nvPr/>
+        </p:nvCxnSpPr>
+        <p:spPr>
+          <a:xfrm flipH="1">
+            <a:off x="6448850" y="5375203"/>
+            <a:ext cx="1231941" cy="1592"/>
+          </a:xfrm>
+          <a:prstGeom prst="straightConnector1">
+            <a:avLst/>
+          </a:prstGeom>
+          <a:ln w="28575">
+            <a:tailEnd type="triangle"/>
+          </a:ln>
+        </p:spPr>
+        <p:style>
+          <a:lnRef idx="1">
+            <a:schemeClr val="accent1"/>
+          </a:lnRef>
+          <a:fillRef idx="0">
+            <a:schemeClr val="accent1"/>
+          </a:fillRef>
+          <a:effectRef idx="0">
+            <a:schemeClr val="accent1"/>
+          </a:effectRef>
+          <a:fontRef idx="minor">
+            <a:schemeClr val="tx1"/>
+          </a:fontRef>
+        </p:style>
+      </p:cxnSp>
+      <p:cxnSp>
+        <p:nvCxnSpPr>
+          <p:cNvPr id="58" name="Straight Arrow Connector 57">
+            <a:extLst>
+              <a:ext uri="{FF2B5EF4-FFF2-40B4-BE49-F238E27FC236}">
+                <a16:creationId xmlns:a16="http://schemas.microsoft.com/office/drawing/2014/main" id="{B0AE6DFB-D6DD-4DC2-B5E2-F8CAF6C0B1D5}"/>
+              </a:ext>
+            </a:extLst>
+          </p:cNvPr>
+          <p:cNvCxnSpPr>
+            <a:stCxn id="44" idx="1"/>
+            <a:endCxn id="19" idx="3"/>
+          </p:cNvCxnSpPr>
+          <p:nvPr/>
+        </p:nvCxnSpPr>
+        <p:spPr>
+          <a:xfrm flipH="1">
+            <a:off x="2850871" y="1591092"/>
+            <a:ext cx="5156895" cy="0"/>
+          </a:xfrm>
+          <a:prstGeom prst="straightConnector1">
+            <a:avLst/>
+          </a:prstGeom>
+          <a:ln w="28575">
+            <a:tailEnd type="triangle"/>
+          </a:ln>
+        </p:spPr>
+        <p:style>
+          <a:lnRef idx="1">
+            <a:schemeClr val="accent1"/>
+          </a:lnRef>
+          <a:fillRef idx="0">
+            <a:schemeClr val="accent1"/>
+          </a:fillRef>
+          <a:effectRef idx="0">
+            <a:schemeClr val="accent1"/>
+          </a:effectRef>
+          <a:fontRef idx="minor">
+            <a:schemeClr val="tx1"/>
+          </a:fontRef>
+        </p:style>
+      </p:cxnSp>
+    </p:spTree>
+    <p:extLst>
+      <p:ext uri="{BB962C8B-B14F-4D97-AF65-F5344CB8AC3E}">
+        <p14:creationId xmlns:p14="http://schemas.microsoft.com/office/powerpoint/2010/main" val="605880846"/>
+      </p:ext>
+    </p:extLst>
+  </p:cSld>
+  <p:clrMapOvr>
+    <a:masterClrMapping/>
+  </p:clrMapOvr>
+</p:sld>
+</file>
+
+<file path=ppt/slides/slide12.xml><?xml version="1.0" encoding="utf-8"?>
+<p:sld xmlns:a="http://schemas.openxmlformats.org/drawingml/2006/main" xmlns:r="http://schemas.openxmlformats.org/officeDocument/2006/relationships" xmlns:p="http://schemas.openxmlformats.org/presentationml/2006/main">
+  <p:cSld>
+    <p:spTree>
+      <p:nvGrpSpPr>
+        <p:cNvPr id="1" name=""/>
+        <p:cNvGrpSpPr/>
+        <p:nvPr/>
+      </p:nvGrpSpPr>
+      <p:grpSpPr>
+        <a:xfrm>
+          <a:off x="0" y="0"/>
+          <a:ext cx="0" cy="0"/>
+          <a:chOff x="0" y="0"/>
+          <a:chExt cx="0" cy="0"/>
+        </a:xfrm>
+      </p:grpSpPr>
+      <p:sp>
+        <p:nvSpPr>
+          <p:cNvPr id="9" name="Oval 8">
+            <a:extLst>
+              <a:ext uri="{FF2B5EF4-FFF2-40B4-BE49-F238E27FC236}">
+                <a16:creationId xmlns:a16="http://schemas.microsoft.com/office/drawing/2014/main" id="{423DAC25-A7FA-4762-AD9B-D349209C5332}"/>
+              </a:ext>
+            </a:extLst>
+          </p:cNvPr>
+          <p:cNvSpPr/>
+          <p:nvPr/>
+        </p:nvSpPr>
+        <p:spPr>
+          <a:xfrm>
+            <a:off x="1538618" y="246179"/>
+            <a:ext cx="1316736" cy="594360"/>
+          </a:xfrm>
+          <a:prstGeom prst="ellipse">
+            <a:avLst/>
+          </a:prstGeom>
+        </p:spPr>
+        <p:style>
+          <a:lnRef idx="2">
+            <a:schemeClr val="accent1">
+              <a:shade val="50000"/>
+            </a:schemeClr>
+          </a:lnRef>
+          <a:fillRef idx="1">
+            <a:schemeClr val="accent1"/>
+          </a:fillRef>
+          <a:effectRef idx="0">
+            <a:schemeClr val="accent1"/>
+          </a:effectRef>
+          <a:fontRef idx="minor">
+            <a:schemeClr val="lt1"/>
+          </a:fontRef>
+        </p:style>
+        <p:txBody>
+          <a:bodyPr rtlCol="0" anchor="ctr"/>
+          <a:lstStyle/>
+          <a:p>
+            <a:pPr algn="ctr"/>
+            <a:r>
+              <a:rPr lang="en-US" sz="1400" dirty="0"/>
+              <a:t>Start</a:t>
+            </a:r>
+          </a:p>
+        </p:txBody>
+      </p:sp>
+      <p:cxnSp>
+        <p:nvCxnSpPr>
+          <p:cNvPr id="11" name="Straight Arrow Connector 10">
+            <a:extLst>
+              <a:ext uri="{FF2B5EF4-FFF2-40B4-BE49-F238E27FC236}">
+                <a16:creationId xmlns:a16="http://schemas.microsoft.com/office/drawing/2014/main" id="{14A3FEB2-7006-4B10-8080-B97E85238E82}"/>
+              </a:ext>
+            </a:extLst>
+          </p:cNvPr>
+          <p:cNvCxnSpPr>
+            <a:cxnSpLocks/>
+            <a:stCxn id="9" idx="4"/>
+          </p:cNvCxnSpPr>
+          <p:nvPr/>
+        </p:nvCxnSpPr>
+        <p:spPr>
+          <a:xfrm>
+            <a:off x="2196986" y="840539"/>
+            <a:ext cx="0" cy="352819"/>
+          </a:xfrm>
+          <a:prstGeom prst="straightConnector1">
+            <a:avLst/>
+          </a:prstGeom>
+          <a:ln w="28575">
+            <a:tailEnd type="triangle"/>
+          </a:ln>
+        </p:spPr>
+        <p:style>
+          <a:lnRef idx="1">
+            <a:schemeClr val="accent1"/>
+          </a:lnRef>
+          <a:fillRef idx="0">
+            <a:schemeClr val="accent1"/>
+          </a:fillRef>
+          <a:effectRef idx="0">
+            <a:schemeClr val="accent1"/>
+          </a:effectRef>
+          <a:fontRef idx="minor">
+            <a:schemeClr val="tx1"/>
+          </a:fontRef>
+        </p:style>
+      </p:cxnSp>
+      <p:sp>
+        <p:nvSpPr>
+          <p:cNvPr id="19" name="Diamond 18">
+            <a:extLst>
+              <a:ext uri="{FF2B5EF4-FFF2-40B4-BE49-F238E27FC236}">
+                <a16:creationId xmlns:a16="http://schemas.microsoft.com/office/drawing/2014/main" id="{0C9B9E0A-6752-4B76-AD77-6EB3AEE8019F}"/>
+              </a:ext>
+            </a:extLst>
+          </p:cNvPr>
+          <p:cNvSpPr/>
+          <p:nvPr/>
+        </p:nvSpPr>
+        <p:spPr>
+          <a:xfrm>
+            <a:off x="1400557" y="1198076"/>
+            <a:ext cx="1592858" cy="813920"/>
+          </a:xfrm>
+          <a:prstGeom prst="diamond">
+            <a:avLst/>
+          </a:prstGeom>
+        </p:spPr>
+        <p:style>
+          <a:lnRef idx="2">
+            <a:schemeClr val="accent1">
+              <a:shade val="50000"/>
+            </a:schemeClr>
+          </a:lnRef>
+          <a:fillRef idx="1">
+            <a:schemeClr val="accent1"/>
+          </a:fillRef>
+          <a:effectRef idx="0">
+            <a:schemeClr val="accent1"/>
+          </a:effectRef>
+          <a:fontRef idx="minor">
+            <a:schemeClr val="lt1"/>
+          </a:fontRef>
+        </p:style>
+        <p:txBody>
+          <a:bodyPr rtlCol="0" anchor="ctr"/>
+          <a:lstStyle/>
+          <a:p>
+            <a:pPr algn="ctr"/>
+            <a:r>
+              <a:rPr lang="en-US" sz="1400" dirty="0"/>
+              <a:t>while(1)</a:t>
+            </a:r>
+          </a:p>
+        </p:txBody>
+      </p:sp>
+      <p:sp>
+        <p:nvSpPr>
+          <p:cNvPr id="15" name="TextBox 14">
+            <a:extLst>
+              <a:ext uri="{FF2B5EF4-FFF2-40B4-BE49-F238E27FC236}">
+                <a16:creationId xmlns:a16="http://schemas.microsoft.com/office/drawing/2014/main" id="{7EA820D4-1B42-4AB4-9520-C824D667EB37}"/>
+              </a:ext>
+            </a:extLst>
+          </p:cNvPr>
+          <p:cNvSpPr txBox="1"/>
+          <p:nvPr/>
+        </p:nvSpPr>
+        <p:spPr>
+          <a:xfrm>
+            <a:off x="3909284" y="3891027"/>
+            <a:ext cx="492443" cy="307777"/>
+          </a:xfrm>
+          <a:prstGeom prst="rect">
+            <a:avLst/>
+          </a:prstGeom>
+          <a:noFill/>
+        </p:spPr>
+        <p:txBody>
+          <a:bodyPr wrap="none" rtlCol="0">
+            <a:spAutoFit/>
+          </a:bodyPr>
+          <a:lstStyle/>
+          <a:p>
+            <a:r>
+              <a:rPr lang="en-US" sz="1400" dirty="0">
+                <a:solidFill>
+                  <a:schemeClr val="accent1"/>
+                </a:solidFill>
+              </a:rPr>
+              <a:t>true</a:t>
+            </a:r>
+          </a:p>
+        </p:txBody>
+      </p:sp>
+      <p:sp>
+        <p:nvSpPr>
+          <p:cNvPr id="34" name="TextBox 33">
+            <a:extLst>
+              <a:ext uri="{FF2B5EF4-FFF2-40B4-BE49-F238E27FC236}">
+                <a16:creationId xmlns:a16="http://schemas.microsoft.com/office/drawing/2014/main" id="{F27AC0E2-ED9E-4FC5-B37E-C9F0C38989F9}"/>
+              </a:ext>
+            </a:extLst>
+          </p:cNvPr>
+          <p:cNvSpPr txBox="1"/>
+          <p:nvPr/>
+        </p:nvSpPr>
+        <p:spPr>
+          <a:xfrm>
+            <a:off x="2196984" y="4746618"/>
+            <a:ext cx="524182" cy="307777"/>
+          </a:xfrm>
+          <a:prstGeom prst="rect">
+            <a:avLst/>
+          </a:prstGeom>
+          <a:noFill/>
+        </p:spPr>
+        <p:txBody>
+          <a:bodyPr wrap="none" rtlCol="0">
+            <a:spAutoFit/>
+          </a:bodyPr>
+          <a:lstStyle/>
+          <a:p>
+            <a:r>
+              <a:rPr lang="en-US" sz="1400" dirty="0">
+                <a:solidFill>
+                  <a:schemeClr val="accent1"/>
+                </a:solidFill>
+              </a:rPr>
+              <a:t>false</a:t>
+            </a:r>
+          </a:p>
+        </p:txBody>
+      </p:sp>
+      <p:sp>
+        <p:nvSpPr>
+          <p:cNvPr id="51" name="Oval 50">
+            <a:extLst>
+              <a:ext uri="{FF2B5EF4-FFF2-40B4-BE49-F238E27FC236}">
+                <a16:creationId xmlns:a16="http://schemas.microsoft.com/office/drawing/2014/main" id="{3DAA5643-F5D8-44BA-A698-98970D2459BB}"/>
+              </a:ext>
+            </a:extLst>
+          </p:cNvPr>
+          <p:cNvSpPr/>
+          <p:nvPr/>
+        </p:nvSpPr>
+        <p:spPr>
+          <a:xfrm>
+            <a:off x="6290194" y="5141739"/>
+            <a:ext cx="1316736" cy="594360"/>
+          </a:xfrm>
+          <a:prstGeom prst="ellipse">
+            <a:avLst/>
+          </a:prstGeom>
+        </p:spPr>
+        <p:style>
+          <a:lnRef idx="2">
+            <a:schemeClr val="accent1">
+              <a:shade val="50000"/>
+            </a:schemeClr>
+          </a:lnRef>
+          <a:fillRef idx="1">
+            <a:schemeClr val="accent1"/>
+          </a:fillRef>
+          <a:effectRef idx="0">
+            <a:schemeClr val="accent1"/>
+          </a:effectRef>
+          <a:fontRef idx="minor">
+            <a:schemeClr val="lt1"/>
+          </a:fontRef>
+        </p:style>
+        <p:txBody>
+          <a:bodyPr rtlCol="0" anchor="ctr"/>
+          <a:lstStyle/>
+          <a:p>
+            <a:pPr algn="ctr"/>
+            <a:r>
+              <a:rPr lang="en-US" sz="1400" dirty="0"/>
+              <a:t>End</a:t>
+            </a:r>
+          </a:p>
+        </p:txBody>
+      </p:sp>
+      <p:sp>
+        <p:nvSpPr>
+          <p:cNvPr id="106" name="TextBox 105">
+            <a:extLst>
+              <a:ext uri="{FF2B5EF4-FFF2-40B4-BE49-F238E27FC236}">
+                <a16:creationId xmlns:a16="http://schemas.microsoft.com/office/drawing/2014/main" id="{576CB457-9EC7-47CE-91F2-B97A40FDF302}"/>
+              </a:ext>
+            </a:extLst>
+          </p:cNvPr>
+          <p:cNvSpPr txBox="1"/>
+          <p:nvPr/>
+        </p:nvSpPr>
+        <p:spPr>
+          <a:xfrm>
+            <a:off x="653971" y="1159632"/>
+            <a:ext cx="1097352" cy="523220"/>
+          </a:xfrm>
+          <a:prstGeom prst="rect">
+            <a:avLst/>
+          </a:prstGeom>
+          <a:noFill/>
+        </p:spPr>
+        <p:txBody>
+          <a:bodyPr wrap="square" rtlCol="0">
+            <a:spAutoFit/>
+          </a:bodyPr>
+          <a:lstStyle/>
+          <a:p>
+            <a:r>
+              <a:rPr lang="en-US" sz="1400" dirty="0">
+                <a:solidFill>
+                  <a:schemeClr val="accent1"/>
+                </a:solidFill>
+              </a:rPr>
+              <a:t>Infinity Loop</a:t>
+            </a:r>
+          </a:p>
+          <a:p>
+            <a:endParaRPr lang="en-US" sz="1400" dirty="0">
+              <a:solidFill>
+                <a:schemeClr val="accent1"/>
+              </a:solidFill>
+            </a:endParaRPr>
+          </a:p>
+        </p:txBody>
+      </p:sp>
+      <p:sp>
+        <p:nvSpPr>
+          <p:cNvPr id="43" name="Diamond 42">
+            <a:extLst>
+              <a:ext uri="{FF2B5EF4-FFF2-40B4-BE49-F238E27FC236}">
+                <a16:creationId xmlns:a16="http://schemas.microsoft.com/office/drawing/2014/main" id="{1E2EC9F3-3E4D-44E7-9E31-74B58ADC64E4}"/>
+              </a:ext>
+            </a:extLst>
+          </p:cNvPr>
+          <p:cNvSpPr/>
+          <p:nvPr/>
+        </p:nvSpPr>
+        <p:spPr>
+          <a:xfrm>
+            <a:off x="705153" y="3659523"/>
+            <a:ext cx="2990547" cy="1051560"/>
+          </a:xfrm>
+          <a:prstGeom prst="diamond">
+            <a:avLst/>
+          </a:prstGeom>
+        </p:spPr>
+        <p:style>
+          <a:lnRef idx="2">
+            <a:schemeClr val="accent1">
+              <a:shade val="50000"/>
+            </a:schemeClr>
+          </a:lnRef>
+          <a:fillRef idx="1">
+            <a:schemeClr val="accent1"/>
+          </a:fillRef>
+          <a:effectRef idx="0">
+            <a:schemeClr val="accent1"/>
+          </a:effectRef>
+          <a:fontRef idx="minor">
+            <a:schemeClr val="lt1"/>
+          </a:fontRef>
+        </p:style>
+        <p:txBody>
+          <a:bodyPr rtlCol="0" anchor="ctr"/>
+          <a:lstStyle/>
+          <a:p>
+            <a:pPr algn="ctr"/>
+            <a:r>
+              <a:rPr lang="en-US" sz="1400" dirty="0"/>
+              <a:t>inputtedYear &lt;= 0</a:t>
+            </a:r>
+          </a:p>
+        </p:txBody>
+      </p:sp>
+      <p:sp>
+        <p:nvSpPr>
+          <p:cNvPr id="44" name="Rectangle 43">
+            <a:extLst>
+              <a:ext uri="{FF2B5EF4-FFF2-40B4-BE49-F238E27FC236}">
+                <a16:creationId xmlns:a16="http://schemas.microsoft.com/office/drawing/2014/main" id="{F78AE892-27A8-4A36-82DC-0B51179BB042}"/>
+              </a:ext>
+            </a:extLst>
+          </p:cNvPr>
+          <p:cNvSpPr/>
+          <p:nvPr/>
+        </p:nvSpPr>
+        <p:spPr>
+          <a:xfrm>
+            <a:off x="4598929" y="3838752"/>
+            <a:ext cx="2002536" cy="667512"/>
+          </a:xfrm>
+          <a:prstGeom prst="rect">
+            <a:avLst/>
+          </a:prstGeom>
+        </p:spPr>
+        <p:style>
+          <a:lnRef idx="2">
+            <a:schemeClr val="accent1">
+              <a:shade val="50000"/>
+            </a:schemeClr>
+          </a:lnRef>
+          <a:fillRef idx="1">
+            <a:schemeClr val="accent1"/>
+          </a:fillRef>
+          <a:effectRef idx="0">
+            <a:schemeClr val="accent1"/>
+          </a:effectRef>
+          <a:fontRef idx="minor">
+            <a:schemeClr val="lt1"/>
+          </a:fontRef>
+        </p:style>
+        <p:txBody>
+          <a:bodyPr rtlCol="0" anchor="ctr"/>
+          <a:lstStyle/>
+          <a:p>
+            <a:pPr algn="ctr"/>
+            <a:r>
+              <a:rPr lang="en-US" sz="1400" dirty="0"/>
+              <a:t>Invalid book’s year</a:t>
+            </a:r>
+          </a:p>
+          <a:p>
+            <a:pPr algn="ctr"/>
+            <a:r>
+              <a:rPr lang="en-US" sz="1400" dirty="0"/>
+              <a:t>inputted</a:t>
+            </a:r>
+          </a:p>
+        </p:txBody>
+      </p:sp>
+      <p:sp>
+        <p:nvSpPr>
+          <p:cNvPr id="48" name="Parallelogram 47">
+            <a:extLst>
+              <a:ext uri="{FF2B5EF4-FFF2-40B4-BE49-F238E27FC236}">
+                <a16:creationId xmlns:a16="http://schemas.microsoft.com/office/drawing/2014/main" id="{DA8C3DB1-64CF-4DAE-BC63-B497C57FAC5E}"/>
+              </a:ext>
+            </a:extLst>
+          </p:cNvPr>
+          <p:cNvSpPr/>
+          <p:nvPr/>
+        </p:nvSpPr>
+        <p:spPr>
+          <a:xfrm>
+            <a:off x="705153" y="5089931"/>
+            <a:ext cx="2808228" cy="701750"/>
+          </a:xfrm>
+          <a:prstGeom prst="parallelogram">
+            <a:avLst/>
+          </a:prstGeom>
+        </p:spPr>
+        <p:style>
+          <a:lnRef idx="2">
+            <a:schemeClr val="accent1">
+              <a:shade val="50000"/>
+            </a:schemeClr>
+          </a:lnRef>
+          <a:fillRef idx="1">
+            <a:schemeClr val="accent1"/>
+          </a:fillRef>
+          <a:effectRef idx="0">
+            <a:schemeClr val="accent1"/>
+          </a:effectRef>
+          <a:fontRef idx="minor">
+            <a:schemeClr val="lt1"/>
+          </a:fontRef>
+        </p:style>
+        <p:txBody>
+          <a:bodyPr rtlCol="0" anchor="ctr"/>
+          <a:lstStyle/>
+          <a:p>
+            <a:pPr algn="ctr"/>
+            <a:r>
+              <a:rPr lang="en-US" sz="1400" dirty="0"/>
+              <a:t>book-&gt;year = inputtedYear;</a:t>
+            </a:r>
+          </a:p>
+        </p:txBody>
+      </p:sp>
+      <p:cxnSp>
+        <p:nvCxnSpPr>
+          <p:cNvPr id="8" name="Straight Arrow Connector 7">
+            <a:extLst>
+              <a:ext uri="{FF2B5EF4-FFF2-40B4-BE49-F238E27FC236}">
+                <a16:creationId xmlns:a16="http://schemas.microsoft.com/office/drawing/2014/main" id="{5276D897-3715-4A85-A8BD-62606D6FEA0B}"/>
+              </a:ext>
+            </a:extLst>
+          </p:cNvPr>
+          <p:cNvCxnSpPr>
+            <a:cxnSpLocks/>
+            <a:stCxn id="19" idx="2"/>
+            <a:endCxn id="27" idx="0"/>
+          </p:cNvCxnSpPr>
+          <p:nvPr/>
+        </p:nvCxnSpPr>
+        <p:spPr>
+          <a:xfrm flipH="1">
+            <a:off x="2196985" y="2011996"/>
+            <a:ext cx="1" cy="404903"/>
+          </a:xfrm>
+          <a:prstGeom prst="straightConnector1">
+            <a:avLst/>
+          </a:prstGeom>
+          <a:ln w="28575">
+            <a:tailEnd type="triangle"/>
+          </a:ln>
+        </p:spPr>
+        <p:style>
+          <a:lnRef idx="1">
+            <a:schemeClr val="accent1"/>
+          </a:lnRef>
+          <a:fillRef idx="0">
+            <a:schemeClr val="accent1"/>
+          </a:fillRef>
+          <a:effectRef idx="0">
+            <a:schemeClr val="accent1"/>
+          </a:effectRef>
+          <a:fontRef idx="minor">
+            <a:schemeClr val="tx1"/>
+          </a:fontRef>
+        </p:style>
+      </p:cxnSp>
+      <p:cxnSp>
+        <p:nvCxnSpPr>
+          <p:cNvPr id="30" name="Straight Arrow Connector 29">
+            <a:extLst>
+              <a:ext uri="{FF2B5EF4-FFF2-40B4-BE49-F238E27FC236}">
+                <a16:creationId xmlns:a16="http://schemas.microsoft.com/office/drawing/2014/main" id="{860F9BEF-2A3C-452E-943E-E5F922BD8E2A}"/>
+              </a:ext>
+            </a:extLst>
+          </p:cNvPr>
+          <p:cNvCxnSpPr>
+            <a:cxnSpLocks/>
+            <a:stCxn id="43" idx="3"/>
+            <a:endCxn id="44" idx="1"/>
+          </p:cNvCxnSpPr>
+          <p:nvPr/>
+        </p:nvCxnSpPr>
+        <p:spPr>
+          <a:xfrm flipV="1">
+            <a:off x="3695700" y="4172508"/>
+            <a:ext cx="903229" cy="12795"/>
+          </a:xfrm>
+          <a:prstGeom prst="straightConnector1">
+            <a:avLst/>
+          </a:prstGeom>
+          <a:ln w="28575">
+            <a:tailEnd type="triangle"/>
+          </a:ln>
+        </p:spPr>
+        <p:style>
+          <a:lnRef idx="1">
+            <a:schemeClr val="accent1"/>
+          </a:lnRef>
+          <a:fillRef idx="0">
+            <a:schemeClr val="accent1"/>
+          </a:fillRef>
+          <a:effectRef idx="0">
+            <a:schemeClr val="accent1"/>
+          </a:effectRef>
+          <a:fontRef idx="minor">
+            <a:schemeClr val="tx1"/>
+          </a:fontRef>
+        </p:style>
+      </p:cxnSp>
+      <p:cxnSp>
+        <p:nvCxnSpPr>
+          <p:cNvPr id="36" name="Straight Arrow Connector 35">
+            <a:extLst>
+              <a:ext uri="{FF2B5EF4-FFF2-40B4-BE49-F238E27FC236}">
+                <a16:creationId xmlns:a16="http://schemas.microsoft.com/office/drawing/2014/main" id="{BCF5753B-1057-4D23-8E21-DE8FC93F9339}"/>
+              </a:ext>
+            </a:extLst>
+          </p:cNvPr>
+          <p:cNvCxnSpPr>
+            <a:cxnSpLocks/>
+            <a:stCxn id="43" idx="2"/>
+            <a:endCxn id="48" idx="1"/>
+          </p:cNvCxnSpPr>
+          <p:nvPr/>
+        </p:nvCxnSpPr>
+        <p:spPr>
+          <a:xfrm flipH="1">
+            <a:off x="2196986" y="4711083"/>
+            <a:ext cx="3441" cy="378848"/>
+          </a:xfrm>
+          <a:prstGeom prst="straightConnector1">
+            <a:avLst/>
+          </a:prstGeom>
+          <a:ln w="28575">
+            <a:tailEnd type="triangle"/>
+          </a:ln>
+        </p:spPr>
+        <p:style>
+          <a:lnRef idx="1">
+            <a:schemeClr val="accent1"/>
+          </a:lnRef>
+          <a:fillRef idx="0">
+            <a:schemeClr val="accent1"/>
+          </a:fillRef>
+          <a:effectRef idx="0">
+            <a:schemeClr val="accent1"/>
+          </a:effectRef>
+          <a:fontRef idx="minor">
+            <a:schemeClr val="tx1"/>
+          </a:fontRef>
+        </p:style>
+      </p:cxnSp>
+      <p:cxnSp>
+        <p:nvCxnSpPr>
+          <p:cNvPr id="55" name="Straight Arrow Connector 54">
+            <a:extLst>
+              <a:ext uri="{FF2B5EF4-FFF2-40B4-BE49-F238E27FC236}">
+                <a16:creationId xmlns:a16="http://schemas.microsoft.com/office/drawing/2014/main" id="{2ABE51F2-2F08-4868-82AD-965B4D4DF119}"/>
+              </a:ext>
+            </a:extLst>
+          </p:cNvPr>
+          <p:cNvCxnSpPr>
+            <a:cxnSpLocks/>
+            <a:stCxn id="48" idx="2"/>
+            <a:endCxn id="60" idx="5"/>
+          </p:cNvCxnSpPr>
+          <p:nvPr/>
+        </p:nvCxnSpPr>
+        <p:spPr>
+          <a:xfrm flipV="1">
+            <a:off x="3425662" y="5438919"/>
+            <a:ext cx="809372" cy="1887"/>
+          </a:xfrm>
+          <a:prstGeom prst="straightConnector1">
+            <a:avLst/>
+          </a:prstGeom>
+          <a:ln w="28575">
+            <a:tailEnd type="triangle"/>
+          </a:ln>
+        </p:spPr>
+        <p:style>
+          <a:lnRef idx="1">
+            <a:schemeClr val="accent1"/>
+          </a:lnRef>
+          <a:fillRef idx="0">
+            <a:schemeClr val="accent1"/>
+          </a:fillRef>
+          <a:effectRef idx="0">
+            <a:schemeClr val="accent1"/>
+          </a:effectRef>
+          <a:fontRef idx="minor">
+            <a:schemeClr val="tx1"/>
+          </a:fontRef>
+        </p:style>
+      </p:cxnSp>
+      <p:sp>
+        <p:nvSpPr>
+          <p:cNvPr id="27" name="Parallelogram 26">
+            <a:extLst>
+              <a:ext uri="{FF2B5EF4-FFF2-40B4-BE49-F238E27FC236}">
+                <a16:creationId xmlns:a16="http://schemas.microsoft.com/office/drawing/2014/main" id="{A0EE99F5-F07E-42D7-987D-D61D44F7DEA1}"/>
+              </a:ext>
+            </a:extLst>
+          </p:cNvPr>
+          <p:cNvSpPr/>
+          <p:nvPr/>
+        </p:nvSpPr>
+        <p:spPr>
+          <a:xfrm>
+            <a:off x="435711" y="2416899"/>
+            <a:ext cx="3522547" cy="701750"/>
+          </a:xfrm>
+          <a:prstGeom prst="parallelogram">
+            <a:avLst/>
+          </a:prstGeom>
+        </p:spPr>
+        <p:style>
+          <a:lnRef idx="2">
+            <a:schemeClr val="accent1">
+              <a:shade val="50000"/>
+            </a:schemeClr>
+          </a:lnRef>
+          <a:fillRef idx="1">
+            <a:schemeClr val="accent1"/>
+          </a:fillRef>
+          <a:effectRef idx="0">
+            <a:schemeClr val="accent1"/>
+          </a:effectRef>
+          <a:fontRef idx="minor">
+            <a:schemeClr val="lt1"/>
+          </a:fontRef>
+        </p:style>
+        <p:txBody>
+          <a:bodyPr rtlCol="0" anchor="ctr"/>
+          <a:lstStyle/>
+          <a:p>
+            <a:pPr algn="ctr"/>
+            <a:r>
+              <a:rPr lang="en-US" sz="1400" dirty="0"/>
+              <a:t>int inputtedYear = inputNumberAsStringAndConvert();</a:t>
+            </a:r>
+          </a:p>
+        </p:txBody>
+      </p:sp>
+      <p:cxnSp>
+        <p:nvCxnSpPr>
+          <p:cNvPr id="47" name="Connector: Elbow 46">
+            <a:extLst>
+              <a:ext uri="{FF2B5EF4-FFF2-40B4-BE49-F238E27FC236}">
+                <a16:creationId xmlns:a16="http://schemas.microsoft.com/office/drawing/2014/main" id="{D85A1720-3940-4359-A24B-7FB31B5E0F34}"/>
+              </a:ext>
+            </a:extLst>
+          </p:cNvPr>
+          <p:cNvCxnSpPr>
+            <a:cxnSpLocks/>
+            <a:stCxn id="44" idx="0"/>
+            <a:endCxn id="19" idx="3"/>
+          </p:cNvCxnSpPr>
+          <p:nvPr/>
+        </p:nvCxnSpPr>
+        <p:spPr>
+          <a:xfrm rot="16200000" flipV="1">
+            <a:off x="3179948" y="1418503"/>
+            <a:ext cx="2233716" cy="2606782"/>
+          </a:xfrm>
+          <a:prstGeom prst="bentConnector2">
+            <a:avLst/>
+          </a:prstGeom>
+          <a:ln w="28575">
+            <a:tailEnd type="triangle"/>
+          </a:ln>
+        </p:spPr>
+        <p:style>
+          <a:lnRef idx="1">
+            <a:schemeClr val="accent1"/>
+          </a:lnRef>
+          <a:fillRef idx="0">
+            <a:schemeClr val="accent1"/>
+          </a:fillRef>
+          <a:effectRef idx="0">
+            <a:schemeClr val="accent1"/>
+          </a:effectRef>
+          <a:fontRef idx="minor">
+            <a:schemeClr val="tx1"/>
+          </a:fontRef>
+        </p:style>
+      </p:cxnSp>
+      <p:cxnSp>
+        <p:nvCxnSpPr>
+          <p:cNvPr id="57" name="Straight Arrow Connector 56">
+            <a:extLst>
+              <a:ext uri="{FF2B5EF4-FFF2-40B4-BE49-F238E27FC236}">
+                <a16:creationId xmlns:a16="http://schemas.microsoft.com/office/drawing/2014/main" id="{AC1752AD-D143-4459-9DDB-81244BCCF358}"/>
+              </a:ext>
+            </a:extLst>
+          </p:cNvPr>
+          <p:cNvCxnSpPr>
+            <a:stCxn id="27" idx="4"/>
+            <a:endCxn id="43" idx="0"/>
+          </p:cNvCxnSpPr>
+          <p:nvPr/>
+        </p:nvCxnSpPr>
+        <p:spPr>
+          <a:xfrm>
+            <a:off x="2196985" y="3118649"/>
+            <a:ext cx="3442" cy="540874"/>
+          </a:xfrm>
+          <a:prstGeom prst="straightConnector1">
+            <a:avLst/>
+          </a:prstGeom>
+          <a:ln w="28575">
+            <a:tailEnd type="triangle"/>
+          </a:ln>
+        </p:spPr>
+        <p:style>
+          <a:lnRef idx="1">
+            <a:schemeClr val="accent1"/>
+          </a:lnRef>
+          <a:fillRef idx="0">
+            <a:schemeClr val="accent1"/>
+          </a:fillRef>
+          <a:effectRef idx="0">
+            <a:schemeClr val="accent1"/>
+          </a:effectRef>
+          <a:fontRef idx="minor">
+            <a:schemeClr val="tx1"/>
+          </a:fontRef>
+        </p:style>
+      </p:cxnSp>
+      <p:sp>
+        <p:nvSpPr>
+          <p:cNvPr id="60" name="Parallelogram 59">
+            <a:extLst>
+              <a:ext uri="{FF2B5EF4-FFF2-40B4-BE49-F238E27FC236}">
+                <a16:creationId xmlns:a16="http://schemas.microsoft.com/office/drawing/2014/main" id="{E17A02DE-2452-43FE-85C6-651630FD4424}"/>
+              </a:ext>
+            </a:extLst>
+          </p:cNvPr>
+          <p:cNvSpPr/>
+          <p:nvPr/>
+        </p:nvSpPr>
+        <p:spPr>
+          <a:xfrm>
+            <a:off x="4147315" y="5088044"/>
+            <a:ext cx="1513180" cy="701750"/>
+          </a:xfrm>
+          <a:prstGeom prst="parallelogram">
+            <a:avLst/>
+          </a:prstGeom>
+        </p:spPr>
+        <p:style>
+          <a:lnRef idx="2">
+            <a:schemeClr val="accent1">
+              <a:shade val="50000"/>
+            </a:schemeClr>
+          </a:lnRef>
+          <a:fillRef idx="1">
+            <a:schemeClr val="accent1"/>
+          </a:fillRef>
+          <a:effectRef idx="0">
+            <a:schemeClr val="accent1"/>
+          </a:effectRef>
+          <a:fontRef idx="minor">
+            <a:schemeClr val="lt1"/>
+          </a:fontRef>
+        </p:style>
+        <p:txBody>
+          <a:bodyPr rtlCol="0" anchor="ctr"/>
+          <a:lstStyle/>
+          <a:p>
+            <a:pPr algn="ctr"/>
+            <a:r>
+              <a:rPr lang="en-US" sz="1400" dirty="0"/>
+              <a:t>exit the loop</a:t>
+            </a:r>
+          </a:p>
+        </p:txBody>
+      </p:sp>
+      <p:cxnSp>
+        <p:nvCxnSpPr>
+          <p:cNvPr id="96" name="Straight Arrow Connector 95">
+            <a:extLst>
+              <a:ext uri="{FF2B5EF4-FFF2-40B4-BE49-F238E27FC236}">
+                <a16:creationId xmlns:a16="http://schemas.microsoft.com/office/drawing/2014/main" id="{3497458F-8C06-45F3-8531-FABECA4FB79F}"/>
+              </a:ext>
+            </a:extLst>
+          </p:cNvPr>
+          <p:cNvCxnSpPr>
+            <a:stCxn id="60" idx="2"/>
+            <a:endCxn id="51" idx="2"/>
+          </p:cNvCxnSpPr>
+          <p:nvPr/>
+        </p:nvCxnSpPr>
+        <p:spPr>
+          <a:xfrm>
+            <a:off x="5572776" y="5438919"/>
+            <a:ext cx="717418" cy="0"/>
+          </a:xfrm>
+          <a:prstGeom prst="straightConnector1">
+            <a:avLst/>
+          </a:prstGeom>
+          <a:ln w="28575">
+            <a:tailEnd type="triangle"/>
+          </a:ln>
+        </p:spPr>
+        <p:style>
+          <a:lnRef idx="1">
+            <a:schemeClr val="accent1"/>
+          </a:lnRef>
+          <a:fillRef idx="0">
+            <a:schemeClr val="accent1"/>
+          </a:fillRef>
+          <a:effectRef idx="0">
+            <a:schemeClr val="accent1"/>
+          </a:effectRef>
+          <a:fontRef idx="minor">
+            <a:schemeClr val="tx1"/>
+          </a:fontRef>
+        </p:style>
+      </p:cxnSp>
+    </p:spTree>
+    <p:extLst>
+      <p:ext uri="{BB962C8B-B14F-4D97-AF65-F5344CB8AC3E}">
+        <p14:creationId xmlns:p14="http://schemas.microsoft.com/office/powerpoint/2010/main" val="2473233008"/>
+      </p:ext>
+    </p:extLst>
+  </p:cSld>
+  <p:clrMapOvr>
+    <a:masterClrMapping/>
+  </p:clrMapOvr>
+</p:sld>
+</file>
+
 <file path=ppt/slides/slide2.xml><?xml version="1.0" encoding="utf-8"?>
 <p:sld xmlns:a="http://schemas.openxmlformats.org/drawingml/2006/main" xmlns:r="http://schemas.openxmlformats.org/officeDocument/2006/relationships" xmlns:p="http://schemas.openxmlformats.org/presentationml/2006/main">
   <p:cSld>
@@ -6421,13 +9485,14 @@
           <p:cNvCxnSpPr>
             <a:cxnSpLocks/>
             <a:stCxn id="25" idx="2"/>
+            <a:endCxn id="30" idx="3"/>
           </p:cNvCxnSpPr>
           <p:nvPr/>
         </p:nvCxnSpPr>
         <p:spPr>
           <a:xfrm rot="5400000">
-            <a:off x="9080942" y="2603942"/>
-            <a:ext cx="1120147" cy="2495931"/>
+            <a:off x="9129703" y="2629845"/>
+            <a:ext cx="1097288" cy="2421267"/>
           </a:xfrm>
           <a:prstGeom prst="bentConnector2">
             <a:avLst/>
@@ -7071,6 +10136,4956 @@
     <p:extLst>
       <p:ext uri="{BB962C8B-B14F-4D97-AF65-F5344CB8AC3E}">
         <p14:creationId xmlns:p14="http://schemas.microsoft.com/office/powerpoint/2010/main" val="1446260348"/>
+      </p:ext>
+    </p:extLst>
+  </p:cSld>
+  <p:clrMapOvr>
+    <a:masterClrMapping/>
+  </p:clrMapOvr>
+</p:sld>
+</file>
+
+<file path=ppt/slides/slide6.xml><?xml version="1.0" encoding="utf-8"?>
+<p:sld xmlns:a="http://schemas.openxmlformats.org/drawingml/2006/main" xmlns:r="http://schemas.openxmlformats.org/officeDocument/2006/relationships" xmlns:p="http://schemas.openxmlformats.org/presentationml/2006/main">
+  <p:cSld>
+    <p:spTree>
+      <p:nvGrpSpPr>
+        <p:cNvPr id="1" name=""/>
+        <p:cNvGrpSpPr/>
+        <p:nvPr/>
+      </p:nvGrpSpPr>
+      <p:grpSpPr>
+        <a:xfrm>
+          <a:off x="0" y="0"/>
+          <a:ext cx="0" cy="0"/>
+          <a:chOff x="0" y="0"/>
+          <a:chExt cx="0" cy="0"/>
+        </a:xfrm>
+      </p:grpSpPr>
+      <p:sp>
+        <p:nvSpPr>
+          <p:cNvPr id="9" name="Oval 8">
+            <a:extLst>
+              <a:ext uri="{FF2B5EF4-FFF2-40B4-BE49-F238E27FC236}">
+                <a16:creationId xmlns:a16="http://schemas.microsoft.com/office/drawing/2014/main" id="{423DAC25-A7FA-4762-AD9B-D349209C5332}"/>
+              </a:ext>
+            </a:extLst>
+          </p:cNvPr>
+          <p:cNvSpPr/>
+          <p:nvPr/>
+        </p:nvSpPr>
+        <p:spPr>
+          <a:xfrm>
+            <a:off x="4293177" y="178540"/>
+            <a:ext cx="1316736" cy="594360"/>
+          </a:xfrm>
+          <a:prstGeom prst="ellipse">
+            <a:avLst/>
+          </a:prstGeom>
+        </p:spPr>
+        <p:style>
+          <a:lnRef idx="2">
+            <a:schemeClr val="accent1">
+              <a:shade val="50000"/>
+            </a:schemeClr>
+          </a:lnRef>
+          <a:fillRef idx="1">
+            <a:schemeClr val="accent1"/>
+          </a:fillRef>
+          <a:effectRef idx="0">
+            <a:schemeClr val="accent1"/>
+          </a:effectRef>
+          <a:fontRef idx="minor">
+            <a:schemeClr val="lt1"/>
+          </a:fontRef>
+        </p:style>
+        <p:txBody>
+          <a:bodyPr rtlCol="0" anchor="ctr"/>
+          <a:lstStyle/>
+          <a:p>
+            <a:pPr algn="ctr"/>
+            <a:r>
+              <a:rPr lang="en-US" sz="1400" dirty="0"/>
+              <a:t>Start</a:t>
+            </a:r>
+          </a:p>
+        </p:txBody>
+      </p:sp>
+      <p:cxnSp>
+        <p:nvCxnSpPr>
+          <p:cNvPr id="11" name="Straight Arrow Connector 10">
+            <a:extLst>
+              <a:ext uri="{FF2B5EF4-FFF2-40B4-BE49-F238E27FC236}">
+                <a16:creationId xmlns:a16="http://schemas.microsoft.com/office/drawing/2014/main" id="{14A3FEB2-7006-4B10-8080-B97E85238E82}"/>
+              </a:ext>
+            </a:extLst>
+          </p:cNvPr>
+          <p:cNvCxnSpPr>
+            <a:cxnSpLocks/>
+            <a:stCxn id="9" idx="4"/>
+          </p:cNvCxnSpPr>
+          <p:nvPr/>
+        </p:nvCxnSpPr>
+        <p:spPr>
+          <a:xfrm>
+            <a:off x="4951545" y="772900"/>
+            <a:ext cx="0" cy="352819"/>
+          </a:xfrm>
+          <a:prstGeom prst="straightConnector1">
+            <a:avLst/>
+          </a:prstGeom>
+          <a:ln w="28575">
+            <a:tailEnd type="triangle"/>
+          </a:ln>
+        </p:spPr>
+        <p:style>
+          <a:lnRef idx="1">
+            <a:schemeClr val="accent1"/>
+          </a:lnRef>
+          <a:fillRef idx="0">
+            <a:schemeClr val="accent1"/>
+          </a:fillRef>
+          <a:effectRef idx="0">
+            <a:schemeClr val="accent1"/>
+          </a:effectRef>
+          <a:fontRef idx="minor">
+            <a:schemeClr val="tx1"/>
+          </a:fontRef>
+        </p:style>
+      </p:cxnSp>
+      <p:cxnSp>
+        <p:nvCxnSpPr>
+          <p:cNvPr id="14" name="Straight Arrow Connector 13">
+            <a:extLst>
+              <a:ext uri="{FF2B5EF4-FFF2-40B4-BE49-F238E27FC236}">
+                <a16:creationId xmlns:a16="http://schemas.microsoft.com/office/drawing/2014/main" id="{1CF6278E-8FDE-4CB2-B984-78B08C7E8E76}"/>
+              </a:ext>
+            </a:extLst>
+          </p:cNvPr>
+          <p:cNvCxnSpPr>
+            <a:cxnSpLocks/>
+          </p:cNvCxnSpPr>
+          <p:nvPr/>
+        </p:nvCxnSpPr>
+        <p:spPr>
+          <a:xfrm>
+            <a:off x="4951545" y="3859886"/>
+            <a:ext cx="4" cy="705157"/>
+          </a:xfrm>
+          <a:prstGeom prst="straightConnector1">
+            <a:avLst/>
+          </a:prstGeom>
+          <a:ln w="28575">
+            <a:tailEnd type="triangle"/>
+          </a:ln>
+        </p:spPr>
+        <p:style>
+          <a:lnRef idx="1">
+            <a:schemeClr val="accent1"/>
+          </a:lnRef>
+          <a:fillRef idx="0">
+            <a:schemeClr val="accent1"/>
+          </a:fillRef>
+          <a:effectRef idx="0">
+            <a:schemeClr val="accent1"/>
+          </a:effectRef>
+          <a:fontRef idx="minor">
+            <a:schemeClr val="tx1"/>
+          </a:fontRef>
+        </p:style>
+      </p:cxnSp>
+      <p:sp>
+        <p:nvSpPr>
+          <p:cNvPr id="19" name="Diamond 18">
+            <a:extLst>
+              <a:ext uri="{FF2B5EF4-FFF2-40B4-BE49-F238E27FC236}">
+                <a16:creationId xmlns:a16="http://schemas.microsoft.com/office/drawing/2014/main" id="{0C9B9E0A-6752-4B76-AD77-6EB3AEE8019F}"/>
+              </a:ext>
+            </a:extLst>
+          </p:cNvPr>
+          <p:cNvSpPr/>
+          <p:nvPr/>
+        </p:nvSpPr>
+        <p:spPr>
+          <a:xfrm>
+            <a:off x="4155116" y="1132179"/>
+            <a:ext cx="1592858" cy="813920"/>
+          </a:xfrm>
+          <a:prstGeom prst="diamond">
+            <a:avLst/>
+          </a:prstGeom>
+        </p:spPr>
+        <p:style>
+          <a:lnRef idx="2">
+            <a:schemeClr val="accent1">
+              <a:shade val="50000"/>
+            </a:schemeClr>
+          </a:lnRef>
+          <a:fillRef idx="1">
+            <a:schemeClr val="accent1"/>
+          </a:fillRef>
+          <a:effectRef idx="0">
+            <a:schemeClr val="accent1"/>
+          </a:effectRef>
+          <a:fontRef idx="minor">
+            <a:schemeClr val="lt1"/>
+          </a:fontRef>
+        </p:style>
+        <p:txBody>
+          <a:bodyPr rtlCol="0" anchor="ctr"/>
+          <a:lstStyle/>
+          <a:p>
+            <a:pPr algn="ctr"/>
+            <a:r>
+              <a:rPr lang="en-US" sz="1400" dirty="0"/>
+              <a:t>while(1)</a:t>
+            </a:r>
+          </a:p>
+        </p:txBody>
+      </p:sp>
+      <p:sp>
+        <p:nvSpPr>
+          <p:cNvPr id="24" name="TextBox 23">
+            <a:extLst>
+              <a:ext uri="{FF2B5EF4-FFF2-40B4-BE49-F238E27FC236}">
+                <a16:creationId xmlns:a16="http://schemas.microsoft.com/office/drawing/2014/main" id="{510C764C-5CEB-4B7F-B8E3-C31F6123B178}"/>
+              </a:ext>
+            </a:extLst>
+          </p:cNvPr>
+          <p:cNvSpPr txBox="1"/>
+          <p:nvPr/>
+        </p:nvSpPr>
+        <p:spPr>
+          <a:xfrm>
+            <a:off x="3103043" y="3214081"/>
+            <a:ext cx="524182" cy="307777"/>
+          </a:xfrm>
+          <a:prstGeom prst="rect">
+            <a:avLst/>
+          </a:prstGeom>
+          <a:noFill/>
+        </p:spPr>
+        <p:txBody>
+          <a:bodyPr wrap="none" rtlCol="0">
+            <a:spAutoFit/>
+          </a:bodyPr>
+          <a:lstStyle/>
+          <a:p>
+            <a:r>
+              <a:rPr lang="en-US" sz="1400" dirty="0">
+                <a:solidFill>
+                  <a:schemeClr val="accent1"/>
+                </a:solidFill>
+              </a:rPr>
+              <a:t>false</a:t>
+            </a:r>
+          </a:p>
+        </p:txBody>
+      </p:sp>
+      <p:sp>
+        <p:nvSpPr>
+          <p:cNvPr id="15" name="TextBox 14">
+            <a:extLst>
+              <a:ext uri="{FF2B5EF4-FFF2-40B4-BE49-F238E27FC236}">
+                <a16:creationId xmlns:a16="http://schemas.microsoft.com/office/drawing/2014/main" id="{7EA820D4-1B42-4AB4-9520-C824D667EB37}"/>
+              </a:ext>
+            </a:extLst>
+          </p:cNvPr>
+          <p:cNvSpPr txBox="1"/>
+          <p:nvPr/>
+        </p:nvSpPr>
+        <p:spPr>
+          <a:xfrm>
+            <a:off x="8781032" y="3238937"/>
+            <a:ext cx="492443" cy="307777"/>
+          </a:xfrm>
+          <a:prstGeom prst="rect">
+            <a:avLst/>
+          </a:prstGeom>
+          <a:noFill/>
+        </p:spPr>
+        <p:txBody>
+          <a:bodyPr wrap="none" rtlCol="0">
+            <a:spAutoFit/>
+          </a:bodyPr>
+          <a:lstStyle/>
+          <a:p>
+            <a:r>
+              <a:rPr lang="en-US" sz="1400" dirty="0">
+                <a:solidFill>
+                  <a:schemeClr val="accent1"/>
+                </a:solidFill>
+              </a:rPr>
+              <a:t>true</a:t>
+            </a:r>
+          </a:p>
+        </p:txBody>
+      </p:sp>
+      <p:sp>
+        <p:nvSpPr>
+          <p:cNvPr id="20" name="Rectangle 19">
+            <a:extLst>
+              <a:ext uri="{FF2B5EF4-FFF2-40B4-BE49-F238E27FC236}">
+                <a16:creationId xmlns:a16="http://schemas.microsoft.com/office/drawing/2014/main" id="{03402B1F-7AC7-4766-845D-F463432F17A6}"/>
+              </a:ext>
+            </a:extLst>
+          </p:cNvPr>
+          <p:cNvSpPr/>
+          <p:nvPr/>
+        </p:nvSpPr>
+        <p:spPr>
+          <a:xfrm>
+            <a:off x="7812803" y="880077"/>
+            <a:ext cx="2002536" cy="667512"/>
+          </a:xfrm>
+          <a:prstGeom prst="rect">
+            <a:avLst/>
+          </a:prstGeom>
+        </p:spPr>
+        <p:style>
+          <a:lnRef idx="2">
+            <a:schemeClr val="accent1">
+              <a:shade val="50000"/>
+            </a:schemeClr>
+          </a:lnRef>
+          <a:fillRef idx="1">
+            <a:schemeClr val="accent1"/>
+          </a:fillRef>
+          <a:effectRef idx="0">
+            <a:schemeClr val="accent1"/>
+          </a:effectRef>
+          <a:fontRef idx="minor">
+            <a:schemeClr val="lt1"/>
+          </a:fontRef>
+        </p:style>
+        <p:txBody>
+          <a:bodyPr rtlCol="0" anchor="ctr"/>
+          <a:lstStyle/>
+          <a:p>
+            <a:pPr algn="ctr"/>
+            <a:r>
+              <a:rPr lang="en-US" sz="1400" dirty="0"/>
+              <a:t>i = 0, idExisted = 0</a:t>
+            </a:r>
+          </a:p>
+        </p:txBody>
+      </p:sp>
+      <p:sp>
+        <p:nvSpPr>
+          <p:cNvPr id="22" name="Diamond 21">
+            <a:extLst>
+              <a:ext uri="{FF2B5EF4-FFF2-40B4-BE49-F238E27FC236}">
+                <a16:creationId xmlns:a16="http://schemas.microsoft.com/office/drawing/2014/main" id="{67325A3C-8E57-4C52-800E-4DD8A5258A2C}"/>
+              </a:ext>
+            </a:extLst>
+          </p:cNvPr>
+          <p:cNvSpPr/>
+          <p:nvPr/>
+        </p:nvSpPr>
+        <p:spPr>
+          <a:xfrm>
+            <a:off x="7464783" y="2122913"/>
+            <a:ext cx="2698575" cy="1051560"/>
+          </a:xfrm>
+          <a:prstGeom prst="diamond">
+            <a:avLst/>
+          </a:prstGeom>
+        </p:spPr>
+        <p:style>
+          <a:lnRef idx="2">
+            <a:schemeClr val="accent1">
+              <a:shade val="50000"/>
+            </a:schemeClr>
+          </a:lnRef>
+          <a:fillRef idx="1">
+            <a:schemeClr val="accent1"/>
+          </a:fillRef>
+          <a:effectRef idx="0">
+            <a:schemeClr val="accent1"/>
+          </a:effectRef>
+          <a:fontRef idx="minor">
+            <a:schemeClr val="lt1"/>
+          </a:fontRef>
+        </p:style>
+        <p:txBody>
+          <a:bodyPr rtlCol="0" anchor="ctr"/>
+          <a:lstStyle/>
+          <a:p>
+            <a:pPr algn="ctr"/>
+            <a:r>
+              <a:rPr lang="en-US" sz="1400" dirty="0"/>
+              <a:t>i &lt; bookCount</a:t>
+            </a:r>
+          </a:p>
+        </p:txBody>
+      </p:sp>
+      <p:cxnSp>
+        <p:nvCxnSpPr>
+          <p:cNvPr id="17" name="Straight Arrow Connector 16">
+            <a:extLst>
+              <a:ext uri="{FF2B5EF4-FFF2-40B4-BE49-F238E27FC236}">
+                <a16:creationId xmlns:a16="http://schemas.microsoft.com/office/drawing/2014/main" id="{E1E2EFC1-7050-4A9E-A91B-4E5C41224020}"/>
+              </a:ext>
+            </a:extLst>
+          </p:cNvPr>
+          <p:cNvCxnSpPr>
+            <a:stCxn id="20" idx="2"/>
+            <a:endCxn id="22" idx="0"/>
+          </p:cNvCxnSpPr>
+          <p:nvPr/>
+        </p:nvCxnSpPr>
+        <p:spPr>
+          <a:xfrm>
+            <a:off x="8814071" y="1547589"/>
+            <a:ext cx="0" cy="575324"/>
+          </a:xfrm>
+          <a:prstGeom prst="straightConnector1">
+            <a:avLst/>
+          </a:prstGeom>
+          <a:ln w="28575">
+            <a:tailEnd type="triangle"/>
+          </a:ln>
+        </p:spPr>
+        <p:style>
+          <a:lnRef idx="1">
+            <a:schemeClr val="accent1"/>
+          </a:lnRef>
+          <a:fillRef idx="0">
+            <a:schemeClr val="accent1"/>
+          </a:fillRef>
+          <a:effectRef idx="0">
+            <a:schemeClr val="accent1"/>
+          </a:effectRef>
+          <a:fontRef idx="minor">
+            <a:schemeClr val="tx1"/>
+          </a:fontRef>
+        </p:style>
+      </p:cxnSp>
+      <p:cxnSp>
+        <p:nvCxnSpPr>
+          <p:cNvPr id="21" name="Straight Arrow Connector 20">
+            <a:extLst>
+              <a:ext uri="{FF2B5EF4-FFF2-40B4-BE49-F238E27FC236}">
+                <a16:creationId xmlns:a16="http://schemas.microsoft.com/office/drawing/2014/main" id="{97E76EDC-519C-4BB9-989A-902792032BEB}"/>
+              </a:ext>
+            </a:extLst>
+          </p:cNvPr>
+          <p:cNvCxnSpPr>
+            <a:cxnSpLocks/>
+            <a:stCxn id="22" idx="2"/>
+          </p:cNvCxnSpPr>
+          <p:nvPr/>
+        </p:nvCxnSpPr>
+        <p:spPr>
+          <a:xfrm>
+            <a:off x="8814071" y="3174473"/>
+            <a:ext cx="0" cy="602750"/>
+          </a:xfrm>
+          <a:prstGeom prst="straightConnector1">
+            <a:avLst/>
+          </a:prstGeom>
+          <a:ln w="28575">
+            <a:tailEnd type="triangle"/>
+          </a:ln>
+        </p:spPr>
+        <p:style>
+          <a:lnRef idx="1">
+            <a:schemeClr val="accent1"/>
+          </a:lnRef>
+          <a:fillRef idx="0">
+            <a:schemeClr val="accent1"/>
+          </a:fillRef>
+          <a:effectRef idx="0">
+            <a:schemeClr val="accent1"/>
+          </a:effectRef>
+          <a:fontRef idx="minor">
+            <a:schemeClr val="tx1"/>
+          </a:fontRef>
+        </p:style>
+      </p:cxnSp>
+      <p:sp>
+        <p:nvSpPr>
+          <p:cNvPr id="62" name="Parallelogram 61">
+            <a:extLst>
+              <a:ext uri="{FF2B5EF4-FFF2-40B4-BE49-F238E27FC236}">
+                <a16:creationId xmlns:a16="http://schemas.microsoft.com/office/drawing/2014/main" id="{D3972BC9-083A-4358-BD28-8E59D5E3348D}"/>
+              </a:ext>
+            </a:extLst>
+          </p:cNvPr>
+          <p:cNvSpPr/>
+          <p:nvPr/>
+        </p:nvSpPr>
+        <p:spPr>
+          <a:xfrm>
+            <a:off x="10909532" y="2544684"/>
+            <a:ext cx="1044447" cy="540263"/>
+          </a:xfrm>
+          <a:prstGeom prst="parallelogram">
+            <a:avLst/>
+          </a:prstGeom>
+        </p:spPr>
+        <p:style>
+          <a:lnRef idx="2">
+            <a:schemeClr val="accent1">
+              <a:shade val="50000"/>
+            </a:schemeClr>
+          </a:lnRef>
+          <a:fillRef idx="1">
+            <a:schemeClr val="accent1"/>
+          </a:fillRef>
+          <a:effectRef idx="0">
+            <a:schemeClr val="accent1"/>
+          </a:effectRef>
+          <a:fontRef idx="minor">
+            <a:schemeClr val="lt1"/>
+          </a:fontRef>
+        </p:style>
+        <p:txBody>
+          <a:bodyPr rtlCol="0" anchor="ctr"/>
+          <a:lstStyle/>
+          <a:p>
+            <a:pPr algn="ctr"/>
+            <a:r>
+              <a:rPr lang="en-US" sz="1400" dirty="0"/>
+              <a:t>i ++</a:t>
+            </a:r>
+          </a:p>
+        </p:txBody>
+      </p:sp>
+      <p:cxnSp>
+        <p:nvCxnSpPr>
+          <p:cNvPr id="68" name="Connector: Elbow 67">
+            <a:extLst>
+              <a:ext uri="{FF2B5EF4-FFF2-40B4-BE49-F238E27FC236}">
+                <a16:creationId xmlns:a16="http://schemas.microsoft.com/office/drawing/2014/main" id="{7FE76AA7-A3AE-4379-A226-5F5293A7AB67}"/>
+              </a:ext>
+            </a:extLst>
+          </p:cNvPr>
+          <p:cNvCxnSpPr>
+            <a:cxnSpLocks/>
+            <a:stCxn id="32" idx="3"/>
+            <a:endCxn id="62" idx="4"/>
+          </p:cNvCxnSpPr>
+          <p:nvPr/>
+        </p:nvCxnSpPr>
+        <p:spPr>
+          <a:xfrm flipV="1">
+            <a:off x="10578903" y="3084947"/>
+            <a:ext cx="852853" cy="1212979"/>
+          </a:xfrm>
+          <a:prstGeom prst="bentConnector2">
+            <a:avLst/>
+          </a:prstGeom>
+          <a:ln w="28575">
+            <a:tailEnd type="triangle"/>
+          </a:ln>
+        </p:spPr>
+        <p:style>
+          <a:lnRef idx="1">
+            <a:schemeClr val="accent1"/>
+          </a:lnRef>
+          <a:fillRef idx="0">
+            <a:schemeClr val="accent1"/>
+          </a:fillRef>
+          <a:effectRef idx="0">
+            <a:schemeClr val="accent1"/>
+          </a:effectRef>
+          <a:fontRef idx="minor">
+            <a:schemeClr val="tx1"/>
+          </a:fontRef>
+        </p:style>
+      </p:cxnSp>
+      <p:cxnSp>
+        <p:nvCxnSpPr>
+          <p:cNvPr id="70" name="Connector: Elbow 69">
+            <a:extLst>
+              <a:ext uri="{FF2B5EF4-FFF2-40B4-BE49-F238E27FC236}">
+                <a16:creationId xmlns:a16="http://schemas.microsoft.com/office/drawing/2014/main" id="{469D0714-05C6-4816-9629-35902928A0AB}"/>
+              </a:ext>
+            </a:extLst>
+          </p:cNvPr>
+          <p:cNvCxnSpPr>
+            <a:cxnSpLocks/>
+            <a:stCxn id="62" idx="0"/>
+          </p:cNvCxnSpPr>
+          <p:nvPr/>
+        </p:nvCxnSpPr>
+        <p:spPr>
+          <a:xfrm rot="16200000" flipV="1">
+            <a:off x="9745922" y="858849"/>
+            <a:ext cx="753984" cy="2617685"/>
+          </a:xfrm>
+          <a:prstGeom prst="bentConnector2">
+            <a:avLst/>
+          </a:prstGeom>
+          <a:ln w="28575">
+            <a:tailEnd type="triangle"/>
+          </a:ln>
+        </p:spPr>
+        <p:style>
+          <a:lnRef idx="1">
+            <a:schemeClr val="accent1"/>
+          </a:lnRef>
+          <a:fillRef idx="0">
+            <a:schemeClr val="accent1"/>
+          </a:fillRef>
+          <a:effectRef idx="0">
+            <a:schemeClr val="accent1"/>
+          </a:effectRef>
+          <a:fontRef idx="minor">
+            <a:schemeClr val="tx1"/>
+          </a:fontRef>
+        </p:style>
+      </p:cxnSp>
+      <p:sp>
+        <p:nvSpPr>
+          <p:cNvPr id="93" name="TextBox 92">
+            <a:extLst>
+              <a:ext uri="{FF2B5EF4-FFF2-40B4-BE49-F238E27FC236}">
+                <a16:creationId xmlns:a16="http://schemas.microsoft.com/office/drawing/2014/main" id="{E8F331D0-8D88-4E95-9798-9F5302079F94}"/>
+              </a:ext>
+            </a:extLst>
+          </p:cNvPr>
+          <p:cNvSpPr txBox="1"/>
+          <p:nvPr/>
+        </p:nvSpPr>
+        <p:spPr>
+          <a:xfrm>
+            <a:off x="8781031" y="4816829"/>
+            <a:ext cx="492443" cy="307777"/>
+          </a:xfrm>
+          <a:prstGeom prst="rect">
+            <a:avLst/>
+          </a:prstGeom>
+          <a:noFill/>
+        </p:spPr>
+        <p:txBody>
+          <a:bodyPr wrap="none" rtlCol="0">
+            <a:spAutoFit/>
+          </a:bodyPr>
+          <a:lstStyle/>
+          <a:p>
+            <a:r>
+              <a:rPr lang="en-US" sz="1400" dirty="0">
+                <a:solidFill>
+                  <a:schemeClr val="accent1"/>
+                </a:solidFill>
+              </a:rPr>
+              <a:t>true</a:t>
+            </a:r>
+          </a:p>
+        </p:txBody>
+      </p:sp>
+      <p:sp>
+        <p:nvSpPr>
+          <p:cNvPr id="32" name="Diamond 31">
+            <a:extLst>
+              <a:ext uri="{FF2B5EF4-FFF2-40B4-BE49-F238E27FC236}">
+                <a16:creationId xmlns:a16="http://schemas.microsoft.com/office/drawing/2014/main" id="{88FB6C09-CE63-44E4-BC39-99ED6AB7596C}"/>
+              </a:ext>
+            </a:extLst>
+          </p:cNvPr>
+          <p:cNvSpPr/>
+          <p:nvPr/>
+        </p:nvSpPr>
+        <p:spPr>
+          <a:xfrm>
+            <a:off x="7049239" y="3772146"/>
+            <a:ext cx="3529664" cy="1051560"/>
+          </a:xfrm>
+          <a:prstGeom prst="diamond">
+            <a:avLst/>
+          </a:prstGeom>
+        </p:spPr>
+        <p:style>
+          <a:lnRef idx="2">
+            <a:schemeClr val="accent1">
+              <a:shade val="50000"/>
+            </a:schemeClr>
+          </a:lnRef>
+          <a:fillRef idx="1">
+            <a:schemeClr val="accent1"/>
+          </a:fillRef>
+          <a:effectRef idx="0">
+            <a:schemeClr val="accent1"/>
+          </a:effectRef>
+          <a:fontRef idx="minor">
+            <a:schemeClr val="lt1"/>
+          </a:fontRef>
+        </p:style>
+        <p:txBody>
+          <a:bodyPr rtlCol="0" anchor="ctr"/>
+          <a:lstStyle/>
+          <a:p>
+            <a:pPr algn="ctr"/>
+            <a:r>
+              <a:rPr lang="en-US" sz="1400" dirty="0"/>
+              <a:t>strcmp(selectedIdNo, books[i].idNo) == 0</a:t>
+            </a:r>
+          </a:p>
+        </p:txBody>
+      </p:sp>
+      <p:sp>
+        <p:nvSpPr>
+          <p:cNvPr id="34" name="TextBox 33">
+            <a:extLst>
+              <a:ext uri="{FF2B5EF4-FFF2-40B4-BE49-F238E27FC236}">
+                <a16:creationId xmlns:a16="http://schemas.microsoft.com/office/drawing/2014/main" id="{F27AC0E2-ED9E-4FC5-B37E-C9F0C38989F9}"/>
+              </a:ext>
+            </a:extLst>
+          </p:cNvPr>
+          <p:cNvSpPr txBox="1"/>
+          <p:nvPr/>
+        </p:nvSpPr>
+        <p:spPr>
+          <a:xfrm>
+            <a:off x="10747074" y="4033320"/>
+            <a:ext cx="524182" cy="307777"/>
+          </a:xfrm>
+          <a:prstGeom prst="rect">
+            <a:avLst/>
+          </a:prstGeom>
+          <a:noFill/>
+        </p:spPr>
+        <p:txBody>
+          <a:bodyPr wrap="none" rtlCol="0">
+            <a:spAutoFit/>
+          </a:bodyPr>
+          <a:lstStyle/>
+          <a:p>
+            <a:r>
+              <a:rPr lang="en-US" sz="1400" dirty="0">
+                <a:solidFill>
+                  <a:schemeClr val="accent1"/>
+                </a:solidFill>
+              </a:rPr>
+              <a:t>false</a:t>
+            </a:r>
+          </a:p>
+        </p:txBody>
+      </p:sp>
+      <p:sp>
+        <p:nvSpPr>
+          <p:cNvPr id="37" name="Parallelogram 36">
+            <a:extLst>
+              <a:ext uri="{FF2B5EF4-FFF2-40B4-BE49-F238E27FC236}">
+                <a16:creationId xmlns:a16="http://schemas.microsoft.com/office/drawing/2014/main" id="{34027455-D2DF-4A67-8AD2-01C7CE503FCF}"/>
+              </a:ext>
+            </a:extLst>
+          </p:cNvPr>
+          <p:cNvSpPr/>
+          <p:nvPr/>
+        </p:nvSpPr>
+        <p:spPr>
+          <a:xfrm>
+            <a:off x="7954820" y="5245202"/>
+            <a:ext cx="1718501" cy="530216"/>
+          </a:xfrm>
+          <a:prstGeom prst="parallelogram">
+            <a:avLst/>
+          </a:prstGeom>
+        </p:spPr>
+        <p:style>
+          <a:lnRef idx="2">
+            <a:schemeClr val="accent1">
+              <a:shade val="50000"/>
+            </a:schemeClr>
+          </a:lnRef>
+          <a:fillRef idx="1">
+            <a:schemeClr val="accent1"/>
+          </a:fillRef>
+          <a:effectRef idx="0">
+            <a:schemeClr val="accent1"/>
+          </a:effectRef>
+          <a:fontRef idx="minor">
+            <a:schemeClr val="lt1"/>
+          </a:fontRef>
+        </p:style>
+        <p:txBody>
+          <a:bodyPr rtlCol="0" anchor="ctr"/>
+          <a:lstStyle/>
+          <a:p>
+            <a:pPr algn="ctr"/>
+            <a:r>
+              <a:rPr lang="en-US" sz="1400" dirty="0"/>
+              <a:t>idExisted = 1;</a:t>
+            </a:r>
+          </a:p>
+          <a:p>
+            <a:pPr algn="ctr"/>
+            <a:r>
+              <a:rPr lang="en-US" sz="1400" dirty="0"/>
+              <a:t>break the loop</a:t>
+            </a:r>
+          </a:p>
+        </p:txBody>
+      </p:sp>
+      <p:cxnSp>
+        <p:nvCxnSpPr>
+          <p:cNvPr id="23" name="Straight Arrow Connector 22">
+            <a:extLst>
+              <a:ext uri="{FF2B5EF4-FFF2-40B4-BE49-F238E27FC236}">
+                <a16:creationId xmlns:a16="http://schemas.microsoft.com/office/drawing/2014/main" id="{590A2ACB-F320-4632-850D-F1BE782299EB}"/>
+              </a:ext>
+            </a:extLst>
+          </p:cNvPr>
+          <p:cNvCxnSpPr>
+            <a:stCxn id="32" idx="2"/>
+            <a:endCxn id="37" idx="0"/>
+          </p:cNvCxnSpPr>
+          <p:nvPr/>
+        </p:nvCxnSpPr>
+        <p:spPr>
+          <a:xfrm>
+            <a:off x="8814071" y="4823706"/>
+            <a:ext cx="0" cy="421496"/>
+          </a:xfrm>
+          <a:prstGeom prst="straightConnector1">
+            <a:avLst/>
+          </a:prstGeom>
+          <a:ln w="28575">
+            <a:tailEnd type="triangle"/>
+          </a:ln>
+        </p:spPr>
+        <p:style>
+          <a:lnRef idx="1">
+            <a:schemeClr val="accent1"/>
+          </a:lnRef>
+          <a:fillRef idx="0">
+            <a:schemeClr val="accent1"/>
+          </a:fillRef>
+          <a:effectRef idx="0">
+            <a:schemeClr val="accent1"/>
+          </a:effectRef>
+          <a:fontRef idx="minor">
+            <a:schemeClr val="tx1"/>
+          </a:fontRef>
+        </p:style>
+      </p:cxnSp>
+      <p:sp>
+        <p:nvSpPr>
+          <p:cNvPr id="41" name="Diamond 40">
+            <a:extLst>
+              <a:ext uri="{FF2B5EF4-FFF2-40B4-BE49-F238E27FC236}">
+                <a16:creationId xmlns:a16="http://schemas.microsoft.com/office/drawing/2014/main" id="{A64C75B0-640D-449E-BFDB-C1BC6DC75AA2}"/>
+              </a:ext>
+            </a:extLst>
+          </p:cNvPr>
+          <p:cNvSpPr/>
+          <p:nvPr/>
+        </p:nvSpPr>
+        <p:spPr>
+          <a:xfrm>
+            <a:off x="3627224" y="2908806"/>
+            <a:ext cx="2698575" cy="1051560"/>
+          </a:xfrm>
+          <a:prstGeom prst="diamond">
+            <a:avLst/>
+          </a:prstGeom>
+        </p:spPr>
+        <p:style>
+          <a:lnRef idx="2">
+            <a:schemeClr val="accent1">
+              <a:shade val="50000"/>
+            </a:schemeClr>
+          </a:lnRef>
+          <a:fillRef idx="1">
+            <a:schemeClr val="accent1"/>
+          </a:fillRef>
+          <a:effectRef idx="0">
+            <a:schemeClr val="accent1"/>
+          </a:effectRef>
+          <a:fontRef idx="minor">
+            <a:schemeClr val="lt1"/>
+          </a:fontRef>
+        </p:style>
+        <p:txBody>
+          <a:bodyPr rtlCol="0" anchor="ctr"/>
+          <a:lstStyle/>
+          <a:p>
+            <a:pPr algn="ctr"/>
+            <a:r>
+              <a:rPr lang="en-US" sz="1400" dirty="0"/>
+              <a:t>idExisted = 1</a:t>
+            </a:r>
+          </a:p>
+        </p:txBody>
+      </p:sp>
+      <p:sp>
+        <p:nvSpPr>
+          <p:cNvPr id="46" name="Rectangle 45">
+            <a:extLst>
+              <a:ext uri="{FF2B5EF4-FFF2-40B4-BE49-F238E27FC236}">
+                <a16:creationId xmlns:a16="http://schemas.microsoft.com/office/drawing/2014/main" id="{F1AE09F7-45C0-4A66-9000-9A47375071C1}"/>
+              </a:ext>
+            </a:extLst>
+          </p:cNvPr>
+          <p:cNvSpPr/>
+          <p:nvPr/>
+        </p:nvSpPr>
+        <p:spPr>
+          <a:xfrm>
+            <a:off x="3975243" y="4577690"/>
+            <a:ext cx="2002536" cy="667512"/>
+          </a:xfrm>
+          <a:prstGeom prst="rect">
+            <a:avLst/>
+          </a:prstGeom>
+        </p:spPr>
+        <p:style>
+          <a:lnRef idx="2">
+            <a:schemeClr val="accent1">
+              <a:shade val="50000"/>
+            </a:schemeClr>
+          </a:lnRef>
+          <a:fillRef idx="1">
+            <a:schemeClr val="accent1"/>
+          </a:fillRef>
+          <a:effectRef idx="0">
+            <a:schemeClr val="accent1"/>
+          </a:effectRef>
+          <a:fontRef idx="minor">
+            <a:schemeClr val="lt1"/>
+          </a:fontRef>
+        </p:style>
+        <p:txBody>
+          <a:bodyPr rtlCol="0" anchor="ctr"/>
+          <a:lstStyle/>
+          <a:p>
+            <a:pPr algn="ctr"/>
+            <a:r>
+              <a:rPr lang="en-US" sz="1400" dirty="0"/>
+              <a:t>Inputted ID duplicated to an existing one</a:t>
+            </a:r>
+          </a:p>
+        </p:txBody>
+      </p:sp>
+      <p:cxnSp>
+        <p:nvCxnSpPr>
+          <p:cNvPr id="38" name="Connector: Elbow 37">
+            <a:extLst>
+              <a:ext uri="{FF2B5EF4-FFF2-40B4-BE49-F238E27FC236}">
+                <a16:creationId xmlns:a16="http://schemas.microsoft.com/office/drawing/2014/main" id="{11A21F87-05D5-4631-A752-514989CB5D5A}"/>
+              </a:ext>
+            </a:extLst>
+          </p:cNvPr>
+          <p:cNvCxnSpPr>
+            <a:cxnSpLocks/>
+            <a:stCxn id="46" idx="3"/>
+          </p:cNvCxnSpPr>
+          <p:nvPr/>
+        </p:nvCxnSpPr>
+        <p:spPr>
+          <a:xfrm flipV="1">
+            <a:off x="5977779" y="1547589"/>
+            <a:ext cx="625257" cy="3363857"/>
+          </a:xfrm>
+          <a:prstGeom prst="bentConnector2">
+            <a:avLst/>
+          </a:prstGeom>
+          <a:ln w="28575">
+            <a:tailEnd type="triangle"/>
+          </a:ln>
+        </p:spPr>
+        <p:style>
+          <a:lnRef idx="1">
+            <a:schemeClr val="accent1"/>
+          </a:lnRef>
+          <a:fillRef idx="0">
+            <a:schemeClr val="accent1"/>
+          </a:fillRef>
+          <a:effectRef idx="0">
+            <a:schemeClr val="accent1"/>
+          </a:effectRef>
+          <a:fontRef idx="minor">
+            <a:schemeClr val="tx1"/>
+          </a:fontRef>
+        </p:style>
+      </p:cxnSp>
+      <p:sp>
+        <p:nvSpPr>
+          <p:cNvPr id="50" name="Parallelogram 49">
+            <a:extLst>
+              <a:ext uri="{FF2B5EF4-FFF2-40B4-BE49-F238E27FC236}">
+                <a16:creationId xmlns:a16="http://schemas.microsoft.com/office/drawing/2014/main" id="{E08AC6FD-91F3-4888-A713-6F16FDCC8D84}"/>
+              </a:ext>
+            </a:extLst>
+          </p:cNvPr>
+          <p:cNvSpPr/>
+          <p:nvPr/>
+        </p:nvSpPr>
+        <p:spPr>
+          <a:xfrm>
+            <a:off x="501057" y="3096623"/>
+            <a:ext cx="2458440" cy="701750"/>
+          </a:xfrm>
+          <a:prstGeom prst="parallelogram">
+            <a:avLst/>
+          </a:prstGeom>
+        </p:spPr>
+        <p:style>
+          <a:lnRef idx="2">
+            <a:schemeClr val="accent1">
+              <a:shade val="50000"/>
+            </a:schemeClr>
+          </a:lnRef>
+          <a:fillRef idx="1">
+            <a:schemeClr val="accent1"/>
+          </a:fillRef>
+          <a:effectRef idx="0">
+            <a:schemeClr val="accent1"/>
+          </a:effectRef>
+          <a:fontRef idx="minor">
+            <a:schemeClr val="lt1"/>
+          </a:fontRef>
+        </p:style>
+        <p:txBody>
+          <a:bodyPr rtlCol="0" anchor="ctr"/>
+          <a:lstStyle/>
+          <a:p>
+            <a:pPr algn="ctr"/>
+            <a:r>
+              <a:rPr lang="en-US" sz="1400" dirty="0"/>
+              <a:t>strcpy(book-&gt;idNo, selectedIdNo);</a:t>
+            </a:r>
+          </a:p>
+          <a:p>
+            <a:pPr algn="ctr"/>
+            <a:r>
+              <a:rPr lang="en-US" sz="1400" dirty="0"/>
+              <a:t>break the infinity loop</a:t>
+            </a:r>
+          </a:p>
+        </p:txBody>
+      </p:sp>
+      <p:sp>
+        <p:nvSpPr>
+          <p:cNvPr id="51" name="Oval 50">
+            <a:extLst>
+              <a:ext uri="{FF2B5EF4-FFF2-40B4-BE49-F238E27FC236}">
+                <a16:creationId xmlns:a16="http://schemas.microsoft.com/office/drawing/2014/main" id="{3DAA5643-F5D8-44BA-A698-98970D2459BB}"/>
+              </a:ext>
+            </a:extLst>
+          </p:cNvPr>
+          <p:cNvSpPr/>
+          <p:nvPr/>
+        </p:nvSpPr>
+        <p:spPr>
+          <a:xfrm>
+            <a:off x="1071909" y="4218997"/>
+            <a:ext cx="1316736" cy="594360"/>
+          </a:xfrm>
+          <a:prstGeom prst="ellipse">
+            <a:avLst/>
+          </a:prstGeom>
+        </p:spPr>
+        <p:style>
+          <a:lnRef idx="2">
+            <a:schemeClr val="accent1">
+              <a:shade val="50000"/>
+            </a:schemeClr>
+          </a:lnRef>
+          <a:fillRef idx="1">
+            <a:schemeClr val="accent1"/>
+          </a:fillRef>
+          <a:effectRef idx="0">
+            <a:schemeClr val="accent1"/>
+          </a:effectRef>
+          <a:fontRef idx="minor">
+            <a:schemeClr val="lt1"/>
+          </a:fontRef>
+        </p:style>
+        <p:txBody>
+          <a:bodyPr rtlCol="0" anchor="ctr"/>
+          <a:lstStyle/>
+          <a:p>
+            <a:pPr algn="ctr"/>
+            <a:r>
+              <a:rPr lang="en-US" sz="1400" dirty="0"/>
+              <a:t>End</a:t>
+            </a:r>
+          </a:p>
+        </p:txBody>
+      </p:sp>
+      <p:cxnSp>
+        <p:nvCxnSpPr>
+          <p:cNvPr id="49" name="Straight Arrow Connector 48">
+            <a:extLst>
+              <a:ext uri="{FF2B5EF4-FFF2-40B4-BE49-F238E27FC236}">
+                <a16:creationId xmlns:a16="http://schemas.microsoft.com/office/drawing/2014/main" id="{43EFC395-2C6C-417F-B576-6D4EE05B61C3}"/>
+              </a:ext>
+            </a:extLst>
+          </p:cNvPr>
+          <p:cNvCxnSpPr>
+            <a:cxnSpLocks/>
+            <a:stCxn id="41" idx="1"/>
+            <a:endCxn id="50" idx="2"/>
+          </p:cNvCxnSpPr>
+          <p:nvPr/>
+        </p:nvCxnSpPr>
+        <p:spPr>
+          <a:xfrm flipH="1">
+            <a:off x="2871778" y="3434586"/>
+            <a:ext cx="755446" cy="12912"/>
+          </a:xfrm>
+          <a:prstGeom prst="straightConnector1">
+            <a:avLst/>
+          </a:prstGeom>
+          <a:ln w="28575">
+            <a:tailEnd type="triangle"/>
+          </a:ln>
+        </p:spPr>
+        <p:style>
+          <a:lnRef idx="1">
+            <a:schemeClr val="accent1"/>
+          </a:lnRef>
+          <a:fillRef idx="0">
+            <a:schemeClr val="accent1"/>
+          </a:fillRef>
+          <a:effectRef idx="0">
+            <a:schemeClr val="accent1"/>
+          </a:effectRef>
+          <a:fontRef idx="minor">
+            <a:schemeClr val="tx1"/>
+          </a:fontRef>
+        </p:style>
+      </p:cxnSp>
+      <p:cxnSp>
+        <p:nvCxnSpPr>
+          <p:cNvPr id="53" name="Straight Arrow Connector 52">
+            <a:extLst>
+              <a:ext uri="{FF2B5EF4-FFF2-40B4-BE49-F238E27FC236}">
+                <a16:creationId xmlns:a16="http://schemas.microsoft.com/office/drawing/2014/main" id="{D4356F09-D216-4050-82AE-BDCBE521FEC0}"/>
+              </a:ext>
+            </a:extLst>
+          </p:cNvPr>
+          <p:cNvCxnSpPr>
+            <a:stCxn id="50" idx="4"/>
+            <a:endCxn id="51" idx="0"/>
+          </p:cNvCxnSpPr>
+          <p:nvPr/>
+        </p:nvCxnSpPr>
+        <p:spPr>
+          <a:xfrm>
+            <a:off x="1730277" y="3798373"/>
+            <a:ext cx="0" cy="420624"/>
+          </a:xfrm>
+          <a:prstGeom prst="straightConnector1">
+            <a:avLst/>
+          </a:prstGeom>
+          <a:ln w="28575">
+            <a:tailEnd type="triangle"/>
+          </a:ln>
+        </p:spPr>
+        <p:style>
+          <a:lnRef idx="1">
+            <a:schemeClr val="accent1"/>
+          </a:lnRef>
+          <a:fillRef idx="0">
+            <a:schemeClr val="accent1"/>
+          </a:fillRef>
+          <a:effectRef idx="0">
+            <a:schemeClr val="accent1"/>
+          </a:effectRef>
+          <a:fontRef idx="minor">
+            <a:schemeClr val="tx1"/>
+          </a:fontRef>
+        </p:style>
+      </p:cxnSp>
+      <p:cxnSp>
+        <p:nvCxnSpPr>
+          <p:cNvPr id="81" name="Connector: Elbow 80">
+            <a:extLst>
+              <a:ext uri="{FF2B5EF4-FFF2-40B4-BE49-F238E27FC236}">
+                <a16:creationId xmlns:a16="http://schemas.microsoft.com/office/drawing/2014/main" id="{B2E89AA0-C2BC-4F7E-A741-B9A79A039E83}"/>
+              </a:ext>
+            </a:extLst>
+          </p:cNvPr>
+          <p:cNvCxnSpPr>
+            <a:stCxn id="22" idx="1"/>
+            <a:endCxn id="41" idx="0"/>
+          </p:cNvCxnSpPr>
+          <p:nvPr/>
+        </p:nvCxnSpPr>
+        <p:spPr>
+          <a:xfrm rot="10800000" flipV="1">
+            <a:off x="4976513" y="2648692"/>
+            <a:ext cx="2488271" cy="260113"/>
+          </a:xfrm>
+          <a:prstGeom prst="bentConnector2">
+            <a:avLst/>
+          </a:prstGeom>
+          <a:ln w="28575">
+            <a:tailEnd type="triangle"/>
+          </a:ln>
+        </p:spPr>
+        <p:style>
+          <a:lnRef idx="1">
+            <a:schemeClr val="accent1"/>
+          </a:lnRef>
+          <a:fillRef idx="0">
+            <a:schemeClr val="accent1"/>
+          </a:fillRef>
+          <a:effectRef idx="0">
+            <a:schemeClr val="accent1"/>
+          </a:effectRef>
+          <a:fontRef idx="minor">
+            <a:schemeClr val="tx1"/>
+          </a:fontRef>
+        </p:style>
+      </p:cxnSp>
+      <p:cxnSp>
+        <p:nvCxnSpPr>
+          <p:cNvPr id="84" name="Connector: Elbow 83">
+            <a:extLst>
+              <a:ext uri="{FF2B5EF4-FFF2-40B4-BE49-F238E27FC236}">
+                <a16:creationId xmlns:a16="http://schemas.microsoft.com/office/drawing/2014/main" id="{2BB5FA8C-BAF1-4C80-BBAC-B168D47DD53D}"/>
+              </a:ext>
+            </a:extLst>
+          </p:cNvPr>
+          <p:cNvCxnSpPr>
+            <a:cxnSpLocks/>
+            <a:stCxn id="19" idx="3"/>
+            <a:endCxn id="20" idx="1"/>
+          </p:cNvCxnSpPr>
+          <p:nvPr/>
+        </p:nvCxnSpPr>
+        <p:spPr>
+          <a:xfrm flipV="1">
+            <a:off x="5747974" y="1213833"/>
+            <a:ext cx="2064829" cy="325306"/>
+          </a:xfrm>
+          <a:prstGeom prst="bentConnector3">
+            <a:avLst/>
+          </a:prstGeom>
+          <a:ln w="28575">
+            <a:tailEnd type="triangle"/>
+          </a:ln>
+        </p:spPr>
+        <p:style>
+          <a:lnRef idx="1">
+            <a:schemeClr val="accent1"/>
+          </a:lnRef>
+          <a:fillRef idx="0">
+            <a:schemeClr val="accent1"/>
+          </a:fillRef>
+          <a:effectRef idx="0">
+            <a:schemeClr val="accent1"/>
+          </a:effectRef>
+          <a:fontRef idx="minor">
+            <a:schemeClr val="tx1"/>
+          </a:fontRef>
+        </p:style>
+      </p:cxnSp>
+      <p:sp>
+        <p:nvSpPr>
+          <p:cNvPr id="87" name="TextBox 86">
+            <a:extLst>
+              <a:ext uri="{FF2B5EF4-FFF2-40B4-BE49-F238E27FC236}">
+                <a16:creationId xmlns:a16="http://schemas.microsoft.com/office/drawing/2014/main" id="{892AED48-46B6-46C5-9D1D-F82BB6761A0A}"/>
+              </a:ext>
+            </a:extLst>
+          </p:cNvPr>
+          <p:cNvSpPr txBox="1"/>
+          <p:nvPr/>
+        </p:nvSpPr>
+        <p:spPr>
+          <a:xfrm>
+            <a:off x="6678511" y="2390795"/>
+            <a:ext cx="524182" cy="307777"/>
+          </a:xfrm>
+          <a:prstGeom prst="rect">
+            <a:avLst/>
+          </a:prstGeom>
+          <a:noFill/>
+        </p:spPr>
+        <p:txBody>
+          <a:bodyPr wrap="none" rtlCol="0">
+            <a:spAutoFit/>
+          </a:bodyPr>
+          <a:lstStyle/>
+          <a:p>
+            <a:r>
+              <a:rPr lang="en-US" sz="1400" dirty="0">
+                <a:solidFill>
+                  <a:schemeClr val="accent1"/>
+                </a:solidFill>
+              </a:rPr>
+              <a:t>false</a:t>
+            </a:r>
+          </a:p>
+        </p:txBody>
+      </p:sp>
+      <p:cxnSp>
+        <p:nvCxnSpPr>
+          <p:cNvPr id="103" name="Connector: Elbow 102">
+            <a:extLst>
+              <a:ext uri="{FF2B5EF4-FFF2-40B4-BE49-F238E27FC236}">
+                <a16:creationId xmlns:a16="http://schemas.microsoft.com/office/drawing/2014/main" id="{7D45073B-6B78-4800-9927-4EFF0BA11EBB}"/>
+              </a:ext>
+            </a:extLst>
+          </p:cNvPr>
+          <p:cNvCxnSpPr>
+            <a:stCxn id="37" idx="5"/>
+            <a:endCxn id="41" idx="3"/>
+          </p:cNvCxnSpPr>
+          <p:nvPr/>
+        </p:nvCxnSpPr>
+        <p:spPr>
+          <a:xfrm rot="10800000">
+            <a:off x="6325799" y="3434586"/>
+            <a:ext cx="1695298" cy="2075724"/>
+          </a:xfrm>
+          <a:prstGeom prst="bentConnector3">
+            <a:avLst>
+              <a:gd name="adj1" fmla="val 63484"/>
+            </a:avLst>
+          </a:prstGeom>
+          <a:ln w="28575">
+            <a:tailEnd type="triangle"/>
+          </a:ln>
+        </p:spPr>
+        <p:style>
+          <a:lnRef idx="1">
+            <a:schemeClr val="accent1"/>
+          </a:lnRef>
+          <a:fillRef idx="0">
+            <a:schemeClr val="accent1"/>
+          </a:fillRef>
+          <a:effectRef idx="0">
+            <a:schemeClr val="accent1"/>
+          </a:effectRef>
+          <a:fontRef idx="minor">
+            <a:schemeClr val="tx1"/>
+          </a:fontRef>
+        </p:style>
+      </p:cxnSp>
+      <p:sp>
+        <p:nvSpPr>
+          <p:cNvPr id="105" name="TextBox 104">
+            <a:extLst>
+              <a:ext uri="{FF2B5EF4-FFF2-40B4-BE49-F238E27FC236}">
+                <a16:creationId xmlns:a16="http://schemas.microsoft.com/office/drawing/2014/main" id="{871D0B12-9F19-44E3-B379-5037D0C9EA5A}"/>
+              </a:ext>
+            </a:extLst>
+          </p:cNvPr>
+          <p:cNvSpPr txBox="1"/>
+          <p:nvPr/>
+        </p:nvSpPr>
+        <p:spPr>
+          <a:xfrm>
+            <a:off x="4915959" y="4065108"/>
+            <a:ext cx="492443" cy="307777"/>
+          </a:xfrm>
+          <a:prstGeom prst="rect">
+            <a:avLst/>
+          </a:prstGeom>
+          <a:noFill/>
+        </p:spPr>
+        <p:txBody>
+          <a:bodyPr wrap="none" rtlCol="0">
+            <a:spAutoFit/>
+          </a:bodyPr>
+          <a:lstStyle/>
+          <a:p>
+            <a:r>
+              <a:rPr lang="en-US" sz="1400" dirty="0">
+                <a:solidFill>
+                  <a:schemeClr val="accent1"/>
+                </a:solidFill>
+              </a:rPr>
+              <a:t>true</a:t>
+            </a:r>
+          </a:p>
+        </p:txBody>
+      </p:sp>
+      <p:sp>
+        <p:nvSpPr>
+          <p:cNvPr id="106" name="TextBox 105">
+            <a:extLst>
+              <a:ext uri="{FF2B5EF4-FFF2-40B4-BE49-F238E27FC236}">
+                <a16:creationId xmlns:a16="http://schemas.microsoft.com/office/drawing/2014/main" id="{576CB457-9EC7-47CE-91F2-B97A40FDF302}"/>
+              </a:ext>
+            </a:extLst>
+          </p:cNvPr>
+          <p:cNvSpPr txBox="1"/>
+          <p:nvPr/>
+        </p:nvSpPr>
+        <p:spPr>
+          <a:xfrm>
+            <a:off x="3276613" y="1132180"/>
+            <a:ext cx="1097352" cy="523220"/>
+          </a:xfrm>
+          <a:prstGeom prst="rect">
+            <a:avLst/>
+          </a:prstGeom>
+          <a:noFill/>
+        </p:spPr>
+        <p:txBody>
+          <a:bodyPr wrap="none" rtlCol="0">
+            <a:spAutoFit/>
+          </a:bodyPr>
+          <a:lstStyle/>
+          <a:p>
+            <a:r>
+              <a:rPr lang="en-US" sz="1400" dirty="0">
+                <a:solidFill>
+                  <a:schemeClr val="accent1"/>
+                </a:solidFill>
+              </a:rPr>
+              <a:t>Infinity Loop</a:t>
+            </a:r>
+          </a:p>
+          <a:p>
+            <a:endParaRPr lang="en-US" sz="1400" dirty="0">
+              <a:solidFill>
+                <a:schemeClr val="accent1"/>
+              </a:solidFill>
+            </a:endParaRPr>
+          </a:p>
+        </p:txBody>
+      </p:sp>
+    </p:spTree>
+    <p:extLst>
+      <p:ext uri="{BB962C8B-B14F-4D97-AF65-F5344CB8AC3E}">
+        <p14:creationId xmlns:p14="http://schemas.microsoft.com/office/powerpoint/2010/main" val="693451126"/>
+      </p:ext>
+    </p:extLst>
+  </p:cSld>
+  <p:clrMapOvr>
+    <a:masterClrMapping/>
+  </p:clrMapOvr>
+</p:sld>
+</file>
+
+<file path=ppt/slides/slide7.xml><?xml version="1.0" encoding="utf-8"?>
+<p:sld xmlns:a="http://schemas.openxmlformats.org/drawingml/2006/main" xmlns:r="http://schemas.openxmlformats.org/officeDocument/2006/relationships" xmlns:p="http://schemas.openxmlformats.org/presentationml/2006/main">
+  <p:cSld>
+    <p:spTree>
+      <p:nvGrpSpPr>
+        <p:cNvPr id="1" name=""/>
+        <p:cNvGrpSpPr/>
+        <p:nvPr/>
+      </p:nvGrpSpPr>
+      <p:grpSpPr>
+        <a:xfrm>
+          <a:off x="0" y="0"/>
+          <a:ext cx="0" cy="0"/>
+          <a:chOff x="0" y="0"/>
+          <a:chExt cx="0" cy="0"/>
+        </a:xfrm>
+      </p:grpSpPr>
+      <p:sp>
+        <p:nvSpPr>
+          <p:cNvPr id="4" name="Rectangle 3">
+            <a:extLst>
+              <a:ext uri="{FF2B5EF4-FFF2-40B4-BE49-F238E27FC236}">
+                <a16:creationId xmlns:a16="http://schemas.microsoft.com/office/drawing/2014/main" id="{01126451-1CD8-43DD-9BF1-128A503C5700}"/>
+              </a:ext>
+            </a:extLst>
+          </p:cNvPr>
+          <p:cNvSpPr/>
+          <p:nvPr/>
+        </p:nvSpPr>
+        <p:spPr>
+          <a:xfrm>
+            <a:off x="2180082" y="1089275"/>
+            <a:ext cx="2002536" cy="667512"/>
+          </a:xfrm>
+          <a:prstGeom prst="rect">
+            <a:avLst/>
+          </a:prstGeom>
+        </p:spPr>
+        <p:style>
+          <a:lnRef idx="2">
+            <a:schemeClr val="accent1">
+              <a:shade val="50000"/>
+            </a:schemeClr>
+          </a:lnRef>
+          <a:fillRef idx="1">
+            <a:schemeClr val="accent1"/>
+          </a:fillRef>
+          <a:effectRef idx="0">
+            <a:schemeClr val="accent1"/>
+          </a:effectRef>
+          <a:fontRef idx="minor">
+            <a:schemeClr val="lt1"/>
+          </a:fontRef>
+        </p:style>
+        <p:txBody>
+          <a:bodyPr rtlCol="0" anchor="ctr"/>
+          <a:lstStyle/>
+          <a:p>
+            <a:pPr algn="ctr"/>
+            <a:r>
+              <a:rPr lang="en-US" sz="1400" dirty="0"/>
+              <a:t>Print Screen Title</a:t>
+            </a:r>
+          </a:p>
+        </p:txBody>
+      </p:sp>
+      <p:sp>
+        <p:nvSpPr>
+          <p:cNvPr id="9" name="Oval 8">
+            <a:extLst>
+              <a:ext uri="{FF2B5EF4-FFF2-40B4-BE49-F238E27FC236}">
+                <a16:creationId xmlns:a16="http://schemas.microsoft.com/office/drawing/2014/main" id="{423DAC25-A7FA-4762-AD9B-D349209C5332}"/>
+              </a:ext>
+            </a:extLst>
+          </p:cNvPr>
+          <p:cNvSpPr/>
+          <p:nvPr/>
+        </p:nvSpPr>
+        <p:spPr>
+          <a:xfrm>
+            <a:off x="2522982" y="165734"/>
+            <a:ext cx="1316736" cy="594360"/>
+          </a:xfrm>
+          <a:prstGeom prst="ellipse">
+            <a:avLst/>
+          </a:prstGeom>
+        </p:spPr>
+        <p:style>
+          <a:lnRef idx="2">
+            <a:schemeClr val="accent1">
+              <a:shade val="50000"/>
+            </a:schemeClr>
+          </a:lnRef>
+          <a:fillRef idx="1">
+            <a:schemeClr val="accent1"/>
+          </a:fillRef>
+          <a:effectRef idx="0">
+            <a:schemeClr val="accent1"/>
+          </a:effectRef>
+          <a:fontRef idx="minor">
+            <a:schemeClr val="lt1"/>
+          </a:fontRef>
+        </p:style>
+        <p:txBody>
+          <a:bodyPr rtlCol="0" anchor="ctr"/>
+          <a:lstStyle/>
+          <a:p>
+            <a:pPr algn="ctr"/>
+            <a:r>
+              <a:rPr lang="en-US" sz="1400" dirty="0"/>
+              <a:t>Open Screen</a:t>
+            </a:r>
+          </a:p>
+        </p:txBody>
+      </p:sp>
+      <p:sp>
+        <p:nvSpPr>
+          <p:cNvPr id="10" name="Oval 9">
+            <a:extLst>
+              <a:ext uri="{FF2B5EF4-FFF2-40B4-BE49-F238E27FC236}">
+                <a16:creationId xmlns:a16="http://schemas.microsoft.com/office/drawing/2014/main" id="{C5801644-109B-4AAC-A281-9A821CE966A3}"/>
+              </a:ext>
+            </a:extLst>
+          </p:cNvPr>
+          <p:cNvSpPr/>
+          <p:nvPr/>
+        </p:nvSpPr>
+        <p:spPr>
+          <a:xfrm>
+            <a:off x="7127641" y="4866901"/>
+            <a:ext cx="1936457" cy="713229"/>
+          </a:xfrm>
+          <a:prstGeom prst="ellipse">
+            <a:avLst/>
+          </a:prstGeom>
+        </p:spPr>
+        <p:style>
+          <a:lnRef idx="2">
+            <a:schemeClr val="accent1">
+              <a:shade val="50000"/>
+            </a:schemeClr>
+          </a:lnRef>
+          <a:fillRef idx="1">
+            <a:schemeClr val="accent1"/>
+          </a:fillRef>
+          <a:effectRef idx="0">
+            <a:schemeClr val="accent1"/>
+          </a:effectRef>
+          <a:fontRef idx="minor">
+            <a:schemeClr val="lt1"/>
+          </a:fontRef>
+        </p:style>
+        <p:txBody>
+          <a:bodyPr rtlCol="0" anchor="ctr"/>
+          <a:lstStyle/>
+          <a:p>
+            <a:pPr algn="ctr"/>
+            <a:r>
+              <a:rPr lang="en-US" sz="1400" dirty="0"/>
+              <a:t>Close screen and navigate to selected screen</a:t>
+            </a:r>
+          </a:p>
+        </p:txBody>
+      </p:sp>
+      <p:cxnSp>
+        <p:nvCxnSpPr>
+          <p:cNvPr id="11" name="Straight Arrow Connector 10">
+            <a:extLst>
+              <a:ext uri="{FF2B5EF4-FFF2-40B4-BE49-F238E27FC236}">
+                <a16:creationId xmlns:a16="http://schemas.microsoft.com/office/drawing/2014/main" id="{14A3FEB2-7006-4B10-8080-B97E85238E82}"/>
+              </a:ext>
+            </a:extLst>
+          </p:cNvPr>
+          <p:cNvCxnSpPr>
+            <a:stCxn id="9" idx="4"/>
+            <a:endCxn id="4" idx="0"/>
+          </p:cNvCxnSpPr>
+          <p:nvPr/>
+        </p:nvCxnSpPr>
+        <p:spPr>
+          <a:xfrm>
+            <a:off x="3181350" y="760094"/>
+            <a:ext cx="0" cy="329181"/>
+          </a:xfrm>
+          <a:prstGeom prst="straightConnector1">
+            <a:avLst/>
+          </a:prstGeom>
+          <a:ln w="28575">
+            <a:tailEnd type="triangle"/>
+          </a:ln>
+        </p:spPr>
+        <p:style>
+          <a:lnRef idx="1">
+            <a:schemeClr val="accent1"/>
+          </a:lnRef>
+          <a:fillRef idx="0">
+            <a:schemeClr val="accent1"/>
+          </a:fillRef>
+          <a:effectRef idx="0">
+            <a:schemeClr val="accent1"/>
+          </a:effectRef>
+          <a:fontRef idx="minor">
+            <a:schemeClr val="tx1"/>
+          </a:fontRef>
+        </p:style>
+      </p:cxnSp>
+      <p:cxnSp>
+        <p:nvCxnSpPr>
+          <p:cNvPr id="12" name="Straight Arrow Connector 11">
+            <a:extLst>
+              <a:ext uri="{FF2B5EF4-FFF2-40B4-BE49-F238E27FC236}">
+                <a16:creationId xmlns:a16="http://schemas.microsoft.com/office/drawing/2014/main" id="{233673F3-F49C-4580-9010-2DCEABD3B3C5}"/>
+              </a:ext>
+            </a:extLst>
+          </p:cNvPr>
+          <p:cNvCxnSpPr>
+            <a:cxnSpLocks/>
+            <a:stCxn id="4" idx="2"/>
+          </p:cNvCxnSpPr>
+          <p:nvPr/>
+        </p:nvCxnSpPr>
+        <p:spPr>
+          <a:xfrm>
+            <a:off x="3181350" y="1756787"/>
+            <a:ext cx="0" cy="347476"/>
+          </a:xfrm>
+          <a:prstGeom prst="straightConnector1">
+            <a:avLst/>
+          </a:prstGeom>
+          <a:ln w="28575">
+            <a:tailEnd type="triangle"/>
+          </a:ln>
+        </p:spPr>
+        <p:style>
+          <a:lnRef idx="1">
+            <a:schemeClr val="accent1"/>
+          </a:lnRef>
+          <a:fillRef idx="0">
+            <a:schemeClr val="accent1"/>
+          </a:fillRef>
+          <a:effectRef idx="0">
+            <a:schemeClr val="accent1"/>
+          </a:effectRef>
+          <a:fontRef idx="minor">
+            <a:schemeClr val="tx1"/>
+          </a:fontRef>
+        </p:style>
+      </p:cxnSp>
+      <p:cxnSp>
+        <p:nvCxnSpPr>
+          <p:cNvPr id="13" name="Straight Arrow Connector 12">
+            <a:extLst>
+              <a:ext uri="{FF2B5EF4-FFF2-40B4-BE49-F238E27FC236}">
+                <a16:creationId xmlns:a16="http://schemas.microsoft.com/office/drawing/2014/main" id="{CEC90A3C-B953-4D39-8555-14AB5350A520}"/>
+              </a:ext>
+            </a:extLst>
+          </p:cNvPr>
+          <p:cNvCxnSpPr>
+            <a:cxnSpLocks/>
+          </p:cNvCxnSpPr>
+          <p:nvPr/>
+        </p:nvCxnSpPr>
+        <p:spPr>
+          <a:xfrm>
+            <a:off x="3181350" y="3155823"/>
+            <a:ext cx="0" cy="603505"/>
+          </a:xfrm>
+          <a:prstGeom prst="straightConnector1">
+            <a:avLst/>
+          </a:prstGeom>
+          <a:ln w="28575">
+            <a:tailEnd type="triangle"/>
+          </a:ln>
+        </p:spPr>
+        <p:style>
+          <a:lnRef idx="1">
+            <a:schemeClr val="accent1"/>
+          </a:lnRef>
+          <a:fillRef idx="0">
+            <a:schemeClr val="accent1"/>
+          </a:fillRef>
+          <a:effectRef idx="0">
+            <a:schemeClr val="accent1"/>
+          </a:effectRef>
+          <a:fontRef idx="minor">
+            <a:schemeClr val="tx1"/>
+          </a:fontRef>
+        </p:style>
+      </p:cxnSp>
+      <p:cxnSp>
+        <p:nvCxnSpPr>
+          <p:cNvPr id="14" name="Straight Arrow Connector 13">
+            <a:extLst>
+              <a:ext uri="{FF2B5EF4-FFF2-40B4-BE49-F238E27FC236}">
+                <a16:creationId xmlns:a16="http://schemas.microsoft.com/office/drawing/2014/main" id="{1CF6278E-8FDE-4CB2-B984-78B08C7E8E76}"/>
+              </a:ext>
+            </a:extLst>
+          </p:cNvPr>
+          <p:cNvCxnSpPr>
+            <a:cxnSpLocks/>
+          </p:cNvCxnSpPr>
+          <p:nvPr/>
+        </p:nvCxnSpPr>
+        <p:spPr>
+          <a:xfrm flipH="1">
+            <a:off x="3172206" y="4426840"/>
+            <a:ext cx="9144" cy="451105"/>
+          </a:xfrm>
+          <a:prstGeom prst="straightConnector1">
+            <a:avLst/>
+          </a:prstGeom>
+          <a:ln w="28575">
+            <a:tailEnd type="triangle"/>
+          </a:ln>
+        </p:spPr>
+        <p:style>
+          <a:lnRef idx="1">
+            <a:schemeClr val="accent1"/>
+          </a:lnRef>
+          <a:fillRef idx="0">
+            <a:schemeClr val="accent1"/>
+          </a:fillRef>
+          <a:effectRef idx="0">
+            <a:schemeClr val="accent1"/>
+          </a:effectRef>
+          <a:fontRef idx="minor">
+            <a:schemeClr val="tx1"/>
+          </a:fontRef>
+        </p:style>
+      </p:cxnSp>
+      <p:sp>
+        <p:nvSpPr>
+          <p:cNvPr id="19" name="Diamond 18">
+            <a:extLst>
+              <a:ext uri="{FF2B5EF4-FFF2-40B4-BE49-F238E27FC236}">
+                <a16:creationId xmlns:a16="http://schemas.microsoft.com/office/drawing/2014/main" id="{0C9B9E0A-6752-4B76-AD77-6EB3AEE8019F}"/>
+              </a:ext>
+            </a:extLst>
+          </p:cNvPr>
+          <p:cNvSpPr/>
+          <p:nvPr/>
+        </p:nvSpPr>
+        <p:spPr>
+          <a:xfrm>
+            <a:off x="1487532" y="2104262"/>
+            <a:ext cx="3387636" cy="1051560"/>
+          </a:xfrm>
+          <a:prstGeom prst="diamond">
+            <a:avLst/>
+          </a:prstGeom>
+        </p:spPr>
+        <p:style>
+          <a:lnRef idx="2">
+            <a:schemeClr val="accent1">
+              <a:shade val="50000"/>
+            </a:schemeClr>
+          </a:lnRef>
+          <a:fillRef idx="1">
+            <a:schemeClr val="accent1"/>
+          </a:fillRef>
+          <a:effectRef idx="0">
+            <a:schemeClr val="accent1"/>
+          </a:effectRef>
+          <a:fontRef idx="minor">
+            <a:schemeClr val="lt1"/>
+          </a:fontRef>
+        </p:style>
+        <p:txBody>
+          <a:bodyPr rtlCol="0" anchor="ctr"/>
+          <a:lstStyle/>
+          <a:p>
+            <a:pPr algn="ctr"/>
+            <a:r>
+              <a:rPr lang="en-US" sz="1400" dirty="0"/>
+              <a:t>bookCount == </a:t>
+            </a:r>
+          </a:p>
+          <a:p>
+            <a:pPr algn="ctr"/>
+            <a:r>
+              <a:rPr lang="en-US" sz="1400" dirty="0"/>
+              <a:t>MAX_NUMBER_OF_BOOKS_STORED</a:t>
+            </a:r>
+          </a:p>
+        </p:txBody>
+      </p:sp>
+      <p:sp>
+        <p:nvSpPr>
+          <p:cNvPr id="24" name="TextBox 23">
+            <a:extLst>
+              <a:ext uri="{FF2B5EF4-FFF2-40B4-BE49-F238E27FC236}">
+                <a16:creationId xmlns:a16="http://schemas.microsoft.com/office/drawing/2014/main" id="{510C764C-5CEB-4B7F-B8E3-C31F6123B178}"/>
+              </a:ext>
+            </a:extLst>
+          </p:cNvPr>
+          <p:cNvSpPr txBox="1"/>
+          <p:nvPr/>
+        </p:nvSpPr>
+        <p:spPr>
+          <a:xfrm>
+            <a:off x="3172206" y="3259492"/>
+            <a:ext cx="524182" cy="307777"/>
+          </a:xfrm>
+          <a:prstGeom prst="rect">
+            <a:avLst/>
+          </a:prstGeom>
+          <a:noFill/>
+        </p:spPr>
+        <p:txBody>
+          <a:bodyPr wrap="none" rtlCol="0">
+            <a:spAutoFit/>
+          </a:bodyPr>
+          <a:lstStyle/>
+          <a:p>
+            <a:r>
+              <a:rPr lang="en-US" sz="1400" dirty="0">
+                <a:solidFill>
+                  <a:schemeClr val="accent1"/>
+                </a:solidFill>
+              </a:rPr>
+              <a:t>false</a:t>
+            </a:r>
+          </a:p>
+        </p:txBody>
+      </p:sp>
+      <p:sp>
+        <p:nvSpPr>
+          <p:cNvPr id="25" name="Rectangle 24">
+            <a:extLst>
+              <a:ext uri="{FF2B5EF4-FFF2-40B4-BE49-F238E27FC236}">
+                <a16:creationId xmlns:a16="http://schemas.microsoft.com/office/drawing/2014/main" id="{F97D8E11-0C27-4C24-93A2-FE6E071E4814}"/>
+              </a:ext>
+            </a:extLst>
+          </p:cNvPr>
+          <p:cNvSpPr/>
+          <p:nvPr/>
+        </p:nvSpPr>
+        <p:spPr>
+          <a:xfrm>
+            <a:off x="5470398" y="2305425"/>
+            <a:ext cx="2002536" cy="667512"/>
+          </a:xfrm>
+          <a:prstGeom prst="rect">
+            <a:avLst/>
+          </a:prstGeom>
+        </p:spPr>
+        <p:style>
+          <a:lnRef idx="2">
+            <a:schemeClr val="accent1">
+              <a:shade val="50000"/>
+            </a:schemeClr>
+          </a:lnRef>
+          <a:fillRef idx="1">
+            <a:schemeClr val="accent1"/>
+          </a:fillRef>
+          <a:effectRef idx="0">
+            <a:schemeClr val="accent1"/>
+          </a:effectRef>
+          <a:fontRef idx="minor">
+            <a:schemeClr val="lt1"/>
+          </a:fontRef>
+        </p:style>
+        <p:txBody>
+          <a:bodyPr rtlCol="0" anchor="ctr"/>
+          <a:lstStyle/>
+          <a:p>
+            <a:pPr algn="ctr"/>
+            <a:r>
+              <a:rPr lang="en-US" sz="1400" dirty="0"/>
+              <a:t>Prompt message to</a:t>
+            </a:r>
+          </a:p>
+          <a:p>
+            <a:pPr algn="ctr"/>
+            <a:r>
+              <a:rPr lang="en-US" sz="1400" dirty="0"/>
+              <a:t>inform user</a:t>
+            </a:r>
+          </a:p>
+        </p:txBody>
+      </p:sp>
+      <p:cxnSp>
+        <p:nvCxnSpPr>
+          <p:cNvPr id="27" name="Straight Arrow Connector 26">
+            <a:extLst>
+              <a:ext uri="{FF2B5EF4-FFF2-40B4-BE49-F238E27FC236}">
+                <a16:creationId xmlns:a16="http://schemas.microsoft.com/office/drawing/2014/main" id="{51F6C035-DE13-4CB3-9264-B166F1292D55}"/>
+              </a:ext>
+            </a:extLst>
+          </p:cNvPr>
+          <p:cNvCxnSpPr>
+            <a:cxnSpLocks/>
+            <a:stCxn id="19" idx="3"/>
+            <a:endCxn id="25" idx="1"/>
+          </p:cNvCxnSpPr>
+          <p:nvPr/>
+        </p:nvCxnSpPr>
+        <p:spPr>
+          <a:xfrm>
+            <a:off x="4875168" y="2630042"/>
+            <a:ext cx="595230" cy="9139"/>
+          </a:xfrm>
+          <a:prstGeom prst="straightConnector1">
+            <a:avLst/>
+          </a:prstGeom>
+          <a:ln w="28575">
+            <a:solidFill>
+              <a:schemeClr val="accent1"/>
+            </a:solidFill>
+            <a:tailEnd type="triangle"/>
+          </a:ln>
+        </p:spPr>
+        <p:style>
+          <a:lnRef idx="1">
+            <a:schemeClr val="accent1"/>
+          </a:lnRef>
+          <a:fillRef idx="0">
+            <a:schemeClr val="accent1"/>
+          </a:fillRef>
+          <a:effectRef idx="0">
+            <a:schemeClr val="accent1"/>
+          </a:effectRef>
+          <a:fontRef idx="minor">
+            <a:schemeClr val="tx1"/>
+          </a:fontRef>
+        </p:style>
+      </p:cxnSp>
+      <p:sp>
+        <p:nvSpPr>
+          <p:cNvPr id="5" name="Parallelogram 4">
+            <a:extLst>
+              <a:ext uri="{FF2B5EF4-FFF2-40B4-BE49-F238E27FC236}">
+                <a16:creationId xmlns:a16="http://schemas.microsoft.com/office/drawing/2014/main" id="{CD2BD82F-6C05-48DC-9278-81318B3C1E09}"/>
+              </a:ext>
+            </a:extLst>
+          </p:cNvPr>
+          <p:cNvSpPr/>
+          <p:nvPr/>
+        </p:nvSpPr>
+        <p:spPr>
+          <a:xfrm>
+            <a:off x="2203977" y="3759328"/>
+            <a:ext cx="1978641" cy="667512"/>
+          </a:xfrm>
+          <a:prstGeom prst="parallelogram">
+            <a:avLst/>
+          </a:prstGeom>
+        </p:spPr>
+        <p:style>
+          <a:lnRef idx="2">
+            <a:schemeClr val="accent1">
+              <a:shade val="50000"/>
+            </a:schemeClr>
+          </a:lnRef>
+          <a:fillRef idx="1">
+            <a:schemeClr val="accent1"/>
+          </a:fillRef>
+          <a:effectRef idx="0">
+            <a:schemeClr val="accent1"/>
+          </a:effectRef>
+          <a:fontRef idx="minor">
+            <a:schemeClr val="lt1"/>
+          </a:fontRef>
+        </p:style>
+        <p:txBody>
+          <a:bodyPr rtlCol="0" anchor="ctr"/>
+          <a:lstStyle/>
+          <a:p>
+            <a:pPr algn="ctr"/>
+            <a:r>
+              <a:rPr lang="en-US" sz="1400" dirty="0"/>
+              <a:t>Input book ID</a:t>
+            </a:r>
+          </a:p>
+          <a:p>
+            <a:pPr algn="ctr"/>
+            <a:r>
+              <a:rPr lang="en-US" sz="1400" dirty="0"/>
+              <a:t>and validate</a:t>
+            </a:r>
+          </a:p>
+        </p:txBody>
+      </p:sp>
+      <p:sp>
+        <p:nvSpPr>
+          <p:cNvPr id="18" name="Parallelogram 17">
+            <a:extLst>
+              <a:ext uri="{FF2B5EF4-FFF2-40B4-BE49-F238E27FC236}">
+                <a16:creationId xmlns:a16="http://schemas.microsoft.com/office/drawing/2014/main" id="{11B3C490-5CE0-4BCA-8DD5-099E91712FDD}"/>
+              </a:ext>
+            </a:extLst>
+          </p:cNvPr>
+          <p:cNvSpPr/>
+          <p:nvPr/>
+        </p:nvSpPr>
+        <p:spPr>
+          <a:xfrm>
+            <a:off x="2117491" y="4877945"/>
+            <a:ext cx="1978641" cy="667512"/>
+          </a:xfrm>
+          <a:prstGeom prst="parallelogram">
+            <a:avLst/>
+          </a:prstGeom>
+        </p:spPr>
+        <p:style>
+          <a:lnRef idx="2">
+            <a:schemeClr val="accent1">
+              <a:shade val="50000"/>
+            </a:schemeClr>
+          </a:lnRef>
+          <a:fillRef idx="1">
+            <a:schemeClr val="accent1"/>
+          </a:fillRef>
+          <a:effectRef idx="0">
+            <a:schemeClr val="accent1"/>
+          </a:effectRef>
+          <a:fontRef idx="minor">
+            <a:schemeClr val="lt1"/>
+          </a:fontRef>
+        </p:style>
+        <p:txBody>
+          <a:bodyPr rtlCol="0" anchor="ctr"/>
+          <a:lstStyle/>
+          <a:p>
+            <a:pPr algn="ctr"/>
+            <a:r>
+              <a:rPr lang="en-US" sz="1400" dirty="0"/>
+              <a:t>Input title, author</a:t>
+            </a:r>
+          </a:p>
+          <a:p>
+            <a:pPr algn="ctr"/>
+            <a:r>
+              <a:rPr lang="en-US" sz="1400" dirty="0"/>
+              <a:t>and year of book</a:t>
+            </a:r>
+          </a:p>
+        </p:txBody>
+      </p:sp>
+      <p:sp>
+        <p:nvSpPr>
+          <p:cNvPr id="21" name="Parallelogram 20">
+            <a:extLst>
+              <a:ext uri="{FF2B5EF4-FFF2-40B4-BE49-F238E27FC236}">
+                <a16:creationId xmlns:a16="http://schemas.microsoft.com/office/drawing/2014/main" id="{77C92A2F-0BF7-4B40-8267-5F5CAA566A85}"/>
+              </a:ext>
+            </a:extLst>
+          </p:cNvPr>
+          <p:cNvSpPr/>
+          <p:nvPr/>
+        </p:nvSpPr>
+        <p:spPr>
+          <a:xfrm>
+            <a:off x="4720754" y="4889760"/>
+            <a:ext cx="1978641" cy="667512"/>
+          </a:xfrm>
+          <a:prstGeom prst="parallelogram">
+            <a:avLst/>
+          </a:prstGeom>
+        </p:spPr>
+        <p:style>
+          <a:lnRef idx="2">
+            <a:schemeClr val="accent1">
+              <a:shade val="50000"/>
+            </a:schemeClr>
+          </a:lnRef>
+          <a:fillRef idx="1">
+            <a:schemeClr val="accent1"/>
+          </a:fillRef>
+          <a:effectRef idx="0">
+            <a:schemeClr val="accent1"/>
+          </a:effectRef>
+          <a:fontRef idx="minor">
+            <a:schemeClr val="lt1"/>
+          </a:fontRef>
+        </p:style>
+        <p:txBody>
+          <a:bodyPr rtlCol="0" anchor="ctr"/>
+          <a:lstStyle/>
+          <a:p>
+            <a:pPr algn="ctr"/>
+            <a:r>
+              <a:rPr lang="en-US" sz="1400" dirty="0"/>
+              <a:t>Print and select option </a:t>
+            </a:r>
+          </a:p>
+        </p:txBody>
+      </p:sp>
+      <p:sp>
+        <p:nvSpPr>
+          <p:cNvPr id="22" name="TextBox 21">
+            <a:extLst>
+              <a:ext uri="{FF2B5EF4-FFF2-40B4-BE49-F238E27FC236}">
+                <a16:creationId xmlns:a16="http://schemas.microsoft.com/office/drawing/2014/main" id="{FCB33B51-2F72-4CCC-AFE8-595510AE78E8}"/>
+              </a:ext>
+            </a:extLst>
+          </p:cNvPr>
+          <p:cNvSpPr txBox="1"/>
+          <p:nvPr/>
+        </p:nvSpPr>
+        <p:spPr>
+          <a:xfrm>
+            <a:off x="4875168" y="2344359"/>
+            <a:ext cx="492443" cy="307777"/>
+          </a:xfrm>
+          <a:prstGeom prst="rect">
+            <a:avLst/>
+          </a:prstGeom>
+          <a:noFill/>
+        </p:spPr>
+        <p:txBody>
+          <a:bodyPr wrap="none" rtlCol="0">
+            <a:spAutoFit/>
+          </a:bodyPr>
+          <a:lstStyle/>
+          <a:p>
+            <a:r>
+              <a:rPr lang="en-US" sz="1400" dirty="0">
+                <a:solidFill>
+                  <a:schemeClr val="accent1"/>
+                </a:solidFill>
+              </a:rPr>
+              <a:t>true</a:t>
+            </a:r>
+          </a:p>
+        </p:txBody>
+      </p:sp>
+      <p:cxnSp>
+        <p:nvCxnSpPr>
+          <p:cNvPr id="7" name="Straight Arrow Connector 6">
+            <a:extLst>
+              <a:ext uri="{FF2B5EF4-FFF2-40B4-BE49-F238E27FC236}">
+                <a16:creationId xmlns:a16="http://schemas.microsoft.com/office/drawing/2014/main" id="{AA107A46-FD8F-43DF-982A-47A3E5EABB60}"/>
+              </a:ext>
+            </a:extLst>
+          </p:cNvPr>
+          <p:cNvCxnSpPr>
+            <a:cxnSpLocks/>
+            <a:stCxn id="18" idx="2"/>
+            <a:endCxn id="21" idx="5"/>
+          </p:cNvCxnSpPr>
+          <p:nvPr/>
+        </p:nvCxnSpPr>
+        <p:spPr>
+          <a:xfrm>
+            <a:off x="4012693" y="5211701"/>
+            <a:ext cx="791500" cy="11815"/>
+          </a:xfrm>
+          <a:prstGeom prst="straightConnector1">
+            <a:avLst/>
+          </a:prstGeom>
+          <a:ln w="28575">
+            <a:tailEnd type="triangle"/>
+          </a:ln>
+        </p:spPr>
+        <p:style>
+          <a:lnRef idx="1">
+            <a:schemeClr val="accent1"/>
+          </a:lnRef>
+          <a:fillRef idx="0">
+            <a:schemeClr val="accent1"/>
+          </a:fillRef>
+          <a:effectRef idx="0">
+            <a:schemeClr val="accent1"/>
+          </a:effectRef>
+          <a:fontRef idx="minor">
+            <a:schemeClr val="tx1"/>
+          </a:fontRef>
+        </p:style>
+      </p:cxnSp>
+      <p:cxnSp>
+        <p:nvCxnSpPr>
+          <p:cNvPr id="16" name="Straight Arrow Connector 15">
+            <a:extLst>
+              <a:ext uri="{FF2B5EF4-FFF2-40B4-BE49-F238E27FC236}">
+                <a16:creationId xmlns:a16="http://schemas.microsoft.com/office/drawing/2014/main" id="{85DDBF69-95C8-4153-92A7-D11840E9D209}"/>
+              </a:ext>
+            </a:extLst>
+          </p:cNvPr>
+          <p:cNvCxnSpPr>
+            <a:stCxn id="21" idx="2"/>
+            <a:endCxn id="10" idx="2"/>
+          </p:cNvCxnSpPr>
+          <p:nvPr/>
+        </p:nvCxnSpPr>
+        <p:spPr>
+          <a:xfrm>
+            <a:off x="6615956" y="5223516"/>
+            <a:ext cx="511685" cy="0"/>
+          </a:xfrm>
+          <a:prstGeom prst="straightConnector1">
+            <a:avLst/>
+          </a:prstGeom>
+          <a:ln w="28575">
+            <a:tailEnd type="triangle"/>
+          </a:ln>
+        </p:spPr>
+        <p:style>
+          <a:lnRef idx="1">
+            <a:schemeClr val="accent1"/>
+          </a:lnRef>
+          <a:fillRef idx="0">
+            <a:schemeClr val="accent1"/>
+          </a:fillRef>
+          <a:effectRef idx="0">
+            <a:schemeClr val="accent1"/>
+          </a:effectRef>
+          <a:fontRef idx="minor">
+            <a:schemeClr val="tx1"/>
+          </a:fontRef>
+        </p:style>
+      </p:cxnSp>
+      <p:cxnSp>
+        <p:nvCxnSpPr>
+          <p:cNvPr id="32" name="Connector: Elbow 31">
+            <a:extLst>
+              <a:ext uri="{FF2B5EF4-FFF2-40B4-BE49-F238E27FC236}">
+                <a16:creationId xmlns:a16="http://schemas.microsoft.com/office/drawing/2014/main" id="{41709163-787C-4F83-BC85-724CB35070BD}"/>
+              </a:ext>
+            </a:extLst>
+          </p:cNvPr>
+          <p:cNvCxnSpPr>
+            <a:stCxn id="25" idx="2"/>
+            <a:endCxn id="21" idx="1"/>
+          </p:cNvCxnSpPr>
+          <p:nvPr/>
+        </p:nvCxnSpPr>
+        <p:spPr>
+          <a:xfrm rot="5400000">
+            <a:off x="5174179" y="3592272"/>
+            <a:ext cx="1916823" cy="678152"/>
+          </a:xfrm>
+          <a:prstGeom prst="bentConnector3">
+            <a:avLst/>
+          </a:prstGeom>
+          <a:ln w="28575">
+            <a:tailEnd type="triangle"/>
+          </a:ln>
+        </p:spPr>
+        <p:style>
+          <a:lnRef idx="1">
+            <a:schemeClr val="accent1"/>
+          </a:lnRef>
+          <a:fillRef idx="0">
+            <a:schemeClr val="accent1"/>
+          </a:fillRef>
+          <a:effectRef idx="0">
+            <a:schemeClr val="accent1"/>
+          </a:effectRef>
+          <a:fontRef idx="minor">
+            <a:schemeClr val="tx1"/>
+          </a:fontRef>
+        </p:style>
+      </p:cxnSp>
+    </p:spTree>
+    <p:extLst>
+      <p:ext uri="{BB962C8B-B14F-4D97-AF65-F5344CB8AC3E}">
+        <p14:creationId xmlns:p14="http://schemas.microsoft.com/office/powerpoint/2010/main" val="2048735499"/>
+      </p:ext>
+    </p:extLst>
+  </p:cSld>
+  <p:clrMapOvr>
+    <a:masterClrMapping/>
+  </p:clrMapOvr>
+</p:sld>
+</file>
+
+<file path=ppt/slides/slide8.xml><?xml version="1.0" encoding="utf-8"?>
+<p:sld xmlns:a="http://schemas.openxmlformats.org/drawingml/2006/main" xmlns:r="http://schemas.openxmlformats.org/officeDocument/2006/relationships" xmlns:p="http://schemas.openxmlformats.org/presentationml/2006/main">
+  <p:cSld>
+    <p:spTree>
+      <p:nvGrpSpPr>
+        <p:cNvPr id="1" name=""/>
+        <p:cNvGrpSpPr/>
+        <p:nvPr/>
+      </p:nvGrpSpPr>
+      <p:grpSpPr>
+        <a:xfrm>
+          <a:off x="0" y="0"/>
+          <a:ext cx="0" cy="0"/>
+          <a:chOff x="0" y="0"/>
+          <a:chExt cx="0" cy="0"/>
+        </a:xfrm>
+      </p:grpSpPr>
+      <p:sp>
+        <p:nvSpPr>
+          <p:cNvPr id="9" name="Oval 8">
+            <a:extLst>
+              <a:ext uri="{FF2B5EF4-FFF2-40B4-BE49-F238E27FC236}">
+                <a16:creationId xmlns:a16="http://schemas.microsoft.com/office/drawing/2014/main" id="{423DAC25-A7FA-4762-AD9B-D349209C5332}"/>
+              </a:ext>
+            </a:extLst>
+          </p:cNvPr>
+          <p:cNvSpPr/>
+          <p:nvPr/>
+        </p:nvSpPr>
+        <p:spPr>
+          <a:xfrm>
+            <a:off x="4293177" y="178540"/>
+            <a:ext cx="1316736" cy="594360"/>
+          </a:xfrm>
+          <a:prstGeom prst="ellipse">
+            <a:avLst/>
+          </a:prstGeom>
+        </p:spPr>
+        <p:style>
+          <a:lnRef idx="2">
+            <a:schemeClr val="accent1">
+              <a:shade val="50000"/>
+            </a:schemeClr>
+          </a:lnRef>
+          <a:fillRef idx="1">
+            <a:schemeClr val="accent1"/>
+          </a:fillRef>
+          <a:effectRef idx="0">
+            <a:schemeClr val="accent1"/>
+          </a:effectRef>
+          <a:fontRef idx="minor">
+            <a:schemeClr val="lt1"/>
+          </a:fontRef>
+        </p:style>
+        <p:txBody>
+          <a:bodyPr rtlCol="0" anchor="ctr"/>
+          <a:lstStyle/>
+          <a:p>
+            <a:pPr algn="ctr"/>
+            <a:r>
+              <a:rPr lang="en-US" sz="1400" dirty="0"/>
+              <a:t>Start</a:t>
+            </a:r>
+          </a:p>
+        </p:txBody>
+      </p:sp>
+      <p:cxnSp>
+        <p:nvCxnSpPr>
+          <p:cNvPr id="11" name="Straight Arrow Connector 10">
+            <a:extLst>
+              <a:ext uri="{FF2B5EF4-FFF2-40B4-BE49-F238E27FC236}">
+                <a16:creationId xmlns:a16="http://schemas.microsoft.com/office/drawing/2014/main" id="{14A3FEB2-7006-4B10-8080-B97E85238E82}"/>
+              </a:ext>
+            </a:extLst>
+          </p:cNvPr>
+          <p:cNvCxnSpPr>
+            <a:cxnSpLocks/>
+            <a:stCxn id="9" idx="4"/>
+          </p:cNvCxnSpPr>
+          <p:nvPr/>
+        </p:nvCxnSpPr>
+        <p:spPr>
+          <a:xfrm>
+            <a:off x="4951545" y="772900"/>
+            <a:ext cx="0" cy="352819"/>
+          </a:xfrm>
+          <a:prstGeom prst="straightConnector1">
+            <a:avLst/>
+          </a:prstGeom>
+          <a:ln w="28575">
+            <a:tailEnd type="triangle"/>
+          </a:ln>
+        </p:spPr>
+        <p:style>
+          <a:lnRef idx="1">
+            <a:schemeClr val="accent1"/>
+          </a:lnRef>
+          <a:fillRef idx="0">
+            <a:schemeClr val="accent1"/>
+          </a:fillRef>
+          <a:effectRef idx="0">
+            <a:schemeClr val="accent1"/>
+          </a:effectRef>
+          <a:fontRef idx="minor">
+            <a:schemeClr val="tx1"/>
+          </a:fontRef>
+        </p:style>
+      </p:cxnSp>
+      <p:sp>
+        <p:nvSpPr>
+          <p:cNvPr id="15" name="TextBox 14">
+            <a:extLst>
+              <a:ext uri="{FF2B5EF4-FFF2-40B4-BE49-F238E27FC236}">
+                <a16:creationId xmlns:a16="http://schemas.microsoft.com/office/drawing/2014/main" id="{7EA820D4-1B42-4AB4-9520-C824D667EB37}"/>
+              </a:ext>
+            </a:extLst>
+          </p:cNvPr>
+          <p:cNvSpPr txBox="1"/>
+          <p:nvPr/>
+        </p:nvSpPr>
+        <p:spPr>
+          <a:xfrm>
+            <a:off x="8741719" y="3482047"/>
+            <a:ext cx="492443" cy="307777"/>
+          </a:xfrm>
+          <a:prstGeom prst="rect">
+            <a:avLst/>
+          </a:prstGeom>
+          <a:noFill/>
+        </p:spPr>
+        <p:txBody>
+          <a:bodyPr wrap="none" rtlCol="0">
+            <a:spAutoFit/>
+          </a:bodyPr>
+          <a:lstStyle/>
+          <a:p>
+            <a:r>
+              <a:rPr lang="en-US" sz="1400" dirty="0">
+                <a:solidFill>
+                  <a:schemeClr val="accent1"/>
+                </a:solidFill>
+              </a:rPr>
+              <a:t>true</a:t>
+            </a:r>
+          </a:p>
+        </p:txBody>
+      </p:sp>
+      <p:sp>
+        <p:nvSpPr>
+          <p:cNvPr id="20" name="Rectangle 19">
+            <a:extLst>
+              <a:ext uri="{FF2B5EF4-FFF2-40B4-BE49-F238E27FC236}">
+                <a16:creationId xmlns:a16="http://schemas.microsoft.com/office/drawing/2014/main" id="{03402B1F-7AC7-4766-845D-F463432F17A6}"/>
+              </a:ext>
+            </a:extLst>
+          </p:cNvPr>
+          <p:cNvSpPr/>
+          <p:nvPr/>
+        </p:nvSpPr>
+        <p:spPr>
+          <a:xfrm>
+            <a:off x="7773490" y="1123187"/>
+            <a:ext cx="2002536" cy="667512"/>
+          </a:xfrm>
+          <a:prstGeom prst="rect">
+            <a:avLst/>
+          </a:prstGeom>
+        </p:spPr>
+        <p:style>
+          <a:lnRef idx="2">
+            <a:schemeClr val="accent1">
+              <a:shade val="50000"/>
+            </a:schemeClr>
+          </a:lnRef>
+          <a:fillRef idx="1">
+            <a:schemeClr val="accent1"/>
+          </a:fillRef>
+          <a:effectRef idx="0">
+            <a:schemeClr val="accent1"/>
+          </a:effectRef>
+          <a:fontRef idx="minor">
+            <a:schemeClr val="lt1"/>
+          </a:fontRef>
+        </p:style>
+        <p:txBody>
+          <a:bodyPr rtlCol="0" anchor="ctr"/>
+          <a:lstStyle/>
+          <a:p>
+            <a:pPr algn="ctr"/>
+            <a:r>
+              <a:rPr lang="en-US" sz="1400" dirty="0"/>
+              <a:t>i = 0</a:t>
+            </a:r>
+          </a:p>
+        </p:txBody>
+      </p:sp>
+      <p:sp>
+        <p:nvSpPr>
+          <p:cNvPr id="22" name="Diamond 21">
+            <a:extLst>
+              <a:ext uri="{FF2B5EF4-FFF2-40B4-BE49-F238E27FC236}">
+                <a16:creationId xmlns:a16="http://schemas.microsoft.com/office/drawing/2014/main" id="{67325A3C-8E57-4C52-800E-4DD8A5258A2C}"/>
+              </a:ext>
+            </a:extLst>
+          </p:cNvPr>
+          <p:cNvSpPr/>
+          <p:nvPr/>
+        </p:nvSpPr>
+        <p:spPr>
+          <a:xfrm>
+            <a:off x="7425470" y="2366023"/>
+            <a:ext cx="2698575" cy="1051560"/>
+          </a:xfrm>
+          <a:prstGeom prst="diamond">
+            <a:avLst/>
+          </a:prstGeom>
+        </p:spPr>
+        <p:style>
+          <a:lnRef idx="2">
+            <a:schemeClr val="accent1">
+              <a:shade val="50000"/>
+            </a:schemeClr>
+          </a:lnRef>
+          <a:fillRef idx="1">
+            <a:schemeClr val="accent1"/>
+          </a:fillRef>
+          <a:effectRef idx="0">
+            <a:schemeClr val="accent1"/>
+          </a:effectRef>
+          <a:fontRef idx="minor">
+            <a:schemeClr val="lt1"/>
+          </a:fontRef>
+        </p:style>
+        <p:txBody>
+          <a:bodyPr rtlCol="0" anchor="ctr"/>
+          <a:lstStyle/>
+          <a:p>
+            <a:pPr algn="ctr"/>
+            <a:r>
+              <a:rPr lang="en-US" sz="1400" dirty="0"/>
+              <a:t>i &lt; bookCount</a:t>
+            </a:r>
+          </a:p>
+        </p:txBody>
+      </p:sp>
+      <p:cxnSp>
+        <p:nvCxnSpPr>
+          <p:cNvPr id="17" name="Straight Arrow Connector 16">
+            <a:extLst>
+              <a:ext uri="{FF2B5EF4-FFF2-40B4-BE49-F238E27FC236}">
+                <a16:creationId xmlns:a16="http://schemas.microsoft.com/office/drawing/2014/main" id="{E1E2EFC1-7050-4A9E-A91B-4E5C41224020}"/>
+              </a:ext>
+            </a:extLst>
+          </p:cNvPr>
+          <p:cNvCxnSpPr>
+            <a:stCxn id="20" idx="2"/>
+            <a:endCxn id="22" idx="0"/>
+          </p:cNvCxnSpPr>
+          <p:nvPr/>
+        </p:nvCxnSpPr>
+        <p:spPr>
+          <a:xfrm>
+            <a:off x="8774758" y="1790699"/>
+            <a:ext cx="0" cy="575324"/>
+          </a:xfrm>
+          <a:prstGeom prst="straightConnector1">
+            <a:avLst/>
+          </a:prstGeom>
+          <a:ln w="28575">
+            <a:tailEnd type="triangle"/>
+          </a:ln>
+        </p:spPr>
+        <p:style>
+          <a:lnRef idx="1">
+            <a:schemeClr val="accent1"/>
+          </a:lnRef>
+          <a:fillRef idx="0">
+            <a:schemeClr val="accent1"/>
+          </a:fillRef>
+          <a:effectRef idx="0">
+            <a:schemeClr val="accent1"/>
+          </a:effectRef>
+          <a:fontRef idx="minor">
+            <a:schemeClr val="tx1"/>
+          </a:fontRef>
+        </p:style>
+      </p:cxnSp>
+      <p:cxnSp>
+        <p:nvCxnSpPr>
+          <p:cNvPr id="21" name="Straight Arrow Connector 20">
+            <a:extLst>
+              <a:ext uri="{FF2B5EF4-FFF2-40B4-BE49-F238E27FC236}">
+                <a16:creationId xmlns:a16="http://schemas.microsoft.com/office/drawing/2014/main" id="{97E76EDC-519C-4BB9-989A-902792032BEB}"/>
+              </a:ext>
+            </a:extLst>
+          </p:cNvPr>
+          <p:cNvCxnSpPr>
+            <a:cxnSpLocks/>
+            <a:stCxn id="22" idx="2"/>
+          </p:cNvCxnSpPr>
+          <p:nvPr/>
+        </p:nvCxnSpPr>
+        <p:spPr>
+          <a:xfrm>
+            <a:off x="8774758" y="3417583"/>
+            <a:ext cx="0" cy="602750"/>
+          </a:xfrm>
+          <a:prstGeom prst="straightConnector1">
+            <a:avLst/>
+          </a:prstGeom>
+          <a:ln w="28575">
+            <a:tailEnd type="triangle"/>
+          </a:ln>
+        </p:spPr>
+        <p:style>
+          <a:lnRef idx="1">
+            <a:schemeClr val="accent1"/>
+          </a:lnRef>
+          <a:fillRef idx="0">
+            <a:schemeClr val="accent1"/>
+          </a:fillRef>
+          <a:effectRef idx="0">
+            <a:schemeClr val="accent1"/>
+          </a:effectRef>
+          <a:fontRef idx="minor">
+            <a:schemeClr val="tx1"/>
+          </a:fontRef>
+        </p:style>
+      </p:cxnSp>
+      <p:sp>
+        <p:nvSpPr>
+          <p:cNvPr id="62" name="Parallelogram 61">
+            <a:extLst>
+              <a:ext uri="{FF2B5EF4-FFF2-40B4-BE49-F238E27FC236}">
+                <a16:creationId xmlns:a16="http://schemas.microsoft.com/office/drawing/2014/main" id="{D3972BC9-083A-4358-BD28-8E59D5E3348D}"/>
+              </a:ext>
+            </a:extLst>
+          </p:cNvPr>
+          <p:cNvSpPr/>
+          <p:nvPr/>
+        </p:nvSpPr>
+        <p:spPr>
+          <a:xfrm>
+            <a:off x="10870219" y="2787794"/>
+            <a:ext cx="1044447" cy="540263"/>
+          </a:xfrm>
+          <a:prstGeom prst="parallelogram">
+            <a:avLst/>
+          </a:prstGeom>
+        </p:spPr>
+        <p:style>
+          <a:lnRef idx="2">
+            <a:schemeClr val="accent1">
+              <a:shade val="50000"/>
+            </a:schemeClr>
+          </a:lnRef>
+          <a:fillRef idx="1">
+            <a:schemeClr val="accent1"/>
+          </a:fillRef>
+          <a:effectRef idx="0">
+            <a:schemeClr val="accent1"/>
+          </a:effectRef>
+          <a:fontRef idx="minor">
+            <a:schemeClr val="lt1"/>
+          </a:fontRef>
+        </p:style>
+        <p:txBody>
+          <a:bodyPr rtlCol="0" anchor="ctr"/>
+          <a:lstStyle/>
+          <a:p>
+            <a:pPr algn="ctr"/>
+            <a:r>
+              <a:rPr lang="en-US" sz="1400" dirty="0"/>
+              <a:t>i ++</a:t>
+            </a:r>
+          </a:p>
+        </p:txBody>
+      </p:sp>
+      <p:cxnSp>
+        <p:nvCxnSpPr>
+          <p:cNvPr id="68" name="Connector: Elbow 67">
+            <a:extLst>
+              <a:ext uri="{FF2B5EF4-FFF2-40B4-BE49-F238E27FC236}">
+                <a16:creationId xmlns:a16="http://schemas.microsoft.com/office/drawing/2014/main" id="{7FE76AA7-A3AE-4379-A226-5F5293A7AB67}"/>
+              </a:ext>
+            </a:extLst>
+          </p:cNvPr>
+          <p:cNvCxnSpPr>
+            <a:cxnSpLocks/>
+            <a:stCxn id="32" idx="3"/>
+            <a:endCxn id="62" idx="4"/>
+          </p:cNvCxnSpPr>
+          <p:nvPr/>
+        </p:nvCxnSpPr>
+        <p:spPr>
+          <a:xfrm flipV="1">
+            <a:off x="10539590" y="3328057"/>
+            <a:ext cx="852853" cy="1212979"/>
+          </a:xfrm>
+          <a:prstGeom prst="bentConnector2">
+            <a:avLst/>
+          </a:prstGeom>
+          <a:ln w="28575">
+            <a:tailEnd type="triangle"/>
+          </a:ln>
+        </p:spPr>
+        <p:style>
+          <a:lnRef idx="1">
+            <a:schemeClr val="accent1"/>
+          </a:lnRef>
+          <a:fillRef idx="0">
+            <a:schemeClr val="accent1"/>
+          </a:fillRef>
+          <a:effectRef idx="0">
+            <a:schemeClr val="accent1"/>
+          </a:effectRef>
+          <a:fontRef idx="minor">
+            <a:schemeClr val="tx1"/>
+          </a:fontRef>
+        </p:style>
+      </p:cxnSp>
+      <p:cxnSp>
+        <p:nvCxnSpPr>
+          <p:cNvPr id="70" name="Connector: Elbow 69">
+            <a:extLst>
+              <a:ext uri="{FF2B5EF4-FFF2-40B4-BE49-F238E27FC236}">
+                <a16:creationId xmlns:a16="http://schemas.microsoft.com/office/drawing/2014/main" id="{469D0714-05C6-4816-9629-35902928A0AB}"/>
+              </a:ext>
+            </a:extLst>
+          </p:cNvPr>
+          <p:cNvCxnSpPr>
+            <a:cxnSpLocks/>
+            <a:stCxn id="62" idx="0"/>
+          </p:cNvCxnSpPr>
+          <p:nvPr/>
+        </p:nvCxnSpPr>
+        <p:spPr>
+          <a:xfrm rot="16200000" flipV="1">
+            <a:off x="9706609" y="1101959"/>
+            <a:ext cx="753984" cy="2617685"/>
+          </a:xfrm>
+          <a:prstGeom prst="bentConnector2">
+            <a:avLst/>
+          </a:prstGeom>
+          <a:ln w="28575">
+            <a:tailEnd type="triangle"/>
+          </a:ln>
+        </p:spPr>
+        <p:style>
+          <a:lnRef idx="1">
+            <a:schemeClr val="accent1"/>
+          </a:lnRef>
+          <a:fillRef idx="0">
+            <a:schemeClr val="accent1"/>
+          </a:fillRef>
+          <a:effectRef idx="0">
+            <a:schemeClr val="accent1"/>
+          </a:effectRef>
+          <a:fontRef idx="minor">
+            <a:schemeClr val="tx1"/>
+          </a:fontRef>
+        </p:style>
+      </p:cxnSp>
+      <p:sp>
+        <p:nvSpPr>
+          <p:cNvPr id="93" name="TextBox 92">
+            <a:extLst>
+              <a:ext uri="{FF2B5EF4-FFF2-40B4-BE49-F238E27FC236}">
+                <a16:creationId xmlns:a16="http://schemas.microsoft.com/office/drawing/2014/main" id="{E8F331D0-8D88-4E95-9798-9F5302079F94}"/>
+              </a:ext>
+            </a:extLst>
+          </p:cNvPr>
+          <p:cNvSpPr txBox="1"/>
+          <p:nvPr/>
+        </p:nvSpPr>
+        <p:spPr>
+          <a:xfrm>
+            <a:off x="8741718" y="5059939"/>
+            <a:ext cx="492443" cy="307777"/>
+          </a:xfrm>
+          <a:prstGeom prst="rect">
+            <a:avLst/>
+          </a:prstGeom>
+          <a:noFill/>
+        </p:spPr>
+        <p:txBody>
+          <a:bodyPr wrap="none" rtlCol="0">
+            <a:spAutoFit/>
+          </a:bodyPr>
+          <a:lstStyle/>
+          <a:p>
+            <a:r>
+              <a:rPr lang="en-US" sz="1400" dirty="0">
+                <a:solidFill>
+                  <a:schemeClr val="accent1"/>
+                </a:solidFill>
+              </a:rPr>
+              <a:t>true</a:t>
+            </a:r>
+          </a:p>
+        </p:txBody>
+      </p:sp>
+      <p:sp>
+        <p:nvSpPr>
+          <p:cNvPr id="32" name="Diamond 31">
+            <a:extLst>
+              <a:ext uri="{FF2B5EF4-FFF2-40B4-BE49-F238E27FC236}">
+                <a16:creationId xmlns:a16="http://schemas.microsoft.com/office/drawing/2014/main" id="{88FB6C09-CE63-44E4-BC39-99ED6AB7596C}"/>
+              </a:ext>
+            </a:extLst>
+          </p:cNvPr>
+          <p:cNvSpPr/>
+          <p:nvPr/>
+        </p:nvSpPr>
+        <p:spPr>
+          <a:xfrm>
+            <a:off x="7009926" y="4015256"/>
+            <a:ext cx="3529664" cy="1051560"/>
+          </a:xfrm>
+          <a:prstGeom prst="diamond">
+            <a:avLst/>
+          </a:prstGeom>
+        </p:spPr>
+        <p:style>
+          <a:lnRef idx="2">
+            <a:schemeClr val="accent1">
+              <a:shade val="50000"/>
+            </a:schemeClr>
+          </a:lnRef>
+          <a:fillRef idx="1">
+            <a:schemeClr val="accent1"/>
+          </a:fillRef>
+          <a:effectRef idx="0">
+            <a:schemeClr val="accent1"/>
+          </a:effectRef>
+          <a:fontRef idx="minor">
+            <a:schemeClr val="lt1"/>
+          </a:fontRef>
+        </p:style>
+        <p:txBody>
+          <a:bodyPr rtlCol="0" anchor="ctr"/>
+          <a:lstStyle/>
+          <a:p>
+            <a:pPr algn="ctr"/>
+            <a:r>
+              <a:rPr lang="en-US" sz="1400" dirty="0"/>
+              <a:t>strcmp(selectedIdNo, books[i].idNo) == 0</a:t>
+            </a:r>
+          </a:p>
+        </p:txBody>
+      </p:sp>
+      <p:sp>
+        <p:nvSpPr>
+          <p:cNvPr id="34" name="TextBox 33">
+            <a:extLst>
+              <a:ext uri="{FF2B5EF4-FFF2-40B4-BE49-F238E27FC236}">
+                <a16:creationId xmlns:a16="http://schemas.microsoft.com/office/drawing/2014/main" id="{F27AC0E2-ED9E-4FC5-B37E-C9F0C38989F9}"/>
+              </a:ext>
+            </a:extLst>
+          </p:cNvPr>
+          <p:cNvSpPr txBox="1"/>
+          <p:nvPr/>
+        </p:nvSpPr>
+        <p:spPr>
+          <a:xfrm>
+            <a:off x="10707761" y="4276430"/>
+            <a:ext cx="524182" cy="307777"/>
+          </a:xfrm>
+          <a:prstGeom prst="rect">
+            <a:avLst/>
+          </a:prstGeom>
+          <a:noFill/>
+        </p:spPr>
+        <p:txBody>
+          <a:bodyPr wrap="none" rtlCol="0">
+            <a:spAutoFit/>
+          </a:bodyPr>
+          <a:lstStyle/>
+          <a:p>
+            <a:r>
+              <a:rPr lang="en-US" sz="1400" dirty="0">
+                <a:solidFill>
+                  <a:schemeClr val="accent1"/>
+                </a:solidFill>
+              </a:rPr>
+              <a:t>false</a:t>
+            </a:r>
+          </a:p>
+        </p:txBody>
+      </p:sp>
+      <p:sp>
+        <p:nvSpPr>
+          <p:cNvPr id="37" name="Parallelogram 36">
+            <a:extLst>
+              <a:ext uri="{FF2B5EF4-FFF2-40B4-BE49-F238E27FC236}">
+                <a16:creationId xmlns:a16="http://schemas.microsoft.com/office/drawing/2014/main" id="{34027455-D2DF-4A67-8AD2-01C7CE503FCF}"/>
+              </a:ext>
+            </a:extLst>
+          </p:cNvPr>
+          <p:cNvSpPr/>
+          <p:nvPr/>
+        </p:nvSpPr>
+        <p:spPr>
+          <a:xfrm>
+            <a:off x="8284943" y="5488312"/>
+            <a:ext cx="979630" cy="441845"/>
+          </a:xfrm>
+          <a:prstGeom prst="parallelogram">
+            <a:avLst/>
+          </a:prstGeom>
+        </p:spPr>
+        <p:style>
+          <a:lnRef idx="2">
+            <a:schemeClr val="accent1">
+              <a:shade val="50000"/>
+            </a:schemeClr>
+          </a:lnRef>
+          <a:fillRef idx="1">
+            <a:schemeClr val="accent1"/>
+          </a:fillRef>
+          <a:effectRef idx="0">
+            <a:schemeClr val="accent1"/>
+          </a:effectRef>
+          <a:fontRef idx="minor">
+            <a:schemeClr val="lt1"/>
+          </a:fontRef>
+        </p:style>
+        <p:txBody>
+          <a:bodyPr rtlCol="0" anchor="ctr"/>
+          <a:lstStyle/>
+          <a:p>
+            <a:pPr algn="ctr"/>
+            <a:r>
+              <a:rPr lang="en-US" sz="1400" dirty="0"/>
+              <a:t>return i</a:t>
+            </a:r>
+          </a:p>
+        </p:txBody>
+      </p:sp>
+      <p:cxnSp>
+        <p:nvCxnSpPr>
+          <p:cNvPr id="23" name="Straight Arrow Connector 22">
+            <a:extLst>
+              <a:ext uri="{FF2B5EF4-FFF2-40B4-BE49-F238E27FC236}">
+                <a16:creationId xmlns:a16="http://schemas.microsoft.com/office/drawing/2014/main" id="{590A2ACB-F320-4632-850D-F1BE782299EB}"/>
+              </a:ext>
+            </a:extLst>
+          </p:cNvPr>
+          <p:cNvCxnSpPr>
+            <a:cxnSpLocks/>
+            <a:stCxn id="32" idx="2"/>
+            <a:endCxn id="37" idx="0"/>
+          </p:cNvCxnSpPr>
+          <p:nvPr/>
+        </p:nvCxnSpPr>
+        <p:spPr>
+          <a:xfrm>
+            <a:off x="8774758" y="5066816"/>
+            <a:ext cx="0" cy="421496"/>
+          </a:xfrm>
+          <a:prstGeom prst="straightConnector1">
+            <a:avLst/>
+          </a:prstGeom>
+          <a:ln w="28575">
+            <a:tailEnd type="triangle"/>
+          </a:ln>
+        </p:spPr>
+        <p:style>
+          <a:lnRef idx="1">
+            <a:schemeClr val="accent1"/>
+          </a:lnRef>
+          <a:fillRef idx="0">
+            <a:schemeClr val="accent1"/>
+          </a:fillRef>
+          <a:effectRef idx="0">
+            <a:schemeClr val="accent1"/>
+          </a:effectRef>
+          <a:fontRef idx="minor">
+            <a:schemeClr val="tx1"/>
+          </a:fontRef>
+        </p:style>
+      </p:cxnSp>
+      <p:sp>
+        <p:nvSpPr>
+          <p:cNvPr id="50" name="Parallelogram 49">
+            <a:extLst>
+              <a:ext uri="{FF2B5EF4-FFF2-40B4-BE49-F238E27FC236}">
+                <a16:creationId xmlns:a16="http://schemas.microsoft.com/office/drawing/2014/main" id="{E08AC6FD-91F3-4888-A713-6F16FDCC8D84}"/>
+              </a:ext>
+            </a:extLst>
+          </p:cNvPr>
+          <p:cNvSpPr/>
+          <p:nvPr/>
+        </p:nvSpPr>
+        <p:spPr>
+          <a:xfrm>
+            <a:off x="4284404" y="2630193"/>
+            <a:ext cx="1249501" cy="523220"/>
+          </a:xfrm>
+          <a:prstGeom prst="parallelogram">
+            <a:avLst/>
+          </a:prstGeom>
+        </p:spPr>
+        <p:style>
+          <a:lnRef idx="2">
+            <a:schemeClr val="accent1">
+              <a:shade val="50000"/>
+            </a:schemeClr>
+          </a:lnRef>
+          <a:fillRef idx="1">
+            <a:schemeClr val="accent1"/>
+          </a:fillRef>
+          <a:effectRef idx="0">
+            <a:schemeClr val="accent1"/>
+          </a:effectRef>
+          <a:fontRef idx="minor">
+            <a:schemeClr val="lt1"/>
+          </a:fontRef>
+        </p:style>
+        <p:txBody>
+          <a:bodyPr rtlCol="0" anchor="ctr"/>
+          <a:lstStyle/>
+          <a:p>
+            <a:pPr algn="ctr"/>
+            <a:r>
+              <a:rPr lang="en-US" sz="1400" dirty="0"/>
+              <a:t>return -1</a:t>
+            </a:r>
+          </a:p>
+        </p:txBody>
+      </p:sp>
+      <p:cxnSp>
+        <p:nvCxnSpPr>
+          <p:cNvPr id="53" name="Straight Arrow Connector 52">
+            <a:extLst>
+              <a:ext uri="{FF2B5EF4-FFF2-40B4-BE49-F238E27FC236}">
+                <a16:creationId xmlns:a16="http://schemas.microsoft.com/office/drawing/2014/main" id="{D4356F09-D216-4050-82AE-BDCBE521FEC0}"/>
+              </a:ext>
+            </a:extLst>
+          </p:cNvPr>
+          <p:cNvCxnSpPr>
+            <a:cxnSpLocks/>
+            <a:stCxn id="50" idx="4"/>
+            <a:endCxn id="39" idx="0"/>
+          </p:cNvCxnSpPr>
+          <p:nvPr/>
+        </p:nvCxnSpPr>
+        <p:spPr>
+          <a:xfrm>
+            <a:off x="4909155" y="3153413"/>
+            <a:ext cx="42390" cy="2258641"/>
+          </a:xfrm>
+          <a:prstGeom prst="straightConnector1">
+            <a:avLst/>
+          </a:prstGeom>
+          <a:ln w="28575">
+            <a:tailEnd type="triangle"/>
+          </a:ln>
+        </p:spPr>
+        <p:style>
+          <a:lnRef idx="1">
+            <a:schemeClr val="accent1"/>
+          </a:lnRef>
+          <a:fillRef idx="0">
+            <a:schemeClr val="accent1"/>
+          </a:fillRef>
+          <a:effectRef idx="0">
+            <a:schemeClr val="accent1"/>
+          </a:effectRef>
+          <a:fontRef idx="minor">
+            <a:schemeClr val="tx1"/>
+          </a:fontRef>
+        </p:style>
+      </p:cxnSp>
+      <p:sp>
+        <p:nvSpPr>
+          <p:cNvPr id="87" name="TextBox 86">
+            <a:extLst>
+              <a:ext uri="{FF2B5EF4-FFF2-40B4-BE49-F238E27FC236}">
+                <a16:creationId xmlns:a16="http://schemas.microsoft.com/office/drawing/2014/main" id="{892AED48-46B6-46C5-9D1D-F82BB6761A0A}"/>
+              </a:ext>
+            </a:extLst>
+          </p:cNvPr>
+          <p:cNvSpPr txBox="1"/>
+          <p:nvPr/>
+        </p:nvSpPr>
+        <p:spPr>
+          <a:xfrm>
+            <a:off x="6639198" y="2633905"/>
+            <a:ext cx="524182" cy="307777"/>
+          </a:xfrm>
+          <a:prstGeom prst="rect">
+            <a:avLst/>
+          </a:prstGeom>
+          <a:noFill/>
+        </p:spPr>
+        <p:txBody>
+          <a:bodyPr wrap="none" rtlCol="0">
+            <a:spAutoFit/>
+          </a:bodyPr>
+          <a:lstStyle/>
+          <a:p>
+            <a:r>
+              <a:rPr lang="en-US" sz="1400" dirty="0">
+                <a:solidFill>
+                  <a:schemeClr val="accent1"/>
+                </a:solidFill>
+              </a:rPr>
+              <a:t>false</a:t>
+            </a:r>
+          </a:p>
+        </p:txBody>
+      </p:sp>
+      <p:sp>
+        <p:nvSpPr>
+          <p:cNvPr id="33" name="Rectangle 32">
+            <a:extLst>
+              <a:ext uri="{FF2B5EF4-FFF2-40B4-BE49-F238E27FC236}">
+                <a16:creationId xmlns:a16="http://schemas.microsoft.com/office/drawing/2014/main" id="{E531DDE0-46EB-4ACD-BA50-7D383C282413}"/>
+              </a:ext>
+            </a:extLst>
+          </p:cNvPr>
+          <p:cNvSpPr/>
+          <p:nvPr/>
+        </p:nvSpPr>
+        <p:spPr>
+          <a:xfrm>
+            <a:off x="3950277" y="1123187"/>
+            <a:ext cx="2002536" cy="667512"/>
+          </a:xfrm>
+          <a:prstGeom prst="rect">
+            <a:avLst/>
+          </a:prstGeom>
+        </p:spPr>
+        <p:style>
+          <a:lnRef idx="2">
+            <a:schemeClr val="accent1">
+              <a:shade val="50000"/>
+            </a:schemeClr>
+          </a:lnRef>
+          <a:fillRef idx="1">
+            <a:schemeClr val="accent1"/>
+          </a:fillRef>
+          <a:effectRef idx="0">
+            <a:schemeClr val="accent1"/>
+          </a:effectRef>
+          <a:fontRef idx="minor">
+            <a:schemeClr val="lt1"/>
+          </a:fontRef>
+        </p:style>
+        <p:txBody>
+          <a:bodyPr rtlCol="0" anchor="ctr"/>
+          <a:lstStyle/>
+          <a:p>
+            <a:pPr algn="ctr"/>
+            <a:r>
+              <a:rPr lang="en-US" sz="1400" dirty="0"/>
+              <a:t>User input book’s</a:t>
+            </a:r>
+            <a:br>
+              <a:rPr lang="en-US" sz="1400" dirty="0"/>
+            </a:br>
+            <a:r>
+              <a:rPr lang="en-US" sz="1400" dirty="0"/>
+              <a:t>identification number</a:t>
+            </a:r>
+          </a:p>
+        </p:txBody>
+      </p:sp>
+      <p:sp>
+        <p:nvSpPr>
+          <p:cNvPr id="39" name="Oval 38">
+            <a:extLst>
+              <a:ext uri="{FF2B5EF4-FFF2-40B4-BE49-F238E27FC236}">
+                <a16:creationId xmlns:a16="http://schemas.microsoft.com/office/drawing/2014/main" id="{D81494D7-A372-4C6F-AFD9-488F43326DEF}"/>
+              </a:ext>
+            </a:extLst>
+          </p:cNvPr>
+          <p:cNvSpPr/>
+          <p:nvPr/>
+        </p:nvSpPr>
+        <p:spPr>
+          <a:xfrm>
+            <a:off x="4293177" y="5412054"/>
+            <a:ext cx="1316736" cy="594360"/>
+          </a:xfrm>
+          <a:prstGeom prst="ellipse">
+            <a:avLst/>
+          </a:prstGeom>
+        </p:spPr>
+        <p:style>
+          <a:lnRef idx="2">
+            <a:schemeClr val="accent1">
+              <a:shade val="50000"/>
+            </a:schemeClr>
+          </a:lnRef>
+          <a:fillRef idx="1">
+            <a:schemeClr val="accent1"/>
+          </a:fillRef>
+          <a:effectRef idx="0">
+            <a:schemeClr val="accent1"/>
+          </a:effectRef>
+          <a:fontRef idx="minor">
+            <a:schemeClr val="lt1"/>
+          </a:fontRef>
+        </p:style>
+        <p:txBody>
+          <a:bodyPr rtlCol="0" anchor="ctr"/>
+          <a:lstStyle/>
+          <a:p>
+            <a:pPr algn="ctr"/>
+            <a:r>
+              <a:rPr lang="en-US" sz="1400" dirty="0"/>
+              <a:t>End</a:t>
+            </a:r>
+          </a:p>
+        </p:txBody>
+      </p:sp>
+      <p:cxnSp>
+        <p:nvCxnSpPr>
+          <p:cNvPr id="12" name="Straight Arrow Connector 11">
+            <a:extLst>
+              <a:ext uri="{FF2B5EF4-FFF2-40B4-BE49-F238E27FC236}">
+                <a16:creationId xmlns:a16="http://schemas.microsoft.com/office/drawing/2014/main" id="{5608146B-82D2-4F7F-AD8D-31A52FD89D68}"/>
+              </a:ext>
+            </a:extLst>
+          </p:cNvPr>
+          <p:cNvCxnSpPr>
+            <a:stCxn id="37" idx="5"/>
+            <a:endCxn id="39" idx="6"/>
+          </p:cNvCxnSpPr>
+          <p:nvPr/>
+        </p:nvCxnSpPr>
+        <p:spPr>
+          <a:xfrm flipH="1" flipV="1">
+            <a:off x="5609913" y="5709234"/>
+            <a:ext cx="2730261" cy="1"/>
+          </a:xfrm>
+          <a:prstGeom prst="straightConnector1">
+            <a:avLst/>
+          </a:prstGeom>
+          <a:ln w="28575">
+            <a:tailEnd type="triangle"/>
+          </a:ln>
+        </p:spPr>
+        <p:style>
+          <a:lnRef idx="1">
+            <a:schemeClr val="accent1"/>
+          </a:lnRef>
+          <a:fillRef idx="0">
+            <a:schemeClr val="accent1"/>
+          </a:fillRef>
+          <a:effectRef idx="0">
+            <a:schemeClr val="accent1"/>
+          </a:effectRef>
+          <a:fontRef idx="minor">
+            <a:schemeClr val="tx1"/>
+          </a:fontRef>
+        </p:style>
+      </p:cxnSp>
+      <p:cxnSp>
+        <p:nvCxnSpPr>
+          <p:cNvPr id="27" name="Straight Arrow Connector 26">
+            <a:extLst>
+              <a:ext uri="{FF2B5EF4-FFF2-40B4-BE49-F238E27FC236}">
+                <a16:creationId xmlns:a16="http://schemas.microsoft.com/office/drawing/2014/main" id="{97201D99-3630-40D7-80AC-4C9F1683E638}"/>
+              </a:ext>
+            </a:extLst>
+          </p:cNvPr>
+          <p:cNvCxnSpPr>
+            <a:stCxn id="33" idx="3"/>
+            <a:endCxn id="20" idx="1"/>
+          </p:cNvCxnSpPr>
+          <p:nvPr/>
+        </p:nvCxnSpPr>
+        <p:spPr>
+          <a:xfrm>
+            <a:off x="5952813" y="1456943"/>
+            <a:ext cx="1820677" cy="0"/>
+          </a:xfrm>
+          <a:prstGeom prst="straightConnector1">
+            <a:avLst/>
+          </a:prstGeom>
+          <a:ln w="28575">
+            <a:tailEnd type="triangle"/>
+          </a:ln>
+        </p:spPr>
+        <p:style>
+          <a:lnRef idx="1">
+            <a:schemeClr val="accent1"/>
+          </a:lnRef>
+          <a:fillRef idx="0">
+            <a:schemeClr val="accent1"/>
+          </a:fillRef>
+          <a:effectRef idx="0">
+            <a:schemeClr val="accent1"/>
+          </a:effectRef>
+          <a:fontRef idx="minor">
+            <a:schemeClr val="tx1"/>
+          </a:fontRef>
+        </p:style>
+      </p:cxnSp>
+      <p:cxnSp>
+        <p:nvCxnSpPr>
+          <p:cNvPr id="31" name="Straight Arrow Connector 30">
+            <a:extLst>
+              <a:ext uri="{FF2B5EF4-FFF2-40B4-BE49-F238E27FC236}">
+                <a16:creationId xmlns:a16="http://schemas.microsoft.com/office/drawing/2014/main" id="{898F4E77-2206-4E49-A7DF-7BCCACC55DD7}"/>
+              </a:ext>
+            </a:extLst>
+          </p:cNvPr>
+          <p:cNvCxnSpPr>
+            <a:cxnSpLocks/>
+            <a:stCxn id="22" idx="1"/>
+            <a:endCxn id="50" idx="2"/>
+          </p:cNvCxnSpPr>
+          <p:nvPr/>
+        </p:nvCxnSpPr>
+        <p:spPr>
+          <a:xfrm flipH="1">
+            <a:off x="5468503" y="2891803"/>
+            <a:ext cx="1956967" cy="0"/>
+          </a:xfrm>
+          <a:prstGeom prst="straightConnector1">
+            <a:avLst/>
+          </a:prstGeom>
+          <a:ln w="28575">
+            <a:tailEnd type="triangle"/>
+          </a:ln>
+        </p:spPr>
+        <p:style>
+          <a:lnRef idx="1">
+            <a:schemeClr val="accent1"/>
+          </a:lnRef>
+          <a:fillRef idx="0">
+            <a:schemeClr val="accent1"/>
+          </a:fillRef>
+          <a:effectRef idx="0">
+            <a:schemeClr val="accent1"/>
+          </a:effectRef>
+          <a:fontRef idx="minor">
+            <a:schemeClr val="tx1"/>
+          </a:fontRef>
+        </p:style>
+      </p:cxnSp>
+    </p:spTree>
+    <p:extLst>
+      <p:ext uri="{BB962C8B-B14F-4D97-AF65-F5344CB8AC3E}">
+        <p14:creationId xmlns:p14="http://schemas.microsoft.com/office/powerpoint/2010/main" val="1793055089"/>
+      </p:ext>
+    </p:extLst>
+  </p:cSld>
+  <p:clrMapOvr>
+    <a:masterClrMapping/>
+  </p:clrMapOvr>
+</p:sld>
+</file>
+
+<file path=ppt/slides/slide9.xml><?xml version="1.0" encoding="utf-8"?>
+<p:sld xmlns:a="http://schemas.openxmlformats.org/drawingml/2006/main" xmlns:r="http://schemas.openxmlformats.org/officeDocument/2006/relationships" xmlns:p="http://schemas.openxmlformats.org/presentationml/2006/main">
+  <p:cSld>
+    <p:spTree>
+      <p:nvGrpSpPr>
+        <p:cNvPr id="1" name=""/>
+        <p:cNvGrpSpPr/>
+        <p:nvPr/>
+      </p:nvGrpSpPr>
+      <p:grpSpPr>
+        <a:xfrm>
+          <a:off x="0" y="0"/>
+          <a:ext cx="0" cy="0"/>
+          <a:chOff x="0" y="0"/>
+          <a:chExt cx="0" cy="0"/>
+        </a:xfrm>
+      </p:grpSpPr>
+      <p:sp>
+        <p:nvSpPr>
+          <p:cNvPr id="4" name="Rectangle 3">
+            <a:extLst>
+              <a:ext uri="{FF2B5EF4-FFF2-40B4-BE49-F238E27FC236}">
+                <a16:creationId xmlns:a16="http://schemas.microsoft.com/office/drawing/2014/main" id="{01126451-1CD8-43DD-9BF1-128A503C5700}"/>
+              </a:ext>
+            </a:extLst>
+          </p:cNvPr>
+          <p:cNvSpPr/>
+          <p:nvPr/>
+        </p:nvSpPr>
+        <p:spPr>
+          <a:xfrm>
+            <a:off x="6677991" y="897271"/>
+            <a:ext cx="1516306" cy="356614"/>
+          </a:xfrm>
+          <a:prstGeom prst="rect">
+            <a:avLst/>
+          </a:prstGeom>
+        </p:spPr>
+        <p:style>
+          <a:lnRef idx="2">
+            <a:schemeClr val="accent1">
+              <a:shade val="50000"/>
+            </a:schemeClr>
+          </a:lnRef>
+          <a:fillRef idx="1">
+            <a:schemeClr val="accent1"/>
+          </a:fillRef>
+          <a:effectRef idx="0">
+            <a:schemeClr val="accent1"/>
+          </a:effectRef>
+          <a:fontRef idx="minor">
+            <a:schemeClr val="lt1"/>
+          </a:fontRef>
+        </p:style>
+        <p:txBody>
+          <a:bodyPr rtlCol="0" anchor="ctr"/>
+          <a:lstStyle/>
+          <a:p>
+            <a:pPr algn="ctr"/>
+            <a:r>
+              <a:rPr lang="en-US" sz="1400" dirty="0"/>
+              <a:t>Print Screen Title</a:t>
+            </a:r>
+          </a:p>
+        </p:txBody>
+      </p:sp>
+      <p:sp>
+        <p:nvSpPr>
+          <p:cNvPr id="9" name="Oval 8">
+            <a:extLst>
+              <a:ext uri="{FF2B5EF4-FFF2-40B4-BE49-F238E27FC236}">
+                <a16:creationId xmlns:a16="http://schemas.microsoft.com/office/drawing/2014/main" id="{423DAC25-A7FA-4762-AD9B-D349209C5332}"/>
+              </a:ext>
+            </a:extLst>
+          </p:cNvPr>
+          <p:cNvSpPr/>
+          <p:nvPr/>
+        </p:nvSpPr>
+        <p:spPr>
+          <a:xfrm>
+            <a:off x="6777776" y="88017"/>
+            <a:ext cx="1316736" cy="594360"/>
+          </a:xfrm>
+          <a:prstGeom prst="ellipse">
+            <a:avLst/>
+          </a:prstGeom>
+        </p:spPr>
+        <p:style>
+          <a:lnRef idx="2">
+            <a:schemeClr val="accent1">
+              <a:shade val="50000"/>
+            </a:schemeClr>
+          </a:lnRef>
+          <a:fillRef idx="1">
+            <a:schemeClr val="accent1"/>
+          </a:fillRef>
+          <a:effectRef idx="0">
+            <a:schemeClr val="accent1"/>
+          </a:effectRef>
+          <a:fontRef idx="minor">
+            <a:schemeClr val="lt1"/>
+          </a:fontRef>
+        </p:style>
+        <p:txBody>
+          <a:bodyPr rtlCol="0" anchor="ctr"/>
+          <a:lstStyle/>
+          <a:p>
+            <a:pPr algn="ctr"/>
+            <a:r>
+              <a:rPr lang="en-US" sz="1400" dirty="0"/>
+              <a:t>Open Screen</a:t>
+            </a:r>
+          </a:p>
+        </p:txBody>
+      </p:sp>
+      <p:sp>
+        <p:nvSpPr>
+          <p:cNvPr id="10" name="Oval 9">
+            <a:extLst>
+              <a:ext uri="{FF2B5EF4-FFF2-40B4-BE49-F238E27FC236}">
+                <a16:creationId xmlns:a16="http://schemas.microsoft.com/office/drawing/2014/main" id="{C5801644-109B-4AAC-A281-9A821CE966A3}"/>
+              </a:ext>
+            </a:extLst>
+          </p:cNvPr>
+          <p:cNvSpPr/>
+          <p:nvPr/>
+        </p:nvSpPr>
+        <p:spPr>
+          <a:xfrm>
+            <a:off x="10008214" y="5532886"/>
+            <a:ext cx="1936457" cy="713229"/>
+          </a:xfrm>
+          <a:prstGeom prst="ellipse">
+            <a:avLst/>
+          </a:prstGeom>
+        </p:spPr>
+        <p:style>
+          <a:lnRef idx="2">
+            <a:schemeClr val="accent1">
+              <a:shade val="50000"/>
+            </a:schemeClr>
+          </a:lnRef>
+          <a:fillRef idx="1">
+            <a:schemeClr val="accent1"/>
+          </a:fillRef>
+          <a:effectRef idx="0">
+            <a:schemeClr val="accent1"/>
+          </a:effectRef>
+          <a:fontRef idx="minor">
+            <a:schemeClr val="lt1"/>
+          </a:fontRef>
+        </p:style>
+        <p:txBody>
+          <a:bodyPr rtlCol="0" anchor="ctr"/>
+          <a:lstStyle/>
+          <a:p>
+            <a:pPr algn="ctr"/>
+            <a:r>
+              <a:rPr lang="en-US" sz="1400" dirty="0"/>
+              <a:t>Close screen and navigate to selected screen</a:t>
+            </a:r>
+          </a:p>
+        </p:txBody>
+      </p:sp>
+      <p:cxnSp>
+        <p:nvCxnSpPr>
+          <p:cNvPr id="11" name="Straight Arrow Connector 10">
+            <a:extLst>
+              <a:ext uri="{FF2B5EF4-FFF2-40B4-BE49-F238E27FC236}">
+                <a16:creationId xmlns:a16="http://schemas.microsoft.com/office/drawing/2014/main" id="{14A3FEB2-7006-4B10-8080-B97E85238E82}"/>
+              </a:ext>
+            </a:extLst>
+          </p:cNvPr>
+          <p:cNvCxnSpPr>
+            <a:cxnSpLocks/>
+            <a:stCxn id="9" idx="4"/>
+            <a:endCxn id="4" idx="0"/>
+          </p:cNvCxnSpPr>
+          <p:nvPr/>
+        </p:nvCxnSpPr>
+        <p:spPr>
+          <a:xfrm>
+            <a:off x="7436144" y="682377"/>
+            <a:ext cx="0" cy="214894"/>
+          </a:xfrm>
+          <a:prstGeom prst="straightConnector1">
+            <a:avLst/>
+          </a:prstGeom>
+          <a:ln w="28575">
+            <a:tailEnd type="triangle"/>
+          </a:ln>
+        </p:spPr>
+        <p:style>
+          <a:lnRef idx="1">
+            <a:schemeClr val="accent1"/>
+          </a:lnRef>
+          <a:fillRef idx="0">
+            <a:schemeClr val="accent1"/>
+          </a:fillRef>
+          <a:effectRef idx="0">
+            <a:schemeClr val="accent1"/>
+          </a:effectRef>
+          <a:fontRef idx="minor">
+            <a:schemeClr val="tx1"/>
+          </a:fontRef>
+        </p:style>
+      </p:cxnSp>
+      <p:cxnSp>
+        <p:nvCxnSpPr>
+          <p:cNvPr id="12" name="Straight Arrow Connector 11">
+            <a:extLst>
+              <a:ext uri="{FF2B5EF4-FFF2-40B4-BE49-F238E27FC236}">
+                <a16:creationId xmlns:a16="http://schemas.microsoft.com/office/drawing/2014/main" id="{233673F3-F49C-4580-9010-2DCEABD3B3C5}"/>
+              </a:ext>
+            </a:extLst>
+          </p:cNvPr>
+          <p:cNvCxnSpPr>
+            <a:cxnSpLocks/>
+            <a:stCxn id="4" idx="2"/>
+            <a:endCxn id="19" idx="0"/>
+          </p:cNvCxnSpPr>
+          <p:nvPr/>
+        </p:nvCxnSpPr>
+        <p:spPr>
+          <a:xfrm>
+            <a:off x="7436144" y="1253885"/>
+            <a:ext cx="0" cy="225546"/>
+          </a:xfrm>
+          <a:prstGeom prst="straightConnector1">
+            <a:avLst/>
+          </a:prstGeom>
+          <a:ln w="28575">
+            <a:tailEnd type="triangle"/>
+          </a:ln>
+        </p:spPr>
+        <p:style>
+          <a:lnRef idx="1">
+            <a:schemeClr val="accent1"/>
+          </a:lnRef>
+          <a:fillRef idx="0">
+            <a:schemeClr val="accent1"/>
+          </a:fillRef>
+          <a:effectRef idx="0">
+            <a:schemeClr val="accent1"/>
+          </a:effectRef>
+          <a:fontRef idx="minor">
+            <a:schemeClr val="tx1"/>
+          </a:fontRef>
+        </p:style>
+      </p:cxnSp>
+      <p:cxnSp>
+        <p:nvCxnSpPr>
+          <p:cNvPr id="13" name="Straight Arrow Connector 12">
+            <a:extLst>
+              <a:ext uri="{FF2B5EF4-FFF2-40B4-BE49-F238E27FC236}">
+                <a16:creationId xmlns:a16="http://schemas.microsoft.com/office/drawing/2014/main" id="{CEC90A3C-B953-4D39-8555-14AB5350A520}"/>
+              </a:ext>
+            </a:extLst>
+          </p:cNvPr>
+          <p:cNvCxnSpPr>
+            <a:cxnSpLocks/>
+            <a:stCxn id="19" idx="2"/>
+            <a:endCxn id="44" idx="0"/>
+          </p:cNvCxnSpPr>
+          <p:nvPr/>
+        </p:nvCxnSpPr>
+        <p:spPr>
+          <a:xfrm flipH="1">
+            <a:off x="7436143" y="2530991"/>
+            <a:ext cx="1" cy="359475"/>
+          </a:xfrm>
+          <a:prstGeom prst="straightConnector1">
+            <a:avLst/>
+          </a:prstGeom>
+          <a:ln w="28575">
+            <a:tailEnd type="triangle"/>
+          </a:ln>
+        </p:spPr>
+        <p:style>
+          <a:lnRef idx="1">
+            <a:schemeClr val="accent1"/>
+          </a:lnRef>
+          <a:fillRef idx="0">
+            <a:schemeClr val="accent1"/>
+          </a:fillRef>
+          <a:effectRef idx="0">
+            <a:schemeClr val="accent1"/>
+          </a:effectRef>
+          <a:fontRef idx="minor">
+            <a:schemeClr val="tx1"/>
+          </a:fontRef>
+        </p:style>
+      </p:cxnSp>
+      <p:cxnSp>
+        <p:nvCxnSpPr>
+          <p:cNvPr id="14" name="Straight Arrow Connector 13">
+            <a:extLst>
+              <a:ext uri="{FF2B5EF4-FFF2-40B4-BE49-F238E27FC236}">
+                <a16:creationId xmlns:a16="http://schemas.microsoft.com/office/drawing/2014/main" id="{1CF6278E-8FDE-4CB2-B984-78B08C7E8E76}"/>
+              </a:ext>
+            </a:extLst>
+          </p:cNvPr>
+          <p:cNvCxnSpPr>
+            <a:cxnSpLocks/>
+          </p:cNvCxnSpPr>
+          <p:nvPr/>
+        </p:nvCxnSpPr>
+        <p:spPr>
+          <a:xfrm flipH="1">
+            <a:off x="10976443" y="5081781"/>
+            <a:ext cx="9144" cy="451105"/>
+          </a:xfrm>
+          <a:prstGeom prst="straightConnector1">
+            <a:avLst/>
+          </a:prstGeom>
+          <a:ln w="28575">
+            <a:tailEnd type="triangle"/>
+          </a:ln>
+        </p:spPr>
+        <p:style>
+          <a:lnRef idx="1">
+            <a:schemeClr val="accent1"/>
+          </a:lnRef>
+          <a:fillRef idx="0">
+            <a:schemeClr val="accent1"/>
+          </a:fillRef>
+          <a:effectRef idx="0">
+            <a:schemeClr val="accent1"/>
+          </a:effectRef>
+          <a:fontRef idx="minor">
+            <a:schemeClr val="tx1"/>
+          </a:fontRef>
+        </p:style>
+      </p:cxnSp>
+      <p:sp>
+        <p:nvSpPr>
+          <p:cNvPr id="19" name="Diamond 18">
+            <a:extLst>
+              <a:ext uri="{FF2B5EF4-FFF2-40B4-BE49-F238E27FC236}">
+                <a16:creationId xmlns:a16="http://schemas.microsoft.com/office/drawing/2014/main" id="{0C9B9E0A-6752-4B76-AD77-6EB3AEE8019F}"/>
+              </a:ext>
+            </a:extLst>
+          </p:cNvPr>
+          <p:cNvSpPr/>
+          <p:nvPr/>
+        </p:nvSpPr>
+        <p:spPr>
+          <a:xfrm>
+            <a:off x="6086856" y="1479431"/>
+            <a:ext cx="2698575" cy="1051560"/>
+          </a:xfrm>
+          <a:prstGeom prst="diamond">
+            <a:avLst/>
+          </a:prstGeom>
+        </p:spPr>
+        <p:style>
+          <a:lnRef idx="2">
+            <a:schemeClr val="accent1">
+              <a:shade val="50000"/>
+            </a:schemeClr>
+          </a:lnRef>
+          <a:fillRef idx="1">
+            <a:schemeClr val="accent1"/>
+          </a:fillRef>
+          <a:effectRef idx="0">
+            <a:schemeClr val="accent1"/>
+          </a:effectRef>
+          <a:fontRef idx="minor">
+            <a:schemeClr val="lt1"/>
+          </a:fontRef>
+        </p:style>
+        <p:txBody>
+          <a:bodyPr rtlCol="0" anchor="ctr"/>
+          <a:lstStyle/>
+          <a:p>
+            <a:pPr algn="ctr"/>
+            <a:r>
+              <a:rPr lang="en-US" sz="1400" dirty="0"/>
+              <a:t>bookCount == 0</a:t>
+            </a:r>
+          </a:p>
+        </p:txBody>
+      </p:sp>
+      <p:sp>
+        <p:nvSpPr>
+          <p:cNvPr id="24" name="TextBox 23">
+            <a:extLst>
+              <a:ext uri="{FF2B5EF4-FFF2-40B4-BE49-F238E27FC236}">
+                <a16:creationId xmlns:a16="http://schemas.microsoft.com/office/drawing/2014/main" id="{510C764C-5CEB-4B7F-B8E3-C31F6123B178}"/>
+              </a:ext>
+            </a:extLst>
+          </p:cNvPr>
+          <p:cNvSpPr txBox="1"/>
+          <p:nvPr/>
+        </p:nvSpPr>
+        <p:spPr>
+          <a:xfrm>
+            <a:off x="7670115" y="2535458"/>
+            <a:ext cx="524182" cy="307777"/>
+          </a:xfrm>
+          <a:prstGeom prst="rect">
+            <a:avLst/>
+          </a:prstGeom>
+          <a:noFill/>
+        </p:spPr>
+        <p:txBody>
+          <a:bodyPr wrap="none" rtlCol="0">
+            <a:spAutoFit/>
+          </a:bodyPr>
+          <a:lstStyle/>
+          <a:p>
+            <a:r>
+              <a:rPr lang="en-US" sz="1400" dirty="0">
+                <a:solidFill>
+                  <a:schemeClr val="accent1"/>
+                </a:solidFill>
+              </a:rPr>
+              <a:t>false</a:t>
+            </a:r>
+          </a:p>
+        </p:txBody>
+      </p:sp>
+      <p:sp>
+        <p:nvSpPr>
+          <p:cNvPr id="25" name="Rectangle 24">
+            <a:extLst>
+              <a:ext uri="{FF2B5EF4-FFF2-40B4-BE49-F238E27FC236}">
+                <a16:creationId xmlns:a16="http://schemas.microsoft.com/office/drawing/2014/main" id="{F97D8E11-0C27-4C24-93A2-FE6E071E4814}"/>
+              </a:ext>
+            </a:extLst>
+          </p:cNvPr>
+          <p:cNvSpPr/>
+          <p:nvPr/>
+        </p:nvSpPr>
+        <p:spPr>
+          <a:xfrm>
+            <a:off x="10130812" y="1671455"/>
+            <a:ext cx="1644777" cy="667512"/>
+          </a:xfrm>
+          <a:prstGeom prst="rect">
+            <a:avLst/>
+          </a:prstGeom>
+        </p:spPr>
+        <p:style>
+          <a:lnRef idx="2">
+            <a:schemeClr val="accent1">
+              <a:shade val="50000"/>
+            </a:schemeClr>
+          </a:lnRef>
+          <a:fillRef idx="1">
+            <a:schemeClr val="accent1"/>
+          </a:fillRef>
+          <a:effectRef idx="0">
+            <a:schemeClr val="accent1"/>
+          </a:effectRef>
+          <a:fontRef idx="minor">
+            <a:schemeClr val="lt1"/>
+          </a:fontRef>
+        </p:style>
+        <p:txBody>
+          <a:bodyPr rtlCol="0" anchor="ctr"/>
+          <a:lstStyle/>
+          <a:p>
+            <a:pPr algn="ctr"/>
+            <a:r>
+              <a:rPr lang="en-US" sz="1400" dirty="0"/>
+              <a:t>No book added.</a:t>
+            </a:r>
+          </a:p>
+          <a:p>
+            <a:pPr algn="ctr"/>
+            <a:r>
+              <a:rPr lang="en-US" sz="1400" dirty="0"/>
+              <a:t>Prompt message to user</a:t>
+            </a:r>
+          </a:p>
+        </p:txBody>
+      </p:sp>
+      <p:cxnSp>
+        <p:nvCxnSpPr>
+          <p:cNvPr id="27" name="Straight Arrow Connector 26">
+            <a:extLst>
+              <a:ext uri="{FF2B5EF4-FFF2-40B4-BE49-F238E27FC236}">
+                <a16:creationId xmlns:a16="http://schemas.microsoft.com/office/drawing/2014/main" id="{51F6C035-DE13-4CB3-9264-B166F1292D55}"/>
+              </a:ext>
+            </a:extLst>
+          </p:cNvPr>
+          <p:cNvCxnSpPr>
+            <a:cxnSpLocks/>
+            <a:stCxn id="19" idx="3"/>
+            <a:endCxn id="25" idx="1"/>
+          </p:cNvCxnSpPr>
+          <p:nvPr/>
+        </p:nvCxnSpPr>
+        <p:spPr>
+          <a:xfrm>
+            <a:off x="8785431" y="2005211"/>
+            <a:ext cx="1345381" cy="0"/>
+          </a:xfrm>
+          <a:prstGeom prst="straightConnector1">
+            <a:avLst/>
+          </a:prstGeom>
+          <a:ln w="28575">
+            <a:solidFill>
+              <a:schemeClr val="accent1"/>
+            </a:solidFill>
+            <a:tailEnd type="triangle"/>
+          </a:ln>
+        </p:spPr>
+        <p:style>
+          <a:lnRef idx="1">
+            <a:schemeClr val="accent1"/>
+          </a:lnRef>
+          <a:fillRef idx="0">
+            <a:schemeClr val="accent1"/>
+          </a:fillRef>
+          <a:effectRef idx="0">
+            <a:schemeClr val="accent1"/>
+          </a:effectRef>
+          <a:fontRef idx="minor">
+            <a:schemeClr val="tx1"/>
+          </a:fontRef>
+        </p:style>
+      </p:cxnSp>
+      <p:sp>
+        <p:nvSpPr>
+          <p:cNvPr id="30" name="Rectangle: Rounded Corners 29">
+            <a:extLst>
+              <a:ext uri="{FF2B5EF4-FFF2-40B4-BE49-F238E27FC236}">
+                <a16:creationId xmlns:a16="http://schemas.microsoft.com/office/drawing/2014/main" id="{892A58FA-051B-4061-BA1E-950AAF8BBD56}"/>
+              </a:ext>
+            </a:extLst>
+          </p:cNvPr>
+          <p:cNvSpPr/>
+          <p:nvPr/>
+        </p:nvSpPr>
+        <p:spPr>
+          <a:xfrm>
+            <a:off x="10093951" y="4414269"/>
+            <a:ext cx="1718501" cy="667512"/>
+          </a:xfrm>
+          <a:prstGeom prst="roundRect">
+            <a:avLst/>
+          </a:prstGeom>
+        </p:spPr>
+        <p:style>
+          <a:lnRef idx="2">
+            <a:schemeClr val="accent1">
+              <a:shade val="50000"/>
+            </a:schemeClr>
+          </a:lnRef>
+          <a:fillRef idx="1">
+            <a:schemeClr val="accent1"/>
+          </a:fillRef>
+          <a:effectRef idx="0">
+            <a:schemeClr val="accent1"/>
+          </a:effectRef>
+          <a:fontRef idx="minor">
+            <a:schemeClr val="lt1"/>
+          </a:fontRef>
+        </p:style>
+        <p:txBody>
+          <a:bodyPr rtlCol="0" anchor="ctr"/>
+          <a:lstStyle/>
+          <a:p>
+            <a:pPr algn="ctr"/>
+            <a:r>
+              <a:rPr lang="en-US" sz="1400" dirty="0"/>
+              <a:t>Display option menu and process user selection</a:t>
+            </a:r>
+          </a:p>
+        </p:txBody>
+      </p:sp>
+      <p:sp>
+        <p:nvSpPr>
+          <p:cNvPr id="31" name="TextBox 30">
+            <a:extLst>
+              <a:ext uri="{FF2B5EF4-FFF2-40B4-BE49-F238E27FC236}">
+                <a16:creationId xmlns:a16="http://schemas.microsoft.com/office/drawing/2014/main" id="{A95AE19C-CA5D-4960-A441-FA46A2070BA0}"/>
+              </a:ext>
+            </a:extLst>
+          </p:cNvPr>
+          <p:cNvSpPr txBox="1"/>
+          <p:nvPr/>
+        </p:nvSpPr>
+        <p:spPr>
+          <a:xfrm>
+            <a:off x="2716785" y="2844313"/>
+            <a:ext cx="492443" cy="307777"/>
+          </a:xfrm>
+          <a:prstGeom prst="rect">
+            <a:avLst/>
+          </a:prstGeom>
+          <a:noFill/>
+        </p:spPr>
+        <p:txBody>
+          <a:bodyPr wrap="none" rtlCol="0">
+            <a:spAutoFit/>
+          </a:bodyPr>
+          <a:lstStyle/>
+          <a:p>
+            <a:r>
+              <a:rPr lang="en-US" sz="1400" dirty="0">
+                <a:solidFill>
+                  <a:schemeClr val="accent1"/>
+                </a:solidFill>
+              </a:rPr>
+              <a:t>true</a:t>
+            </a:r>
+          </a:p>
+        </p:txBody>
+      </p:sp>
+      <p:sp>
+        <p:nvSpPr>
+          <p:cNvPr id="32" name="Rectangle 31">
+            <a:extLst>
+              <a:ext uri="{FF2B5EF4-FFF2-40B4-BE49-F238E27FC236}">
+                <a16:creationId xmlns:a16="http://schemas.microsoft.com/office/drawing/2014/main" id="{524A9885-C5D6-47CA-A66A-CA2B38F22E63}"/>
+              </a:ext>
+            </a:extLst>
+          </p:cNvPr>
+          <p:cNvSpPr/>
+          <p:nvPr/>
+        </p:nvSpPr>
+        <p:spPr>
+          <a:xfrm>
+            <a:off x="1748556" y="485453"/>
+            <a:ext cx="2002536" cy="667512"/>
+          </a:xfrm>
+          <a:prstGeom prst="rect">
+            <a:avLst/>
+          </a:prstGeom>
+        </p:spPr>
+        <p:style>
+          <a:lnRef idx="2">
+            <a:schemeClr val="accent1">
+              <a:shade val="50000"/>
+            </a:schemeClr>
+          </a:lnRef>
+          <a:fillRef idx="1">
+            <a:schemeClr val="accent1"/>
+          </a:fillRef>
+          <a:effectRef idx="0">
+            <a:schemeClr val="accent1"/>
+          </a:effectRef>
+          <a:fontRef idx="minor">
+            <a:schemeClr val="lt1"/>
+          </a:fontRef>
+        </p:style>
+        <p:txBody>
+          <a:bodyPr rtlCol="0" anchor="ctr"/>
+          <a:lstStyle/>
+          <a:p>
+            <a:pPr algn="ctr"/>
+            <a:r>
+              <a:rPr lang="en-US" sz="1400" dirty="0"/>
+              <a:t>i = deletedBookIndex</a:t>
+            </a:r>
+          </a:p>
+        </p:txBody>
+      </p:sp>
+      <p:sp>
+        <p:nvSpPr>
+          <p:cNvPr id="33" name="Diamond 32">
+            <a:extLst>
+              <a:ext uri="{FF2B5EF4-FFF2-40B4-BE49-F238E27FC236}">
+                <a16:creationId xmlns:a16="http://schemas.microsoft.com/office/drawing/2014/main" id="{42AD1760-4350-4D1F-9124-191C269218F6}"/>
+              </a:ext>
+            </a:extLst>
+          </p:cNvPr>
+          <p:cNvSpPr/>
+          <p:nvPr/>
+        </p:nvSpPr>
+        <p:spPr>
+          <a:xfrm>
+            <a:off x="1400536" y="1728289"/>
+            <a:ext cx="2698575" cy="1051560"/>
+          </a:xfrm>
+          <a:prstGeom prst="diamond">
+            <a:avLst/>
+          </a:prstGeom>
+        </p:spPr>
+        <p:style>
+          <a:lnRef idx="2">
+            <a:schemeClr val="accent1">
+              <a:shade val="50000"/>
+            </a:schemeClr>
+          </a:lnRef>
+          <a:fillRef idx="1">
+            <a:schemeClr val="accent1"/>
+          </a:fillRef>
+          <a:effectRef idx="0">
+            <a:schemeClr val="accent1"/>
+          </a:effectRef>
+          <a:fontRef idx="minor">
+            <a:schemeClr val="lt1"/>
+          </a:fontRef>
+        </p:style>
+        <p:txBody>
+          <a:bodyPr rtlCol="0" anchor="ctr"/>
+          <a:lstStyle/>
+          <a:p>
+            <a:pPr algn="ctr"/>
+            <a:r>
+              <a:rPr lang="en-US" sz="1400" dirty="0"/>
+              <a:t>i &lt; bookCount</a:t>
+            </a:r>
+          </a:p>
+        </p:txBody>
+      </p:sp>
+      <p:cxnSp>
+        <p:nvCxnSpPr>
+          <p:cNvPr id="34" name="Straight Arrow Connector 33">
+            <a:extLst>
+              <a:ext uri="{FF2B5EF4-FFF2-40B4-BE49-F238E27FC236}">
+                <a16:creationId xmlns:a16="http://schemas.microsoft.com/office/drawing/2014/main" id="{F21F16CA-636B-4870-98EE-909B8E322A43}"/>
+              </a:ext>
+            </a:extLst>
+          </p:cNvPr>
+          <p:cNvCxnSpPr>
+            <a:stCxn id="32" idx="2"/>
+            <a:endCxn id="33" idx="0"/>
+          </p:cNvCxnSpPr>
+          <p:nvPr/>
+        </p:nvCxnSpPr>
+        <p:spPr>
+          <a:xfrm>
+            <a:off x="2749824" y="1152965"/>
+            <a:ext cx="0" cy="575324"/>
+          </a:xfrm>
+          <a:prstGeom prst="straightConnector1">
+            <a:avLst/>
+          </a:prstGeom>
+          <a:ln w="28575">
+            <a:tailEnd type="triangle"/>
+          </a:ln>
+        </p:spPr>
+        <p:style>
+          <a:lnRef idx="1">
+            <a:schemeClr val="accent1"/>
+          </a:lnRef>
+          <a:fillRef idx="0">
+            <a:schemeClr val="accent1"/>
+          </a:fillRef>
+          <a:effectRef idx="0">
+            <a:schemeClr val="accent1"/>
+          </a:effectRef>
+          <a:fontRef idx="minor">
+            <a:schemeClr val="tx1"/>
+          </a:fontRef>
+        </p:style>
+      </p:cxnSp>
+      <p:cxnSp>
+        <p:nvCxnSpPr>
+          <p:cNvPr id="35" name="Straight Arrow Connector 34">
+            <a:extLst>
+              <a:ext uri="{FF2B5EF4-FFF2-40B4-BE49-F238E27FC236}">
+                <a16:creationId xmlns:a16="http://schemas.microsoft.com/office/drawing/2014/main" id="{588280AC-F4DB-48FA-A69B-C9071E18E685}"/>
+              </a:ext>
+            </a:extLst>
+          </p:cNvPr>
+          <p:cNvCxnSpPr>
+            <a:cxnSpLocks/>
+            <a:stCxn id="33" idx="2"/>
+          </p:cNvCxnSpPr>
+          <p:nvPr/>
+        </p:nvCxnSpPr>
+        <p:spPr>
+          <a:xfrm>
+            <a:off x="2749824" y="2779849"/>
+            <a:ext cx="0" cy="602750"/>
+          </a:xfrm>
+          <a:prstGeom prst="straightConnector1">
+            <a:avLst/>
+          </a:prstGeom>
+          <a:ln w="28575">
+            <a:tailEnd type="triangle"/>
+          </a:ln>
+        </p:spPr>
+        <p:style>
+          <a:lnRef idx="1">
+            <a:schemeClr val="accent1"/>
+          </a:lnRef>
+          <a:fillRef idx="0">
+            <a:schemeClr val="accent1"/>
+          </a:fillRef>
+          <a:effectRef idx="0">
+            <a:schemeClr val="accent1"/>
+          </a:effectRef>
+          <a:fontRef idx="minor">
+            <a:schemeClr val="tx1"/>
+          </a:fontRef>
+        </p:style>
+      </p:cxnSp>
+      <p:sp>
+        <p:nvSpPr>
+          <p:cNvPr id="36" name="Parallelogram 35">
+            <a:extLst>
+              <a:ext uri="{FF2B5EF4-FFF2-40B4-BE49-F238E27FC236}">
+                <a16:creationId xmlns:a16="http://schemas.microsoft.com/office/drawing/2014/main" id="{12E9FC05-E887-45E9-A2BD-8E115FFF1E35}"/>
+              </a:ext>
+            </a:extLst>
+          </p:cNvPr>
+          <p:cNvSpPr/>
+          <p:nvPr/>
+        </p:nvSpPr>
+        <p:spPr>
+          <a:xfrm>
+            <a:off x="72644" y="2214740"/>
+            <a:ext cx="1044447" cy="540263"/>
+          </a:xfrm>
+          <a:prstGeom prst="parallelogram">
+            <a:avLst/>
+          </a:prstGeom>
+        </p:spPr>
+        <p:style>
+          <a:lnRef idx="2">
+            <a:schemeClr val="accent1">
+              <a:shade val="50000"/>
+            </a:schemeClr>
+          </a:lnRef>
+          <a:fillRef idx="1">
+            <a:schemeClr val="accent1"/>
+          </a:fillRef>
+          <a:effectRef idx="0">
+            <a:schemeClr val="accent1"/>
+          </a:effectRef>
+          <a:fontRef idx="minor">
+            <a:schemeClr val="lt1"/>
+          </a:fontRef>
+        </p:style>
+        <p:txBody>
+          <a:bodyPr rtlCol="0" anchor="ctr"/>
+          <a:lstStyle/>
+          <a:p>
+            <a:pPr algn="ctr"/>
+            <a:r>
+              <a:rPr lang="en-US" sz="1400" dirty="0"/>
+              <a:t>i ++</a:t>
+            </a:r>
+          </a:p>
+        </p:txBody>
+      </p:sp>
+      <p:cxnSp>
+        <p:nvCxnSpPr>
+          <p:cNvPr id="37" name="Connector: Elbow 36">
+            <a:extLst>
+              <a:ext uri="{FF2B5EF4-FFF2-40B4-BE49-F238E27FC236}">
+                <a16:creationId xmlns:a16="http://schemas.microsoft.com/office/drawing/2014/main" id="{B0DAA2FE-5EBF-4282-9E77-D9B1387D27E5}"/>
+              </a:ext>
+            </a:extLst>
+          </p:cNvPr>
+          <p:cNvCxnSpPr>
+            <a:cxnSpLocks/>
+            <a:stCxn id="57" idx="5"/>
+            <a:endCxn id="36" idx="4"/>
+          </p:cNvCxnSpPr>
+          <p:nvPr/>
+        </p:nvCxnSpPr>
+        <p:spPr>
+          <a:xfrm rot="10800000">
+            <a:off x="594868" y="2755003"/>
+            <a:ext cx="971094" cy="882342"/>
+          </a:xfrm>
+          <a:prstGeom prst="bentConnector2">
+            <a:avLst/>
+          </a:prstGeom>
+          <a:ln w="28575">
+            <a:tailEnd type="triangle"/>
+          </a:ln>
+        </p:spPr>
+        <p:style>
+          <a:lnRef idx="1">
+            <a:schemeClr val="accent1"/>
+          </a:lnRef>
+          <a:fillRef idx="0">
+            <a:schemeClr val="accent1"/>
+          </a:fillRef>
+          <a:effectRef idx="0">
+            <a:schemeClr val="accent1"/>
+          </a:effectRef>
+          <a:fontRef idx="minor">
+            <a:schemeClr val="tx1"/>
+          </a:fontRef>
+        </p:style>
+      </p:cxnSp>
+      <p:cxnSp>
+        <p:nvCxnSpPr>
+          <p:cNvPr id="38" name="Connector: Elbow 37">
+            <a:extLst>
+              <a:ext uri="{FF2B5EF4-FFF2-40B4-BE49-F238E27FC236}">
+                <a16:creationId xmlns:a16="http://schemas.microsoft.com/office/drawing/2014/main" id="{9E18F999-6CCE-4205-9A6D-C7B55097A8C2}"/>
+              </a:ext>
+            </a:extLst>
+          </p:cNvPr>
+          <p:cNvCxnSpPr>
+            <a:cxnSpLocks/>
+            <a:stCxn id="36" idx="0"/>
+          </p:cNvCxnSpPr>
+          <p:nvPr/>
+        </p:nvCxnSpPr>
+        <p:spPr>
+          <a:xfrm rot="5400000" flipH="1" flipV="1">
+            <a:off x="1246757" y="711673"/>
+            <a:ext cx="851179" cy="2154956"/>
+          </a:xfrm>
+          <a:prstGeom prst="bentConnector2">
+            <a:avLst/>
+          </a:prstGeom>
+          <a:ln w="28575">
+            <a:tailEnd type="triangle"/>
+          </a:ln>
+        </p:spPr>
+        <p:style>
+          <a:lnRef idx="1">
+            <a:schemeClr val="accent1"/>
+          </a:lnRef>
+          <a:fillRef idx="0">
+            <a:schemeClr val="accent1"/>
+          </a:fillRef>
+          <a:effectRef idx="0">
+            <a:schemeClr val="accent1"/>
+          </a:effectRef>
+          <a:fontRef idx="minor">
+            <a:schemeClr val="tx1"/>
+          </a:fontRef>
+        </p:style>
+      </p:cxnSp>
+      <p:sp>
+        <p:nvSpPr>
+          <p:cNvPr id="41" name="TextBox 40">
+            <a:extLst>
+              <a:ext uri="{FF2B5EF4-FFF2-40B4-BE49-F238E27FC236}">
+                <a16:creationId xmlns:a16="http://schemas.microsoft.com/office/drawing/2014/main" id="{29E97C59-F146-4EA7-AC08-C155AB557513}"/>
+              </a:ext>
+            </a:extLst>
+          </p:cNvPr>
+          <p:cNvSpPr txBox="1"/>
+          <p:nvPr/>
+        </p:nvSpPr>
+        <p:spPr>
+          <a:xfrm>
+            <a:off x="3860514" y="2535458"/>
+            <a:ext cx="524182" cy="307777"/>
+          </a:xfrm>
+          <a:prstGeom prst="rect">
+            <a:avLst/>
+          </a:prstGeom>
+          <a:noFill/>
+        </p:spPr>
+        <p:txBody>
+          <a:bodyPr wrap="square" rtlCol="0">
+            <a:spAutoFit/>
+          </a:bodyPr>
+          <a:lstStyle/>
+          <a:p>
+            <a:r>
+              <a:rPr lang="en-US" sz="1400" dirty="0">
+                <a:solidFill>
+                  <a:schemeClr val="accent1"/>
+                </a:solidFill>
+              </a:rPr>
+              <a:t>false</a:t>
+            </a:r>
+          </a:p>
+        </p:txBody>
+      </p:sp>
+      <p:sp>
+        <p:nvSpPr>
+          <p:cNvPr id="42" name="Parallelogram 41">
+            <a:extLst>
+              <a:ext uri="{FF2B5EF4-FFF2-40B4-BE49-F238E27FC236}">
+                <a16:creationId xmlns:a16="http://schemas.microsoft.com/office/drawing/2014/main" id="{E92FBAAE-889E-4971-8BB2-E843A89A5BEC}"/>
+              </a:ext>
+            </a:extLst>
+          </p:cNvPr>
+          <p:cNvSpPr/>
+          <p:nvPr/>
+        </p:nvSpPr>
+        <p:spPr>
+          <a:xfrm>
+            <a:off x="2260008" y="4850578"/>
+            <a:ext cx="1491083" cy="441845"/>
+          </a:xfrm>
+          <a:prstGeom prst="parallelogram">
+            <a:avLst/>
+          </a:prstGeom>
+        </p:spPr>
+        <p:style>
+          <a:lnRef idx="2">
+            <a:schemeClr val="accent1">
+              <a:shade val="50000"/>
+            </a:schemeClr>
+          </a:lnRef>
+          <a:fillRef idx="1">
+            <a:schemeClr val="accent1"/>
+          </a:fillRef>
+          <a:effectRef idx="0">
+            <a:schemeClr val="accent1"/>
+          </a:effectRef>
+          <a:fontRef idx="minor">
+            <a:schemeClr val="lt1"/>
+          </a:fontRef>
+        </p:style>
+        <p:txBody>
+          <a:bodyPr rtlCol="0" anchor="ctr"/>
+          <a:lstStyle/>
+          <a:p>
+            <a:pPr algn="ctr"/>
+            <a:r>
+              <a:rPr lang="en-US" sz="1400" dirty="0"/>
+              <a:t>bookCount --</a:t>
+            </a:r>
+          </a:p>
+        </p:txBody>
+      </p:sp>
+      <p:sp>
+        <p:nvSpPr>
+          <p:cNvPr id="44" name="Parallelogram 43">
+            <a:extLst>
+              <a:ext uri="{FF2B5EF4-FFF2-40B4-BE49-F238E27FC236}">
+                <a16:creationId xmlns:a16="http://schemas.microsoft.com/office/drawing/2014/main" id="{97D27C24-C511-4E89-8764-E65299764F63}"/>
+              </a:ext>
+            </a:extLst>
+          </p:cNvPr>
+          <p:cNvSpPr/>
+          <p:nvPr/>
+        </p:nvSpPr>
+        <p:spPr>
+          <a:xfrm>
+            <a:off x="5372071" y="2890466"/>
+            <a:ext cx="4128144" cy="850771"/>
+          </a:xfrm>
+          <a:prstGeom prst="parallelogram">
+            <a:avLst/>
+          </a:prstGeom>
+        </p:spPr>
+        <p:style>
+          <a:lnRef idx="2">
+            <a:schemeClr val="accent1">
+              <a:shade val="50000"/>
+            </a:schemeClr>
+          </a:lnRef>
+          <a:fillRef idx="1">
+            <a:schemeClr val="accent1"/>
+          </a:fillRef>
+          <a:effectRef idx="0">
+            <a:schemeClr val="accent1"/>
+          </a:effectRef>
+          <a:fontRef idx="minor">
+            <a:schemeClr val="lt1"/>
+          </a:fontRef>
+        </p:style>
+        <p:txBody>
+          <a:bodyPr rtlCol="0" anchor="ctr"/>
+          <a:lstStyle/>
+          <a:p>
+            <a:pPr algn="ctr"/>
+            <a:r>
+              <a:rPr lang="en-US" sz="1400" dirty="0"/>
+              <a:t>deletedBookIndex = searchBookByIdNo()</a:t>
+            </a:r>
+          </a:p>
+        </p:txBody>
+      </p:sp>
+      <p:sp>
+        <p:nvSpPr>
+          <p:cNvPr id="45" name="Diamond 44">
+            <a:extLst>
+              <a:ext uri="{FF2B5EF4-FFF2-40B4-BE49-F238E27FC236}">
+                <a16:creationId xmlns:a16="http://schemas.microsoft.com/office/drawing/2014/main" id="{4FF65FEF-264E-443D-950B-A8626B596472}"/>
+              </a:ext>
+            </a:extLst>
+          </p:cNvPr>
+          <p:cNvSpPr/>
+          <p:nvPr/>
+        </p:nvSpPr>
+        <p:spPr>
+          <a:xfrm>
+            <a:off x="5499246" y="4208908"/>
+            <a:ext cx="3892082" cy="1051560"/>
+          </a:xfrm>
+          <a:prstGeom prst="diamond">
+            <a:avLst/>
+          </a:prstGeom>
+        </p:spPr>
+        <p:style>
+          <a:lnRef idx="2">
+            <a:schemeClr val="accent1">
+              <a:shade val="50000"/>
+            </a:schemeClr>
+          </a:lnRef>
+          <a:fillRef idx="1">
+            <a:schemeClr val="accent1"/>
+          </a:fillRef>
+          <a:effectRef idx="0">
+            <a:schemeClr val="accent1"/>
+          </a:effectRef>
+          <a:fontRef idx="minor">
+            <a:schemeClr val="lt1"/>
+          </a:fontRef>
+        </p:style>
+        <p:txBody>
+          <a:bodyPr rtlCol="0" anchor="ctr"/>
+          <a:lstStyle/>
+          <a:p>
+            <a:pPr algn="ctr"/>
+            <a:r>
+              <a:rPr lang="en-US" sz="1400" dirty="0"/>
+              <a:t>deletedBookIndex == -1</a:t>
+            </a:r>
+          </a:p>
+        </p:txBody>
+      </p:sp>
+      <p:sp>
+        <p:nvSpPr>
+          <p:cNvPr id="57" name="Parallelogram 56">
+            <a:extLst>
+              <a:ext uri="{FF2B5EF4-FFF2-40B4-BE49-F238E27FC236}">
+                <a16:creationId xmlns:a16="http://schemas.microsoft.com/office/drawing/2014/main" id="{55AAB7C0-B9BF-4224-91BA-82C7C0044F1E}"/>
+              </a:ext>
+            </a:extLst>
+          </p:cNvPr>
+          <p:cNvSpPr/>
+          <p:nvPr/>
+        </p:nvSpPr>
+        <p:spPr>
+          <a:xfrm>
+            <a:off x="1501433" y="3379229"/>
+            <a:ext cx="2507622" cy="516232"/>
+          </a:xfrm>
+          <a:prstGeom prst="parallelogram">
+            <a:avLst/>
+          </a:prstGeom>
+        </p:spPr>
+        <p:style>
+          <a:lnRef idx="2">
+            <a:schemeClr val="accent1">
+              <a:shade val="50000"/>
+            </a:schemeClr>
+          </a:lnRef>
+          <a:fillRef idx="1">
+            <a:schemeClr val="accent1"/>
+          </a:fillRef>
+          <a:effectRef idx="0">
+            <a:schemeClr val="accent1"/>
+          </a:effectRef>
+          <a:fontRef idx="minor">
+            <a:schemeClr val="lt1"/>
+          </a:fontRef>
+        </p:style>
+        <p:txBody>
+          <a:bodyPr rtlCol="0" anchor="ctr"/>
+          <a:lstStyle/>
+          <a:p>
+            <a:pPr algn="ctr"/>
+            <a:r>
+              <a:rPr lang="en-US" sz="1400" dirty="0"/>
+              <a:t>books[ i ] = books[ i + 1 ]</a:t>
+            </a:r>
+          </a:p>
+        </p:txBody>
+      </p:sp>
+      <p:cxnSp>
+        <p:nvCxnSpPr>
+          <p:cNvPr id="61" name="Connector: Elbow 60">
+            <a:extLst>
+              <a:ext uri="{FF2B5EF4-FFF2-40B4-BE49-F238E27FC236}">
+                <a16:creationId xmlns:a16="http://schemas.microsoft.com/office/drawing/2014/main" id="{61C686C6-3C72-41B2-BFF7-CB9CEEF2351A}"/>
+              </a:ext>
+            </a:extLst>
+          </p:cNvPr>
+          <p:cNvCxnSpPr>
+            <a:stCxn id="33" idx="3"/>
+            <a:endCxn id="42" idx="2"/>
+          </p:cNvCxnSpPr>
+          <p:nvPr/>
+        </p:nvCxnSpPr>
+        <p:spPr>
+          <a:xfrm flipH="1">
+            <a:off x="3695860" y="2254069"/>
+            <a:ext cx="403251" cy="2817432"/>
+          </a:xfrm>
+          <a:prstGeom prst="bentConnector3">
+            <a:avLst>
+              <a:gd name="adj1" fmla="val -56689"/>
+            </a:avLst>
+          </a:prstGeom>
+          <a:ln w="28575">
+            <a:tailEnd type="triangle"/>
+          </a:ln>
+        </p:spPr>
+        <p:style>
+          <a:lnRef idx="1">
+            <a:schemeClr val="accent1"/>
+          </a:lnRef>
+          <a:fillRef idx="0">
+            <a:schemeClr val="accent1"/>
+          </a:fillRef>
+          <a:effectRef idx="0">
+            <a:schemeClr val="accent1"/>
+          </a:effectRef>
+          <a:fontRef idx="minor">
+            <a:schemeClr val="tx1"/>
+          </a:fontRef>
+        </p:style>
+      </p:cxnSp>
+      <p:cxnSp>
+        <p:nvCxnSpPr>
+          <p:cNvPr id="63" name="Connector: Elbow 62">
+            <a:extLst>
+              <a:ext uri="{FF2B5EF4-FFF2-40B4-BE49-F238E27FC236}">
+                <a16:creationId xmlns:a16="http://schemas.microsoft.com/office/drawing/2014/main" id="{C982CC8C-4F64-40EE-8B99-239E7C5F80D8}"/>
+              </a:ext>
+            </a:extLst>
+          </p:cNvPr>
+          <p:cNvCxnSpPr>
+            <a:stCxn id="45" idx="1"/>
+            <a:endCxn id="32" idx="3"/>
+          </p:cNvCxnSpPr>
+          <p:nvPr/>
+        </p:nvCxnSpPr>
+        <p:spPr>
+          <a:xfrm rot="10800000">
+            <a:off x="3751092" y="819210"/>
+            <a:ext cx="1748154" cy="3915479"/>
+          </a:xfrm>
+          <a:prstGeom prst="bentConnector3">
+            <a:avLst>
+              <a:gd name="adj1" fmla="val 30930"/>
+            </a:avLst>
+          </a:prstGeom>
+          <a:ln w="28575">
+            <a:tailEnd type="triangle"/>
+          </a:ln>
+        </p:spPr>
+        <p:style>
+          <a:lnRef idx="1">
+            <a:schemeClr val="accent1"/>
+          </a:lnRef>
+          <a:fillRef idx="0">
+            <a:schemeClr val="accent1"/>
+          </a:fillRef>
+          <a:effectRef idx="0">
+            <a:schemeClr val="accent1"/>
+          </a:effectRef>
+          <a:fontRef idx="minor">
+            <a:schemeClr val="tx1"/>
+          </a:fontRef>
+        </p:style>
+      </p:cxnSp>
+      <p:cxnSp>
+        <p:nvCxnSpPr>
+          <p:cNvPr id="67" name="Straight Arrow Connector 66">
+            <a:extLst>
+              <a:ext uri="{FF2B5EF4-FFF2-40B4-BE49-F238E27FC236}">
+                <a16:creationId xmlns:a16="http://schemas.microsoft.com/office/drawing/2014/main" id="{29CD59CB-6067-414E-B9B8-936F978F273B}"/>
+              </a:ext>
+            </a:extLst>
+          </p:cNvPr>
+          <p:cNvCxnSpPr>
+            <a:stCxn id="44" idx="4"/>
+            <a:endCxn id="45" idx="0"/>
+          </p:cNvCxnSpPr>
+          <p:nvPr/>
+        </p:nvCxnSpPr>
+        <p:spPr>
+          <a:xfrm>
+            <a:off x="7436143" y="3741237"/>
+            <a:ext cx="9144" cy="467671"/>
+          </a:xfrm>
+          <a:prstGeom prst="straightConnector1">
+            <a:avLst/>
+          </a:prstGeom>
+          <a:ln w="28575">
+            <a:tailEnd type="triangle"/>
+          </a:ln>
+        </p:spPr>
+        <p:style>
+          <a:lnRef idx="1">
+            <a:schemeClr val="accent1"/>
+          </a:lnRef>
+          <a:fillRef idx="0">
+            <a:schemeClr val="accent1"/>
+          </a:fillRef>
+          <a:effectRef idx="0">
+            <a:schemeClr val="accent1"/>
+          </a:effectRef>
+          <a:fontRef idx="minor">
+            <a:schemeClr val="tx1"/>
+          </a:fontRef>
+        </p:style>
+      </p:cxnSp>
+      <p:cxnSp>
+        <p:nvCxnSpPr>
+          <p:cNvPr id="72" name="Straight Arrow Connector 71">
+            <a:extLst>
+              <a:ext uri="{FF2B5EF4-FFF2-40B4-BE49-F238E27FC236}">
+                <a16:creationId xmlns:a16="http://schemas.microsoft.com/office/drawing/2014/main" id="{2DC0230C-1E22-4EA2-AB0A-C1438D886DE1}"/>
+              </a:ext>
+            </a:extLst>
+          </p:cNvPr>
+          <p:cNvCxnSpPr>
+            <a:cxnSpLocks/>
+            <a:stCxn id="25" idx="2"/>
+            <a:endCxn id="30" idx="0"/>
+          </p:cNvCxnSpPr>
+          <p:nvPr/>
+        </p:nvCxnSpPr>
+        <p:spPr>
+          <a:xfrm>
+            <a:off x="10953201" y="2338967"/>
+            <a:ext cx="1" cy="2075302"/>
+          </a:xfrm>
+          <a:prstGeom prst="straightConnector1">
+            <a:avLst/>
+          </a:prstGeom>
+          <a:ln w="28575">
+            <a:tailEnd type="triangle"/>
+          </a:ln>
+        </p:spPr>
+        <p:style>
+          <a:lnRef idx="1">
+            <a:schemeClr val="accent1"/>
+          </a:lnRef>
+          <a:fillRef idx="0">
+            <a:schemeClr val="accent1"/>
+          </a:fillRef>
+          <a:effectRef idx="0">
+            <a:schemeClr val="accent1"/>
+          </a:effectRef>
+          <a:fontRef idx="minor">
+            <a:schemeClr val="tx1"/>
+          </a:fontRef>
+        </p:style>
+      </p:cxnSp>
+      <p:cxnSp>
+        <p:nvCxnSpPr>
+          <p:cNvPr id="76" name="Connector: Elbow 75">
+            <a:extLst>
+              <a:ext uri="{FF2B5EF4-FFF2-40B4-BE49-F238E27FC236}">
+                <a16:creationId xmlns:a16="http://schemas.microsoft.com/office/drawing/2014/main" id="{93A26EA6-6C07-4FD4-B236-C0BA811FE28A}"/>
+              </a:ext>
+            </a:extLst>
+          </p:cNvPr>
+          <p:cNvCxnSpPr>
+            <a:stCxn id="42" idx="4"/>
+            <a:endCxn id="30" idx="1"/>
+          </p:cNvCxnSpPr>
+          <p:nvPr/>
+        </p:nvCxnSpPr>
+        <p:spPr>
+          <a:xfrm rot="5400000" flipH="1" flipV="1">
+            <a:off x="6277551" y="1476023"/>
+            <a:ext cx="544398" cy="7088401"/>
+          </a:xfrm>
+          <a:prstGeom prst="bentConnector4">
+            <a:avLst>
+              <a:gd name="adj1" fmla="val -215206"/>
+              <a:gd name="adj2" fmla="val 92481"/>
+            </a:avLst>
+          </a:prstGeom>
+          <a:ln w="28575">
+            <a:tailEnd type="triangle"/>
+          </a:ln>
+        </p:spPr>
+        <p:style>
+          <a:lnRef idx="1">
+            <a:schemeClr val="accent1"/>
+          </a:lnRef>
+          <a:fillRef idx="0">
+            <a:schemeClr val="accent1"/>
+          </a:fillRef>
+          <a:effectRef idx="0">
+            <a:schemeClr val="accent1"/>
+          </a:effectRef>
+          <a:fontRef idx="minor">
+            <a:schemeClr val="tx1"/>
+          </a:fontRef>
+        </p:style>
+      </p:cxnSp>
+      <p:sp>
+        <p:nvSpPr>
+          <p:cNvPr id="78" name="TextBox 77">
+            <a:extLst>
+              <a:ext uri="{FF2B5EF4-FFF2-40B4-BE49-F238E27FC236}">
+                <a16:creationId xmlns:a16="http://schemas.microsoft.com/office/drawing/2014/main" id="{BEAC9D78-1755-4A11-B26C-4FC1D78C2C04}"/>
+              </a:ext>
+            </a:extLst>
+          </p:cNvPr>
+          <p:cNvSpPr txBox="1"/>
+          <p:nvPr/>
+        </p:nvSpPr>
+        <p:spPr>
+          <a:xfrm>
+            <a:off x="4975065" y="4426911"/>
+            <a:ext cx="524182" cy="307777"/>
+          </a:xfrm>
+          <a:prstGeom prst="rect">
+            <a:avLst/>
+          </a:prstGeom>
+          <a:noFill/>
+        </p:spPr>
+        <p:txBody>
+          <a:bodyPr wrap="square" rtlCol="0">
+            <a:spAutoFit/>
+          </a:bodyPr>
+          <a:lstStyle/>
+          <a:p>
+            <a:r>
+              <a:rPr lang="en-US" sz="1400" dirty="0">
+                <a:solidFill>
+                  <a:schemeClr val="accent1"/>
+                </a:solidFill>
+              </a:rPr>
+              <a:t>false</a:t>
+            </a:r>
+          </a:p>
+        </p:txBody>
+      </p:sp>
+      <p:sp>
+        <p:nvSpPr>
+          <p:cNvPr id="84" name="Rectangle 83">
+            <a:extLst>
+              <a:ext uri="{FF2B5EF4-FFF2-40B4-BE49-F238E27FC236}">
+                <a16:creationId xmlns:a16="http://schemas.microsoft.com/office/drawing/2014/main" id="{DD7AD0DD-C652-49DF-8D54-D391BFEAE2A7}"/>
+              </a:ext>
+            </a:extLst>
+          </p:cNvPr>
+          <p:cNvSpPr/>
+          <p:nvPr/>
+        </p:nvSpPr>
+        <p:spPr>
+          <a:xfrm>
+            <a:off x="6622898" y="5633278"/>
+            <a:ext cx="1644777" cy="667512"/>
+          </a:xfrm>
+          <a:prstGeom prst="rect">
+            <a:avLst/>
+          </a:prstGeom>
+        </p:spPr>
+        <p:style>
+          <a:lnRef idx="2">
+            <a:schemeClr val="accent1">
+              <a:shade val="50000"/>
+            </a:schemeClr>
+          </a:lnRef>
+          <a:fillRef idx="1">
+            <a:schemeClr val="accent1"/>
+          </a:fillRef>
+          <a:effectRef idx="0">
+            <a:schemeClr val="accent1"/>
+          </a:effectRef>
+          <a:fontRef idx="minor">
+            <a:schemeClr val="lt1"/>
+          </a:fontRef>
+        </p:style>
+        <p:txBody>
+          <a:bodyPr rtlCol="0" anchor="ctr"/>
+          <a:lstStyle/>
+          <a:p>
+            <a:pPr algn="ctr"/>
+            <a:r>
+              <a:rPr lang="en-US" sz="1400" dirty="0"/>
+              <a:t>No book found.</a:t>
+            </a:r>
+          </a:p>
+          <a:p>
+            <a:pPr algn="ctr"/>
+            <a:r>
+              <a:rPr lang="en-US" sz="1400" dirty="0"/>
+              <a:t>Prompt message to user</a:t>
+            </a:r>
+          </a:p>
+        </p:txBody>
+      </p:sp>
+      <p:cxnSp>
+        <p:nvCxnSpPr>
+          <p:cNvPr id="87" name="Straight Arrow Connector 86">
+            <a:extLst>
+              <a:ext uri="{FF2B5EF4-FFF2-40B4-BE49-F238E27FC236}">
+                <a16:creationId xmlns:a16="http://schemas.microsoft.com/office/drawing/2014/main" id="{95ACE7CA-85A7-4EF0-95F4-129050C670D1}"/>
+              </a:ext>
+            </a:extLst>
+          </p:cNvPr>
+          <p:cNvCxnSpPr>
+            <a:stCxn id="45" idx="2"/>
+            <a:endCxn id="84" idx="0"/>
+          </p:cNvCxnSpPr>
+          <p:nvPr/>
+        </p:nvCxnSpPr>
+        <p:spPr>
+          <a:xfrm>
+            <a:off x="7445287" y="5260468"/>
+            <a:ext cx="0" cy="372810"/>
+          </a:xfrm>
+          <a:prstGeom prst="straightConnector1">
+            <a:avLst/>
+          </a:prstGeom>
+          <a:ln w="28575">
+            <a:tailEnd type="triangle"/>
+          </a:ln>
+        </p:spPr>
+        <p:style>
+          <a:lnRef idx="1">
+            <a:schemeClr val="accent1"/>
+          </a:lnRef>
+          <a:fillRef idx="0">
+            <a:schemeClr val="accent1"/>
+          </a:fillRef>
+          <a:effectRef idx="0">
+            <a:schemeClr val="accent1"/>
+          </a:effectRef>
+          <a:fontRef idx="minor">
+            <a:schemeClr val="tx1"/>
+          </a:fontRef>
+        </p:style>
+      </p:cxnSp>
+      <p:cxnSp>
+        <p:nvCxnSpPr>
+          <p:cNvPr id="94" name="Straight Arrow Connector 93">
+            <a:extLst>
+              <a:ext uri="{FF2B5EF4-FFF2-40B4-BE49-F238E27FC236}">
+                <a16:creationId xmlns:a16="http://schemas.microsoft.com/office/drawing/2014/main" id="{D0BAB57B-065E-42A0-91C9-9E6CDCCF4FF5}"/>
+              </a:ext>
+            </a:extLst>
+          </p:cNvPr>
+          <p:cNvCxnSpPr>
+            <a:cxnSpLocks/>
+            <a:stCxn id="84" idx="3"/>
+          </p:cNvCxnSpPr>
+          <p:nvPr/>
+        </p:nvCxnSpPr>
+        <p:spPr>
+          <a:xfrm>
+            <a:off x="8267675" y="5967034"/>
+            <a:ext cx="1314475" cy="0"/>
+          </a:xfrm>
+          <a:prstGeom prst="straightConnector1">
+            <a:avLst/>
+          </a:prstGeom>
+          <a:ln w="28575">
+            <a:tailEnd type="triangle"/>
+          </a:ln>
+        </p:spPr>
+        <p:style>
+          <a:lnRef idx="1">
+            <a:schemeClr val="accent1"/>
+          </a:lnRef>
+          <a:fillRef idx="0">
+            <a:schemeClr val="accent1"/>
+          </a:fillRef>
+          <a:effectRef idx="0">
+            <a:schemeClr val="accent1"/>
+          </a:effectRef>
+          <a:fontRef idx="minor">
+            <a:schemeClr val="tx1"/>
+          </a:fontRef>
+        </p:style>
+      </p:cxnSp>
+      <p:sp>
+        <p:nvSpPr>
+          <p:cNvPr id="96" name="TextBox 95">
+            <a:extLst>
+              <a:ext uri="{FF2B5EF4-FFF2-40B4-BE49-F238E27FC236}">
+                <a16:creationId xmlns:a16="http://schemas.microsoft.com/office/drawing/2014/main" id="{4830B491-60F1-41AE-AB51-ECF94C3A639D}"/>
+              </a:ext>
+            </a:extLst>
+          </p:cNvPr>
+          <p:cNvSpPr txBox="1"/>
+          <p:nvPr/>
+        </p:nvSpPr>
+        <p:spPr>
+          <a:xfrm>
+            <a:off x="7423893" y="5252616"/>
+            <a:ext cx="492443" cy="307777"/>
+          </a:xfrm>
+          <a:prstGeom prst="rect">
+            <a:avLst/>
+          </a:prstGeom>
+          <a:noFill/>
+        </p:spPr>
+        <p:txBody>
+          <a:bodyPr wrap="none" rtlCol="0">
+            <a:spAutoFit/>
+          </a:bodyPr>
+          <a:lstStyle/>
+          <a:p>
+            <a:r>
+              <a:rPr lang="en-US" sz="1400" dirty="0">
+                <a:solidFill>
+                  <a:schemeClr val="accent1"/>
+                </a:solidFill>
+              </a:rPr>
+              <a:t>true</a:t>
+            </a:r>
+          </a:p>
+        </p:txBody>
+      </p:sp>
+    </p:spTree>
+    <p:extLst>
+      <p:ext uri="{BB962C8B-B14F-4D97-AF65-F5344CB8AC3E}">
+        <p14:creationId xmlns:p14="http://schemas.microsoft.com/office/powerpoint/2010/main" val="4288710822"/>
       </p:ext>
     </p:extLst>
   </p:cSld>
